--- a/Documents/Poster/ProjectPoster.pptx
+++ b/Documents/Poster/ProjectPoster.pptx
@@ -112,6 +112,36 @@
 </p:presentation>
 </file>
 
+<file path=ppt/ink/ink1.xml><?xml version="1.0" encoding="utf-8"?>
+<inkml:ink xmlns:inkml="http://www.w3.org/2003/InkML">
+  <inkml:definitions>
+    <inkml:context xml:id="ctx0">
+      <inkml:inkSource xml:id="inkSrc0">
+        <inkml:traceFormat>
+          <inkml:channel name="X" type="integer" min="-2.14748E9" max="2.14748E9" units="cm"/>
+          <inkml:channel name="Y" type="integer" min="-2.14748E9" max="2.14748E9" units="cm"/>
+          <inkml:channel name="F" type="integer" max="32767" units="dev"/>
+        </inkml:traceFormat>
+        <inkml:channelProperties>
+          <inkml:channelProperty channel="X" name="resolution" value="1000" units="1/cm"/>
+          <inkml:channelProperty channel="Y" name="resolution" value="1000" units="1/cm"/>
+          <inkml:channelProperty channel="F" name="resolution" value="0" units="1/dev"/>
+        </inkml:channelProperties>
+      </inkml:inkSource>
+      <inkml:timestamp xml:id="ts0" timeString="2019-03-26T09:57:35.514"/>
+    </inkml:context>
+    <inkml:brush xml:id="br0">
+      <inkml:brushProperty name="width" value="0.35" units="cm"/>
+      <inkml:brushProperty name="height" value="0.35" units="cm"/>
+      <inkml:brushProperty name="color" value="#FFFFFF"/>
+    </inkml:brush>
+  </inkml:definitions>
+  <inkml:trace contextRef="#ctx0" brushRef="#br0">3521 1888 24575,'-5'-39'0,"4"12"0,-4 5 0,1 11 0,2 1 0,-2-1 0,-3-8 0,6 7 0,-5-7 0,-1 1 0,2 6 0,-3-6 0,-1 8 0,8-1 0,-4 0 0,5 1 0,-4 0 0,2-1 0,-2 1 0,4-1 0,0 0 0,0 0 0,0 1 0,-5-1 0,4 0 0,-4 1 0,5-1 0,0 2 0,-5-2 0,4 2 0,-4-2 0,0 1 0,4-1 0,-4 0 0,5-7 0,0 5 0,-6-12 0,5 12 0,-6-5 0,3 7 0,2-8 0,-2 7 0,4-7 0,-5 9 0,4-1 0,-9 0 0,9 1 0,-4-9 0,0 7 0,4-14 0,-4 13 0,-1-13 0,5 14 0,-12-14 0,12 13 0,-6-13 0,7 14 0,0-6 0,-4 7 0,2 2 0,-2-1 0,4 0 0,0-1 0,0 0 0,0 0 0,-5 1 0,4-9 0,-4 7 0,5-7 0,0 9 0,0-9 0,0 7 0,0-14 0,0 13 0,-5-5 0,4-1 0,-4 7 0,5-14 0,0 13 0,0-5 0,0 0 0,-5 5 0,4-13 0,-4 6 0,5-7 0,-6-1 0,4 0 0,-4 0 0,6 1 0,0 7 0,-6-6 0,5 13 0,-6-5 0,7 7 0,0 1 0,-4-1 0,2 1 0,-2-1 0,-1 1 0,4-1 0,-9 0 0,9-7 0,-9 5 0,3-13 0,-6 6 0,1 0 0,0 2 0,6 7 0,-4 0 0,9 0 0,-4 1 0,0 4 0,4-4 0,-7 5 0,7-5 0,-3 2 0,-1-1 0,4 0 0,14 27 0,-9-4 0,19 17 0,-17-13 0,0-8 0,3 1 0,-2 7 0,0 2 0,5 8 0,-11-1 0,11 0 0,-4 1 0,-1-1 0,6 1 0,-12-1 0,11 1 0,-4 0 0,0-1 0,-2-7 0,0 6 0,0-14 0,2 14 0,1-13 0,-8 12 0,9-12 0,-9 13 0,4-14 0,1 14 0,-5-14 0,5 7 0,-6-9 0,0 8 0,0-5 0,4 4 0,-3-60 0,4 16 0,-5-63 0,0 40 0,8-27 0,-5 23 0,6-10 0,-9 23 0,0 3 0,0 10 0,0 9 0,0 1 0,0 10 0,0-2 0,0-6 0,0-5 0,0-6 0,0 7 0,0-5 0,0 12 0,0-5 0,0 7 0,-4 5 0,-6 1 0,0 5 0,-5 0 0,4 0 0,0 0 0,-7 0 0,5 0 0,-5 0 0,8 0 0,0 0 0,-1 0 0,-7 0 0,5 0 0,-5 0 0,7 0 0,0 0 0,0 0 0,-7 0 0,5 0 0,-5 0 0,0 0 0,5 0 0,-13 0 0,14 5 0,-14-4 0,5 4 0,-6-5 0,7 0 0,-15 0 0,20 0 0,-20 6 0,15-5 0,-7 5 0,-1-6 0,0 0 0,1 0 0,-1 0 0,0 0 0,0 0 0,8-5 0,-6 4 0,6-4 0,0 1 0,-6 2 0,13-2 0,-12-2 0,12-1 0,-5 0 0,-1 2 0,7 5 0,-14 0 0,13-5 0,-5 4 0,8-4 0,-9 5 0,7 0 0,-7 0 0,1 0 0,-7-6 0,4 4 0,-10-4 0,18 6 0,-12-6 0,5 5 0,0-5 0,-16-2 0,14 6 0,-16-5 0,11 7 0,-1 6 0,8-5 0,-6 6 0,6-7 0,-8 0 0,0 0 0,8-5 0,-6 4 0,14-4 0,-7 0 0,9 4 0,-1-4 0,0 5 0,0 0 0,1 0 0,1 0 0,-1-4 0,1 3 0,-1-3 0,-1 4 0,-7-6 0,-3 4 0,-6-4 0,-11 6 0,8 0 0,-7 0 0,9 0 0,1 0 0,7 0 0,-6 0 0,6 0 0,-8 6 0,8-4 0,-6 4 0,14-6 0,-7 0 0,9 0 0,-9 0 0,7 0 0,-7 0 0,9 0 0,-1 0 0,0 0 0,0 0 0,0 0 0,1 0 0,-1 0 0,0 0 0,0 0 0,0 0 0,1 0 0,-1-5 0,-7 4 0,5-4 0,-13 5 0,6 0 0,-8 0 0,0 0 0,1 0 0,-6 0 0,4 0 0,4 0 0,-1 0 0,14 0 0,-7 0 0,1 0 0,5 0 0,-5 0 0,0 0 0,5 0 0,-5 0 0,8 0 0,1 0 0,1 0 0,-11 0 0,8 0 0,-8 0 0,11 0 0,-1 0 0,-4 0 0,3 0 0,-4 0 0,4 0 0</inkml:trace>
+  <inkml:trace contextRef="#ctx0" brushRef="#br0" timeOffset="1468">3510 1940 24575,'0'0'0</inkml:trace>
+  <inkml:trace contextRef="#ctx0" brushRef="#br0" timeOffset="36414">0 93 24575,'31'0'0,"-5"0"0,-15 0 0,-1 0 0,1 0 0,-1 0 0,-1 0 0,1 0 0,0 0 0,0 0 0,1 0 0,-1 0 0,0 0 0,-2 0 0,1 0 0,3 0 0,-2 0 0,4 0 0,-3 0 0,-1 0 0,0 0 0,0 0 0,1 0 0,-1 0 0,0 0 0,0 0 0,0 0 0,-1 0 0</inkml:trace>
+</inkml:ink>
+</file>
+
 <file path=ppt/slideLayouts/slideLayout1.xml><?xml version="1.0" encoding="utf-8"?>
 <p:sldLayout xmlns:a="http://schemas.openxmlformats.org/drawingml/2006/main" xmlns:r="http://schemas.openxmlformats.org/officeDocument/2006/relationships" xmlns:p="http://schemas.openxmlformats.org/presentationml/2006/main" type="title" preserve="1">
   <p:cSld name="Title Slide">
@@ -352,7 +382,7 @@
           <a:p>
             <a:fld id="{48A87A34-81AB-432B-8DAE-1953F412C126}" type="datetimeFigureOut">
               <a:rPr lang="en-US" smtClean="0"/>
-              <a:t>3/19/19</a:t>
+              <a:t>3/26/19</a:t>
             </a:fld>
             <a:endParaRPr lang="en-US" dirty="0"/>
           </a:p>
@@ -599,7 +629,7 @@
           <a:p>
             <a:fld id="{48A87A34-81AB-432B-8DAE-1953F412C126}" type="datetimeFigureOut">
               <a:rPr lang="en-US" smtClean="0"/>
-              <a:t>3/19/19</a:t>
+              <a:t>3/26/19</a:t>
             </a:fld>
             <a:endParaRPr lang="en-US" dirty="0"/>
           </a:p>
@@ -834,7 +864,7 @@
           <a:p>
             <a:fld id="{48A87A34-81AB-432B-8DAE-1953F412C126}" type="datetimeFigureOut">
               <a:rPr lang="en-US" smtClean="0"/>
-              <a:t>3/19/19</a:t>
+              <a:t>3/26/19</a:t>
             </a:fld>
             <a:endParaRPr lang="en-US" dirty="0"/>
           </a:p>
@@ -1064,7 +1094,7 @@
           <a:p>
             <a:fld id="{48A87A34-81AB-432B-8DAE-1953F412C126}" type="datetimeFigureOut">
               <a:rPr lang="en-US" smtClean="0"/>
-              <a:t>3/19/19</a:t>
+              <a:t>3/26/19</a:t>
             </a:fld>
             <a:endParaRPr lang="en-US" dirty="0"/>
           </a:p>
@@ -1366,7 +1396,7 @@
           <a:p>
             <a:fld id="{48A87A34-81AB-432B-8DAE-1953F412C126}" type="datetimeFigureOut">
               <a:rPr lang="en-US" smtClean="0"/>
-              <a:t>3/19/19</a:t>
+              <a:t>3/26/19</a:t>
             </a:fld>
             <a:endParaRPr lang="en-US" dirty="0"/>
           </a:p>
@@ -1663,7 +1693,7 @@
           <a:p>
             <a:fld id="{48A87A34-81AB-432B-8DAE-1953F412C126}" type="datetimeFigureOut">
               <a:rPr lang="en-US" smtClean="0"/>
-              <a:t>3/19/19</a:t>
+              <a:t>3/26/19</a:t>
             </a:fld>
             <a:endParaRPr lang="en-US" dirty="0"/>
           </a:p>
@@ -2084,7 +2114,7 @@
           <a:p>
             <a:fld id="{48A87A34-81AB-432B-8DAE-1953F412C126}" type="datetimeFigureOut">
               <a:rPr lang="en-US" smtClean="0"/>
-              <a:t>3/19/19</a:t>
+              <a:t>3/26/19</a:t>
             </a:fld>
             <a:endParaRPr lang="en-US" dirty="0"/>
           </a:p>
@@ -2241,7 +2271,7 @@
           <a:p>
             <a:fld id="{48A87A34-81AB-432B-8DAE-1953F412C126}" type="datetimeFigureOut">
               <a:rPr lang="en-US" smtClean="0"/>
-              <a:t>3/19/19</a:t>
+              <a:t>3/26/19</a:t>
             </a:fld>
             <a:endParaRPr lang="en-US" dirty="0"/>
           </a:p>
@@ -2336,7 +2366,7 @@
           <a:p>
             <a:fld id="{48A87A34-81AB-432B-8DAE-1953F412C126}" type="datetimeFigureOut">
               <a:rPr lang="en-US" smtClean="0"/>
-              <a:t>3/19/19</a:t>
+              <a:t>3/26/19</a:t>
             </a:fld>
             <a:endParaRPr lang="en-US" dirty="0"/>
           </a:p>
@@ -2714,7 +2744,7 @@
           <a:p>
             <a:fld id="{48A87A34-81AB-432B-8DAE-1953F412C126}" type="datetimeFigureOut">
               <a:rPr lang="en-US" smtClean="0"/>
-              <a:t>3/19/19</a:t>
+              <a:t>3/26/19</a:t>
             </a:fld>
             <a:endParaRPr lang="en-US" dirty="0"/>
           </a:p>
@@ -3004,7 +3034,7 @@
             <a:fld id="{48A87A34-81AB-432B-8DAE-1953F412C126}" type="datetimeFigureOut">
               <a:rPr lang="en-US" smtClean="0"/>
               <a:pPr/>
-              <a:t>3/19/19</a:t>
+              <a:t>3/26/19</a:t>
             </a:fld>
             <a:endParaRPr lang="en-US" dirty="0"/>
           </a:p>
@@ -3217,7 +3247,7 @@
             <a:fld id="{48A87A34-81AB-432B-8DAE-1953F412C126}" type="datetimeFigureOut">
               <a:rPr lang="en-US" smtClean="0"/>
               <a:pPr/>
-              <a:t>3/19/19</a:t>
+              <a:t>3/26/19</a:t>
             </a:fld>
             <a:endParaRPr lang="en-US" dirty="0"/>
           </a:p>
@@ -3939,8 +3969,8 @@
         </p:blipFill>
         <p:spPr>
           <a:xfrm>
-            <a:off x="12282213" y="3205950"/>
-            <a:ext cx="5710786" cy="5710786"/>
+            <a:off x="28664675" y="19648592"/>
+            <a:ext cx="1610538" cy="1610538"/>
           </a:xfrm>
           <a:prstGeom prst="rect">
             <a:avLst/>
@@ -3961,8 +3991,8 @@
         </p:nvSpPr>
         <p:spPr>
           <a:xfrm>
-            <a:off x="1478402" y="3960321"/>
-            <a:ext cx="11018398" cy="5053691"/>
+            <a:off x="1478402" y="3960320"/>
+            <a:ext cx="9167827" cy="5018400"/>
           </a:xfrm>
           <a:prstGeom prst="rect">
             <a:avLst/>
@@ -3994,10 +4024,9 @@
           <a:lstStyle/>
           <a:p>
             <a:r>
-              <a:rPr lang="en-GB" sz="2480" dirty="0"/>
-              <a:t>Students in higher education spend much of their time revising course content to achieve better grades in their examinations. Not all revision techniques are equally effective, the techniques used by students can affect their learning, and in turn, their grades. The effectiveness of revision techniques used most frequently by students, as well as alternative revision methods used less often was analysed using relevant journal and conference papers. A software application was then produced, utilising the research by implementing features that will aid students in transitioning their revision techniques to more effective ones. The results found that spaced repetition and practice testing were the most effective revision techniques for test preparation. In addition, the Pomodoro technique was found to be an effective method of managing time during individual revision sessions. The exam companion application includes features that are built upon research on the Pomodoro technique, spaced repetition and gamification.</a:t>
-            </a:r>
-            <a:endParaRPr lang="en-US" sz="2480" dirty="0"/>
+              <a:rPr lang="en-GB" sz="3800" dirty="0"/>
+              <a:t>Students revising for their examinations should spend their time in a way that maximises productivity to improve their academic performance and, in turn, their future prospects. Instead students in higher education often rely on ineffective revision techniques which undermine their achievements or do little to improve them. </a:t>
+            </a:r>
           </a:p>
         </p:txBody>
       </p:sp>
@@ -4045,8 +4074,8 @@
         </p:nvSpPr>
         <p:spPr>
           <a:xfrm>
-            <a:off x="18226940" y="17536750"/>
-            <a:ext cx="5486804" cy="1897764"/>
+            <a:off x="18168770" y="16424902"/>
+            <a:ext cx="5486804" cy="3282758"/>
           </a:xfrm>
           <a:prstGeom prst="rect">
             <a:avLst/>
@@ -4074,20 +4103,12 @@
               <a:buChar char="•"/>
             </a:pPr>
             <a:r>
-              <a:rPr lang="en-GB" dirty="0" err="1">
+              <a:rPr lang="en-GB" dirty="0">
                 <a:solidFill>
                   <a:schemeClr val="bg1"/>
                 </a:solidFill>
               </a:rPr>
-              <a:t>Dunlosky</a:t>
-            </a:r>
-            <a:r>
-              <a:rPr lang="en-GB" dirty="0">
-                <a:solidFill>
-                  <a:schemeClr val="bg1"/>
-                </a:solidFill>
-              </a:rPr>
-              <a:t>, J. et al., 2013. Improving Students' Learning With Effective Leaning Techniques: Promising Directions From Cognitive and Educational </a:t>
+              <a:t>Dunlosky, J. et al., 2013. Improving Students' Learning With Effective Leaning Techniques: Promising Directions From Cognitive and Educational </a:t>
             </a:r>
             <a:r>
               <a:rPr lang="en-GB" dirty="0" err="1">
@@ -4122,132 +4143,65 @@
               <a:t>14(1), pp. 4-58.</a:t>
             </a:r>
           </a:p>
-        </p:txBody>
-      </p:sp>
-      <p:grpSp>
-        <p:nvGrpSpPr>
-          <p:cNvPr id="15" name="Group 14">
-            <a:extLst>
-              <a:ext uri="{FF2B5EF4-FFF2-40B4-BE49-F238E27FC236}">
-                <a16:creationId xmlns:a16="http://schemas.microsoft.com/office/drawing/2014/main" id="{02423EEB-1063-1749-AE03-A53BD1A57D90}"/>
-              </a:ext>
-            </a:extLst>
-          </p:cNvPr>
-          <p:cNvGrpSpPr/>
-          <p:nvPr/>
-        </p:nvGrpSpPr>
-        <p:grpSpPr>
-          <a:xfrm>
-            <a:off x="25423539" y="9872648"/>
-            <a:ext cx="3065365" cy="4560991"/>
-            <a:chOff x="3735" y="0"/>
-            <a:chExt cx="1234440" cy="1837256"/>
-          </a:xfrm>
-        </p:grpSpPr>
-        <p:pic>
-          <p:nvPicPr>
-            <p:cNvPr id="16" name="Picture 15" descr="A screenshot of a cell phone&#10;&#10;Description automatically generated">
-              <a:extLst>
-                <a:ext uri="{FF2B5EF4-FFF2-40B4-BE49-F238E27FC236}">
-                  <a16:creationId xmlns:a16="http://schemas.microsoft.com/office/drawing/2014/main" id="{BA7E0492-7532-1B4E-B44E-6F4597C4FACD}"/>
-                </a:ext>
-              </a:extLst>
-            </p:cNvPr>
-            <p:cNvPicPr>
-              <a:picLocks noChangeAspect="1"/>
-            </p:cNvPicPr>
-            <p:nvPr/>
-          </p:nvPicPr>
-          <p:blipFill rotWithShape="1">
-            <a:blip r:embed="rId5">
-              <a:extLst>
-                <a:ext uri="{28A0092B-C50C-407E-A947-70E740481C1C}">
-                  <a14:useLocalDpi xmlns:a14="http://schemas.microsoft.com/office/drawing/2010/main" val="0"/>
-                </a:ext>
-              </a:extLst>
-            </a:blip>
-            <a:srcRect l="77" r="-81"/>
-            <a:stretch/>
-          </p:blipFill>
-          <p:spPr bwMode="auto">
-            <a:xfrm>
-              <a:off x="3735" y="0"/>
-              <a:ext cx="1234440" cy="1195705"/>
-            </a:xfrm>
-            <a:prstGeom prst="rect">
-              <a:avLst/>
-            </a:prstGeom>
-            <a:ln w="6350" cap="flat" cmpd="sng" algn="ctr">
+          <a:p>
+            <a:pPr marL="425745" indent="-425745">
+              <a:buFont typeface="Arial" panose="020B0604020202020204" pitchFamily="34" charset="0"/>
+              <a:buChar char="•"/>
+            </a:pPr>
+            <a:r>
+              <a:rPr lang="en-GB" dirty="0">
+                <a:solidFill>
+                  <a:schemeClr val="bg1"/>
+                </a:solidFill>
+              </a:rPr>
+              <a:t>Ruensuk, M., 2014. </a:t>
+            </a:r>
+            <a:r>
+              <a:rPr lang="en-GB" i="1" dirty="0">
+                <a:solidFill>
+                  <a:schemeClr val="bg1"/>
+                </a:solidFill>
+              </a:rPr>
+              <a:t>An Implementation to Reduce Internal/External Interruptions in Agile Software Development Using Pomodoro Technique, </a:t>
+            </a:r>
+            <a:r>
+              <a:rPr lang="en-GB" dirty="0">
+                <a:solidFill>
+                  <a:schemeClr val="bg1"/>
+                </a:solidFill>
+              </a:rPr>
+              <a:t>Bangkok: Stamford </a:t>
+            </a:r>
+            <a:r>
+              <a:rPr lang="en-GB" dirty="0" err="1">
+                <a:solidFill>
+                  <a:schemeClr val="bg1"/>
+                </a:solidFill>
+              </a:rPr>
+              <a:t>Imternational</a:t>
+            </a:r>
+            <a:r>
+              <a:rPr lang="en-GB" dirty="0">
+                <a:solidFill>
+                  <a:schemeClr val="bg1"/>
+                </a:solidFill>
+              </a:rPr>
+              <a:t> University.</a:t>
+            </a:r>
+          </a:p>
+          <a:p>
+            <a:pPr marL="425745" indent="-425745">
+              <a:buFont typeface="Arial" panose="020B0604020202020204" pitchFamily="34" charset="0"/>
+              <a:buChar char="•"/>
+            </a:pPr>
+            <a:endParaRPr lang="en-GB" dirty="0">
               <a:solidFill>
-                <a:srgbClr val="1E3763"/>
+                <a:schemeClr val="bg1"/>
               </a:solidFill>
-              <a:prstDash val="solid"/>
-              <a:round/>
-              <a:headEnd type="none" w="med" len="med"/>
-              <a:tailEnd type="none" w="med" len="med"/>
-            </a:ln>
-            <a:extLst>
-              <a:ext uri="{53640926-AAD7-44D8-BBD7-CCE9431645EC}">
-                <a14:shadowObscured xmlns:a14="http://schemas.microsoft.com/office/drawing/2010/main"/>
-              </a:ext>
-            </a:extLst>
-          </p:spPr>
-        </p:pic>
-        <p:sp>
-          <p:nvSpPr>
-            <p:cNvPr id="17" name="Text Box 20">
-              <a:extLst>
-                <a:ext uri="{FF2B5EF4-FFF2-40B4-BE49-F238E27FC236}">
-                  <a16:creationId xmlns:a16="http://schemas.microsoft.com/office/drawing/2014/main" id="{484F0A58-A615-0044-84BC-3812F1466256}"/>
-                </a:ext>
-              </a:extLst>
-            </p:cNvPr>
-            <p:cNvSpPr txBox="1"/>
-            <p:nvPr/>
-          </p:nvSpPr>
-          <p:spPr>
-            <a:xfrm>
-              <a:off x="3735" y="1195705"/>
-              <a:ext cx="1234440" cy="641551"/>
-            </a:xfrm>
-            <a:prstGeom prst="rect">
-              <a:avLst/>
-            </a:prstGeom>
-            <a:solidFill>
-              <a:prstClr val="white"/>
-            </a:solidFill>
-            <a:ln>
-              <a:noFill/>
-            </a:ln>
-          </p:spPr>
-          <p:txBody>
-            <a:bodyPr rot="0" spcFirstLastPara="0" vert="horz" wrap="square" lIns="0" tIns="0" rIns="0" bIns="0" numCol="1" spcCol="0" rtlCol="0" fromWordArt="0" anchor="t" anchorCtr="0" forceAA="0" compatLnSpc="1">
-              <a:prstTxWarp prst="textNoShape">
-                <a:avLst/>
-              </a:prstTxWarp>
-              <a:noAutofit/>
-            </a:bodyPr>
-            <a:lstStyle/>
-            <a:p>
-              <a:pPr>
-                <a:spcAft>
-                  <a:spcPts val="2483"/>
-                </a:spcAft>
-              </a:pPr>
-              <a:r>
-                <a:rPr lang="en-GB" sz="1987" i="1" dirty="0">
-                  <a:solidFill>
-                    <a:srgbClr val="44546A"/>
-                  </a:solidFill>
-                  <a:latin typeface="Times New Roman" panose="02020603050405020304" pitchFamily="18" charset="0"/>
-                  <a:ea typeface="Times New Roman" panose="02020603050405020304" pitchFamily="18" charset="0"/>
-                </a:rPr>
-                <a:t>Figure 1: Mean number of internal and external interruptions during work over an 8-week period. (Ruensuk, 2014)</a:t>
-              </a:r>
-            </a:p>
-          </p:txBody>
-        </p:sp>
-      </p:grpSp>
+            </a:endParaRPr>
+          </a:p>
+        </p:txBody>
+      </p:sp>
       <p:sp>
         <p:nvSpPr>
           <p:cNvPr id="18" name="TextBox 17">
@@ -4338,7 +4292,7 @@
         <p:spPr>
           <a:xfrm>
             <a:off x="1478402" y="3196380"/>
-            <a:ext cx="11018398" cy="769441"/>
+            <a:ext cx="9167827" cy="769441"/>
           </a:xfrm>
           <a:prstGeom prst="rect">
             <a:avLst/>
@@ -4371,7 +4325,7 @@
           <a:p>
             <a:r>
               <a:rPr lang="en-US" sz="4400" dirty="0"/>
-              <a:t>Abstract</a:t>
+              <a:t>Problem</a:t>
             </a:r>
           </a:p>
         </p:txBody>
@@ -4390,8 +4344,8 @@
         </p:nvSpPr>
         <p:spPr>
           <a:xfrm>
-            <a:off x="17778412" y="3955004"/>
-            <a:ext cx="11018398" cy="5435334"/>
+            <a:off x="16281400" y="3960321"/>
+            <a:ext cx="10234134" cy="5018400"/>
           </a:xfrm>
           <a:prstGeom prst="rect">
             <a:avLst/>
@@ -4422,27 +4376,48 @@
           </a:bodyPr>
           <a:lstStyle/>
           <a:p>
-            <a:r>
-              <a:rPr lang="en-GB" sz="2480" dirty="0"/>
-              <a:t>Dunlosky et al (2013) provided the foundation of this projects research. This monograph reviews the effectiveness of 10 learning techniques and their relative utility. The techniques analysed were chosen due to either student reliance on them or their adaptability and ease of use meaning they could be easily adopted by many students. This includes note taking in its many forms (summarising, paraphrasing, verbatim copying etc.) as well as, practice testing and spaced practice.</a:t>
-            </a:r>
-          </a:p>
-          <a:p>
-            <a:r>
-              <a:rPr lang="en-GB" sz="2480" dirty="0"/>
-              <a:t>The monograph found practice testing and spaced practice to be the two most effective revision techniques for recall and understanding in an exam environment.</a:t>
-            </a:r>
-          </a:p>
-          <a:p>
-            <a:r>
-              <a:rPr lang="en-GB" sz="2480" b="1" dirty="0"/>
-              <a:t>Practice testing: </a:t>
-            </a:r>
-            <a:r>
-              <a:rPr lang="en-GB" sz="2480" dirty="0"/>
-              <a:t>Practice testing includes any form of revision where the student tests their recall of information by trying to answer a question and then getting feedback on how well they recalled it. While Exam questions certainly fall under this category, practice testing can also be utilised in the form of flash cards, where a student tries to remember the information on a flash card without reading it, then checks the card to see how well they recalled its content. </a:t>
-            </a:r>
-            <a:endParaRPr lang="en-US" sz="2480" dirty="0"/>
+            <a:pPr marL="342900" indent="-342900">
+              <a:buFont typeface="Arial" panose="020B0604020202020204" pitchFamily="34" charset="0"/>
+              <a:buChar char="•"/>
+            </a:pPr>
+            <a:r>
+              <a:rPr lang="en-US" sz="3000" dirty="0"/>
+              <a:t>Practice testing is the most effective revision technique for exam preparation while spaced practice comes in second </a:t>
+            </a:r>
+            <a:r>
+              <a:rPr lang="en-GB" sz="3000" dirty="0"/>
+              <a:t>(Dunlosky, et al., 2013).</a:t>
+            </a:r>
+          </a:p>
+          <a:p>
+            <a:pPr marL="342900" indent="-342900">
+              <a:buFont typeface="Arial" panose="020B0604020202020204" pitchFamily="34" charset="0"/>
+              <a:buChar char="•"/>
+            </a:pPr>
+            <a:r>
+              <a:rPr lang="en-GB" sz="3000" dirty="0"/>
+              <a:t>The Pomodoro technique improves productivity of focused work sessions by reducing the number of distractions (Ruensuk, 2014).</a:t>
+            </a:r>
+          </a:p>
+          <a:p>
+            <a:pPr marL="342900" indent="-342900">
+              <a:buFont typeface="Arial" panose="020B0604020202020204" pitchFamily="34" charset="0"/>
+              <a:buChar char="•"/>
+            </a:pPr>
+            <a:r>
+              <a:rPr lang="en-GB" sz="3000" dirty="0"/>
+              <a:t>Flash cards are an efficient method of revision for examinations as when correctly used they utilise spaced repetition, practice testing and active learning.</a:t>
+            </a:r>
+          </a:p>
+          <a:p>
+            <a:pPr marL="342900" indent="-342900">
+              <a:buFont typeface="Arial" panose="020B0604020202020204" pitchFamily="34" charset="0"/>
+              <a:buChar char="•"/>
+            </a:pPr>
+            <a:r>
+              <a:rPr lang="en-GB" sz="3000" dirty="0"/>
+              <a:t>Gamification can enhance student motivation</a:t>
+            </a:r>
           </a:p>
         </p:txBody>
       </p:sp>
@@ -4460,8 +4435,8 @@
         </p:nvSpPr>
         <p:spPr>
           <a:xfrm>
-            <a:off x="17778412" y="3191063"/>
-            <a:ext cx="11018398" cy="769441"/>
+            <a:off x="16281400" y="3198217"/>
+            <a:ext cx="10234134" cy="769441"/>
           </a:xfrm>
           <a:prstGeom prst="rect">
             <a:avLst/>
@@ -4494,7 +4469,7 @@
           <a:p>
             <a:r>
               <a:rPr lang="en-US" sz="4400" dirty="0"/>
-              <a:t>The Research</a:t>
+              <a:t>Research findings:</a:t>
             </a:r>
           </a:p>
         </p:txBody>
@@ -4937,6 +4912,628 @@
           </a:p>
         </p:txBody>
       </p:sp>
+      <p:grpSp>
+        <p:nvGrpSpPr>
+          <p:cNvPr id="30" name="Group 29">
+            <a:extLst>
+              <a:ext uri="{FF2B5EF4-FFF2-40B4-BE49-F238E27FC236}">
+                <a16:creationId xmlns:a16="http://schemas.microsoft.com/office/drawing/2014/main" id="{5EC5094E-F0F4-474F-8213-04B68DE2FCBC}"/>
+              </a:ext>
+            </a:extLst>
+          </p:cNvPr>
+          <p:cNvGrpSpPr/>
+          <p:nvPr/>
+        </p:nvGrpSpPr>
+        <p:grpSpPr>
+          <a:xfrm>
+            <a:off x="26671057" y="3960321"/>
+            <a:ext cx="3635693" cy="4467641"/>
+            <a:chOff x="26515534" y="3191053"/>
+            <a:chExt cx="3635693" cy="4467641"/>
+          </a:xfrm>
+        </p:grpSpPr>
+        <p:grpSp>
+          <p:nvGrpSpPr>
+            <p:cNvPr id="9" name="Group 8">
+              <a:extLst>
+                <a:ext uri="{FF2B5EF4-FFF2-40B4-BE49-F238E27FC236}">
+                  <a16:creationId xmlns:a16="http://schemas.microsoft.com/office/drawing/2014/main" id="{0C423764-44A9-A248-A9E6-30BD77B43C6D}"/>
+                </a:ext>
+              </a:extLst>
+            </p:cNvPr>
+            <p:cNvGrpSpPr/>
+            <p:nvPr/>
+          </p:nvGrpSpPr>
+          <p:grpSpPr>
+            <a:xfrm>
+              <a:off x="26515534" y="3191053"/>
+              <a:ext cx="3635693" cy="4467641"/>
+              <a:chOff x="26639520" y="3205950"/>
+              <a:chExt cx="3635693" cy="4467641"/>
+            </a:xfrm>
+          </p:grpSpPr>
+          <p:grpSp>
+            <p:nvGrpSpPr>
+              <p:cNvPr id="15" name="Group 14">
+                <a:extLst>
+                  <a:ext uri="{FF2B5EF4-FFF2-40B4-BE49-F238E27FC236}">
+                    <a16:creationId xmlns:a16="http://schemas.microsoft.com/office/drawing/2014/main" id="{02423EEB-1063-1749-AE03-A53BD1A57D90}"/>
+                  </a:ext>
+                </a:extLst>
+              </p:cNvPr>
+              <p:cNvGrpSpPr/>
+              <p:nvPr/>
+            </p:nvGrpSpPr>
+            <p:grpSpPr>
+              <a:xfrm>
+                <a:off x="26639520" y="3213522"/>
+                <a:ext cx="3635692" cy="4460069"/>
+                <a:chOff x="-120953" y="3050"/>
+                <a:chExt cx="1464114" cy="1796603"/>
+              </a:xfrm>
+            </p:grpSpPr>
+            <p:pic>
+              <p:nvPicPr>
+                <p:cNvPr id="16" name="Picture 15" descr="A screenshot of a cell phone&#10;&#10;Description automatically generated">
+                  <a:extLst>
+                    <a:ext uri="{FF2B5EF4-FFF2-40B4-BE49-F238E27FC236}">
+                      <a16:creationId xmlns:a16="http://schemas.microsoft.com/office/drawing/2014/main" id="{BA7E0492-7532-1B4E-B44E-6F4597C4FACD}"/>
+                    </a:ext>
+                  </a:extLst>
+                </p:cNvPr>
+                <p:cNvPicPr>
+                  <a:picLocks noChangeAspect="1"/>
+                </p:cNvPicPr>
+                <p:nvPr/>
+              </p:nvPicPr>
+              <p:blipFill rotWithShape="1">
+                <a:blip r:embed="rId5">
+                  <a:extLst>
+                    <a:ext uri="{28A0092B-C50C-407E-A947-70E740481C1C}">
+                      <a14:useLocalDpi xmlns:a14="http://schemas.microsoft.com/office/drawing/2010/main" val="0"/>
+                    </a:ext>
+                  </a:extLst>
+                </a:blip>
+                <a:srcRect l="77" r="-81"/>
+                <a:stretch/>
+              </p:blipFill>
+              <p:spPr bwMode="auto">
+                <a:xfrm>
+                  <a:off x="-27471" y="3050"/>
+                  <a:ext cx="1234440" cy="1195705"/>
+                </a:xfrm>
+                <a:prstGeom prst="rect">
+                  <a:avLst/>
+                </a:prstGeom>
+                <a:ln>
+                  <a:noFill/>
+                  <a:headEnd type="none" w="med" len="med"/>
+                  <a:tailEnd type="none" w="med" len="med"/>
+                </a:ln>
+                <a:extLst>
+                  <a:ext uri="{53640926-AAD7-44D8-BBD7-CCE9431645EC}">
+                    <a14:shadowObscured xmlns:a14="http://schemas.microsoft.com/office/drawing/2010/main"/>
+                  </a:ext>
+                </a:extLst>
+              </p:spPr>
+              <p:style>
+                <a:lnRef idx="2">
+                  <a:schemeClr val="accent2"/>
+                </a:lnRef>
+                <a:fillRef idx="1">
+                  <a:schemeClr val="lt1"/>
+                </a:fillRef>
+                <a:effectRef idx="0">
+                  <a:schemeClr val="accent2"/>
+                </a:effectRef>
+                <a:fontRef idx="minor">
+                  <a:schemeClr val="dk1"/>
+                </a:fontRef>
+              </p:style>
+            </p:pic>
+            <p:sp>
+              <p:nvSpPr>
+                <p:cNvPr id="17" name="Text Box 20">
+                  <a:extLst>
+                    <a:ext uri="{FF2B5EF4-FFF2-40B4-BE49-F238E27FC236}">
+                      <a16:creationId xmlns:a16="http://schemas.microsoft.com/office/drawing/2014/main" id="{484F0A58-A615-0044-84BC-3812F1466256}"/>
+                    </a:ext>
+                  </a:extLst>
+                </p:cNvPr>
+                <p:cNvSpPr txBox="1"/>
+                <p:nvPr/>
+              </p:nvSpPr>
+              <p:spPr>
+                <a:xfrm>
+                  <a:off x="-120953" y="1264274"/>
+                  <a:ext cx="1464114" cy="535379"/>
+                </a:xfrm>
+                <a:prstGeom prst="rect">
+                  <a:avLst/>
+                </a:prstGeom>
+                <a:ln>
+                  <a:noFill/>
+                </a:ln>
+              </p:spPr>
+              <p:style>
+                <a:lnRef idx="2">
+                  <a:schemeClr val="accent2"/>
+                </a:lnRef>
+                <a:fillRef idx="1">
+                  <a:schemeClr val="lt1"/>
+                </a:fillRef>
+                <a:effectRef idx="0">
+                  <a:schemeClr val="accent2"/>
+                </a:effectRef>
+                <a:fontRef idx="minor">
+                  <a:schemeClr val="dk1"/>
+                </a:fontRef>
+              </p:style>
+              <p:txBody>
+                <a:bodyPr rot="0" spcFirstLastPara="0" vert="horz" wrap="square" lIns="108000" tIns="72000" rIns="108000" bIns="72000" numCol="1" spcCol="0" rtlCol="0" fromWordArt="0" anchor="t" anchorCtr="0" forceAA="0" compatLnSpc="1">
+                  <a:prstTxWarp prst="textNoShape">
+                    <a:avLst/>
+                  </a:prstTxWarp>
+                  <a:noAutofit/>
+                </a:bodyPr>
+                <a:lstStyle/>
+                <a:p>
+                  <a:pPr>
+                    <a:spcAft>
+                      <a:spcPts val="2483"/>
+                    </a:spcAft>
+                  </a:pPr>
+                  <a:r>
+                    <a:rPr lang="en-GB" sz="1987" i="1" dirty="0">
+                      <a:solidFill>
+                        <a:srgbClr val="44546A"/>
+                      </a:solidFill>
+                      <a:latin typeface="Times New Roman" panose="02020603050405020304" pitchFamily="18" charset="0"/>
+                      <a:ea typeface="Times New Roman" panose="02020603050405020304" pitchFamily="18" charset="0"/>
+                    </a:rPr>
+                    <a:t>Figure 1: Average number of distractions during work over an 8 week period when using the Pomodoro technique.</a:t>
+                  </a:r>
+                </a:p>
+              </p:txBody>
+            </p:sp>
+          </p:grpSp>
+          <p:sp>
+            <p:nvSpPr>
+              <p:cNvPr id="4" name="Frame 3">
+                <a:extLst>
+                  <a:ext uri="{FF2B5EF4-FFF2-40B4-BE49-F238E27FC236}">
+                    <a16:creationId xmlns:a16="http://schemas.microsoft.com/office/drawing/2014/main" id="{B3AF3C8C-89AA-C143-B022-8542E868842E}"/>
+                  </a:ext>
+                </a:extLst>
+              </p:cNvPr>
+              <p:cNvSpPr/>
+              <p:nvPr/>
+            </p:nvSpPr>
+            <p:spPr>
+              <a:xfrm>
+                <a:off x="26639520" y="3205950"/>
+                <a:ext cx="3635693" cy="4467641"/>
+              </a:xfrm>
+              <a:prstGeom prst="frame">
+                <a:avLst>
+                  <a:gd name="adj1" fmla="val 0"/>
+                </a:avLst>
+              </a:prstGeom>
+            </p:spPr>
+            <p:style>
+              <a:lnRef idx="2">
+                <a:schemeClr val="accent1">
+                  <a:shade val="50000"/>
+                </a:schemeClr>
+              </a:lnRef>
+              <a:fillRef idx="1">
+                <a:schemeClr val="accent1"/>
+              </a:fillRef>
+              <a:effectRef idx="0">
+                <a:schemeClr val="accent1"/>
+              </a:effectRef>
+              <a:fontRef idx="minor">
+                <a:schemeClr val="lt1"/>
+              </a:fontRef>
+            </p:style>
+            <p:txBody>
+              <a:bodyPr rtlCol="0" anchor="ctr"/>
+              <a:lstStyle/>
+              <a:p>
+                <a:pPr algn="ctr"/>
+                <a:endParaRPr lang="en-GB">
+                  <a:solidFill>
+                    <a:schemeClr val="tx1"/>
+                  </a:solidFill>
+                </a:endParaRPr>
+              </a:p>
+            </p:txBody>
+          </p:sp>
+        </p:grpSp>
+        <p:cxnSp>
+          <p:nvCxnSpPr>
+            <p:cNvPr id="13" name="Straight Connector 12">
+              <a:extLst>
+                <a:ext uri="{FF2B5EF4-FFF2-40B4-BE49-F238E27FC236}">
+                  <a16:creationId xmlns:a16="http://schemas.microsoft.com/office/drawing/2014/main" id="{BAA898E5-47B1-F54D-913E-5FA79B7B4A66}"/>
+                </a:ext>
+              </a:extLst>
+            </p:cNvPr>
+            <p:cNvCxnSpPr>
+              <a:cxnSpLocks/>
+            </p:cNvCxnSpPr>
+            <p:nvPr/>
+          </p:nvCxnSpPr>
+          <p:spPr>
+            <a:xfrm flipV="1">
+              <a:off x="26515534" y="6298618"/>
+              <a:ext cx="3635692" cy="1"/>
+            </a:xfrm>
+            <a:prstGeom prst="line">
+              <a:avLst/>
+            </a:prstGeom>
+          </p:spPr>
+          <p:style>
+            <a:lnRef idx="1">
+              <a:schemeClr val="accent1"/>
+            </a:lnRef>
+            <a:fillRef idx="0">
+              <a:schemeClr val="accent1"/>
+            </a:fillRef>
+            <a:effectRef idx="0">
+              <a:schemeClr val="accent1"/>
+            </a:effectRef>
+            <a:fontRef idx="minor">
+              <a:schemeClr val="tx1"/>
+            </a:fontRef>
+          </p:style>
+        </p:cxnSp>
+      </p:grpSp>
+      <p:sp>
+        <p:nvSpPr>
+          <p:cNvPr id="31" name="TextBox 30">
+            <a:extLst>
+              <a:ext uri="{FF2B5EF4-FFF2-40B4-BE49-F238E27FC236}">
+                <a16:creationId xmlns:a16="http://schemas.microsoft.com/office/drawing/2014/main" id="{D9237E6F-13EC-984E-85E7-3AB87CE9D67D}"/>
+              </a:ext>
+            </a:extLst>
+          </p:cNvPr>
+          <p:cNvSpPr txBox="1"/>
+          <p:nvPr/>
+        </p:nvSpPr>
+        <p:spPr>
+          <a:xfrm>
+            <a:off x="10875345" y="3967658"/>
+            <a:ext cx="5125828" cy="5018400"/>
+          </a:xfrm>
+          <a:prstGeom prst="rect">
+            <a:avLst/>
+          </a:prstGeom>
+          <a:ln>
+            <a:solidFill>
+              <a:schemeClr val="accent1"/>
+            </a:solidFill>
+          </a:ln>
+        </p:spPr>
+        <p:style>
+          <a:lnRef idx="2">
+            <a:schemeClr val="dk1"/>
+          </a:lnRef>
+          <a:fillRef idx="1">
+            <a:schemeClr val="lt1"/>
+          </a:fillRef>
+          <a:effectRef idx="0">
+            <a:schemeClr val="dk1"/>
+          </a:effectRef>
+          <a:fontRef idx="minor">
+            <a:schemeClr val="dk1"/>
+          </a:fontRef>
+        </p:style>
+        <p:txBody>
+          <a:bodyPr wrap="square" rtlCol="0">
+            <a:spAutoFit/>
+          </a:bodyPr>
+          <a:lstStyle/>
+          <a:p>
+            <a:r>
+              <a:rPr lang="en-GB" sz="3800" dirty="0"/>
+              <a:t>This project aims to improve students’ academic performance via a software application that implements features that help transition their revision techniques to more effective ones. </a:t>
+            </a:r>
+          </a:p>
+        </p:txBody>
+      </p:sp>
+      <p:sp>
+        <p:nvSpPr>
+          <p:cNvPr id="32" name="TextBox 31">
+            <a:extLst>
+              <a:ext uri="{FF2B5EF4-FFF2-40B4-BE49-F238E27FC236}">
+                <a16:creationId xmlns:a16="http://schemas.microsoft.com/office/drawing/2014/main" id="{B7FA68EA-8410-2544-8D50-2894EA78E186}"/>
+              </a:ext>
+            </a:extLst>
+          </p:cNvPr>
+          <p:cNvSpPr txBox="1"/>
+          <p:nvPr/>
+        </p:nvSpPr>
+        <p:spPr>
+          <a:xfrm>
+            <a:off x="10875345" y="3198217"/>
+            <a:ext cx="5125828" cy="769441"/>
+          </a:xfrm>
+          <a:prstGeom prst="rect">
+            <a:avLst/>
+          </a:prstGeom>
+          <a:ln>
+            <a:solidFill>
+              <a:schemeClr val="accent1"/>
+            </a:solidFill>
+          </a:ln>
+        </p:spPr>
+        <p:style>
+          <a:lnRef idx="2">
+            <a:schemeClr val="dk1"/>
+          </a:lnRef>
+          <a:fillRef idx="1">
+            <a:schemeClr val="lt1"/>
+          </a:fillRef>
+          <a:effectRef idx="0">
+            <a:schemeClr val="dk1"/>
+          </a:effectRef>
+          <a:fontRef idx="minor">
+            <a:schemeClr val="dk1"/>
+          </a:fontRef>
+        </p:style>
+        <p:txBody>
+          <a:bodyPr wrap="square" rtlCol="0">
+            <a:spAutoFit/>
+          </a:bodyPr>
+          <a:lstStyle/>
+          <a:p>
+            <a:r>
+              <a:rPr lang="en-US" sz="4400" dirty="0"/>
+              <a:t>Aim</a:t>
+            </a:r>
+          </a:p>
+        </p:txBody>
+      </p:sp>
+      <p:cxnSp>
+        <p:nvCxnSpPr>
+          <p:cNvPr id="34" name="Straight Arrow Connector 33">
+            <a:extLst>
+              <a:ext uri="{FF2B5EF4-FFF2-40B4-BE49-F238E27FC236}">
+                <a16:creationId xmlns:a16="http://schemas.microsoft.com/office/drawing/2014/main" id="{7C09FB1D-1161-654D-AD66-5A9399F141B0}"/>
+              </a:ext>
+            </a:extLst>
+          </p:cNvPr>
+          <p:cNvCxnSpPr/>
+          <p:nvPr/>
+        </p:nvCxnSpPr>
+        <p:spPr>
+          <a:xfrm>
+            <a:off x="25629564" y="5839530"/>
+            <a:ext cx="1273628" cy="0"/>
+          </a:xfrm>
+          <a:prstGeom prst="straightConnector1">
+            <a:avLst/>
+          </a:prstGeom>
+          <a:ln>
+            <a:tailEnd type="triangle"/>
+          </a:ln>
+        </p:spPr>
+        <p:style>
+          <a:lnRef idx="1">
+            <a:schemeClr val="accent1"/>
+          </a:lnRef>
+          <a:fillRef idx="0">
+            <a:schemeClr val="accent1"/>
+          </a:fillRef>
+          <a:effectRef idx="0">
+            <a:schemeClr val="accent1"/>
+          </a:effectRef>
+          <a:fontRef idx="minor">
+            <a:schemeClr val="tx1"/>
+          </a:fontRef>
+        </p:style>
+      </p:cxnSp>
+      <p:pic>
+        <p:nvPicPr>
+          <p:cNvPr id="35" name="Picture 34">
+            <a:extLst>
+              <a:ext uri="{FF2B5EF4-FFF2-40B4-BE49-F238E27FC236}">
+                <a16:creationId xmlns:a16="http://schemas.microsoft.com/office/drawing/2014/main" id="{C6524D26-1BAB-CC45-BC1B-178886927DB1}"/>
+              </a:ext>
+            </a:extLst>
+          </p:cNvPr>
+          <p:cNvPicPr>
+            <a:picLocks noChangeAspect="1"/>
+          </p:cNvPicPr>
+          <p:nvPr/>
+        </p:nvPicPr>
+        <p:blipFill>
+          <a:blip r:embed="rId6">
+            <a:duotone>
+              <a:schemeClr val="accent2">
+                <a:shade val="45000"/>
+                <a:satMod val="135000"/>
+              </a:schemeClr>
+              <a:prstClr val="white"/>
+            </a:duotone>
+          </a:blip>
+          <a:stretch>
+            <a:fillRect/>
+          </a:stretch>
+        </p:blipFill>
+        <p:spPr>
+          <a:xfrm>
+            <a:off x="0" y="11684779"/>
+            <a:ext cx="1365715" cy="1365715"/>
+          </a:xfrm>
+          <a:prstGeom prst="rect">
+            <a:avLst/>
+          </a:prstGeom>
+        </p:spPr>
+      </p:pic>
+      <p:pic>
+        <p:nvPicPr>
+          <p:cNvPr id="28" name="Picture 27">
+            <a:extLst>
+              <a:ext uri="{FF2B5EF4-FFF2-40B4-BE49-F238E27FC236}">
+                <a16:creationId xmlns:a16="http://schemas.microsoft.com/office/drawing/2014/main" id="{6DF226AD-8939-A844-AC9E-A5E2026AA744}"/>
+              </a:ext>
+            </a:extLst>
+          </p:cNvPr>
+          <p:cNvPicPr>
+            <a:picLocks noChangeAspect="1"/>
+          </p:cNvPicPr>
+          <p:nvPr/>
+        </p:nvPicPr>
+        <p:blipFill>
+          <a:blip r:embed="rId7">
+            <a:extLst>
+              <a:ext uri="{BEBA8EAE-BF5A-486C-A8C5-ECC9F3942E4B}">
+                <a14:imgProps xmlns:a14="http://schemas.microsoft.com/office/drawing/2010/main">
+                  <a14:imgLayer r:embed="rId8">
+                    <a14:imgEffect>
+                      <a14:backgroundRemoval t="6193" b="94725" l="2062" r="97526">
+                        <a14:foregroundMark x1="22887" y1="30963" x2="31134" y2="29817"/>
+                        <a14:foregroundMark x1="31134" y1="29817" x2="47010" y2="31651"/>
+                        <a14:foregroundMark x1="47010" y1="31651" x2="43505" y2="39679"/>
+                        <a14:foregroundMark x1="43505" y1="39679" x2="22887" y2="40367"/>
+                        <a14:foregroundMark x1="34433" y1="6651" x2="35052" y2="20413"/>
+                        <a14:foregroundMark x1="13402" y1="84404" x2="4330" y2="83716"/>
+                        <a14:foregroundMark x1="2680" y1="79587" x2="5567" y2="78899"/>
+                        <a14:foregroundMark x1="17602" y1="87577" x2="18144" y2="84862"/>
+                        <a14:foregroundMark x1="67629" y1="94954" x2="68660" y2="81651"/>
+                        <a14:foregroundMark x1="91753" y1="89908" x2="91340" y2="71560"/>
+                        <a14:foregroundMark x1="91340" y1="71560" x2="87423" y2="63991"/>
+                        <a14:foregroundMark x1="87423" y1="63991" x2="81031" y2="61239"/>
+                        <a14:foregroundMark x1="77938" y1="63532" x2="81443" y2="59633"/>
+                        <a14:foregroundMark x1="78144" y1="61927" x2="78144" y2="61927"/>
+                        <a14:foregroundMark x1="77938" y1="61697" x2="77938" y2="61697"/>
+                        <a14:foregroundMark x1="97113" y1="88761" x2="86804" y2="88991"/>
+                        <a14:foregroundMark x1="97320" y1="80734" x2="91546" y2="80963"/>
+                        <a14:foregroundMark x1="96907" y1="69495" x2="87835" y2="69725"/>
+                        <a14:foregroundMark x1="96907" y1="69266" x2="96907" y2="69266"/>
+                        <a14:foregroundMark x1="97526" y1="69037" x2="96701" y2="69037"/>
+                        <a14:foregroundMark x1="97113" y1="73165" x2="95258" y2="73165"/>
+                        <a14:backgroundMark x1="14845" y1="90367" x2="16495" y2="91055"/>
+                        <a14:backgroundMark x1="15464" y1="90367" x2="16495" y2="91514"/>
+                        <a14:backgroundMark x1="1856" y1="79587" x2="1856" y2="80505"/>
+                        <a14:backgroundMark x1="1856" y1="81651" x2="2268" y2="80275"/>
+                        <a14:backgroundMark x1="2062" y1="80275" x2="2268" y2="80046"/>
+                        <a14:backgroundMark x1="18763" y1="61927" x2="18763" y2="61009"/>
+                      </a14:backgroundRemoval>
+                    </a14:imgEffect>
+                  </a14:imgLayer>
+                </a14:imgProps>
+              </a:ext>
+            </a:extLst>
+          </a:blip>
+          <a:stretch>
+            <a:fillRect/>
+          </a:stretch>
+        </p:blipFill>
+        <p:spPr>
+          <a:xfrm>
+            <a:off x="27471854" y="1832909"/>
+            <a:ext cx="2649914" cy="2382191"/>
+          </a:xfrm>
+          <a:prstGeom prst="rect">
+            <a:avLst/>
+          </a:prstGeom>
+        </p:spPr>
+      </p:pic>
+      <mc:AlternateContent xmlns:mc="http://schemas.openxmlformats.org/markup-compatibility/2006">
+        <mc:Choice xmlns:p14="http://schemas.microsoft.com/office/powerpoint/2010/main" Requires="p14">
+          <p:contentPart p14:bwMode="auto" r:id="rId9">
+            <p14:nvContentPartPr>
+              <p14:cNvPr id="45" name="Ink 44">
+                <a:extLst>
+                  <a:ext uri="{FF2B5EF4-FFF2-40B4-BE49-F238E27FC236}">
+                    <a16:creationId xmlns:a16="http://schemas.microsoft.com/office/drawing/2014/main" id="{9495A96C-2053-5241-A5DF-6BFE40E54769}"/>
+                  </a:ext>
+                </a:extLst>
+              </p14:cNvPr>
+              <p14:cNvContentPartPr/>
+              <p14:nvPr/>
+            </p14:nvContentPartPr>
+            <p14:xfrm>
+              <a:off x="9375563" y="3165725"/>
+              <a:ext cx="1267920" cy="698760"/>
+            </p14:xfrm>
+          </p:contentPart>
+        </mc:Choice>
+        <mc:Fallback>
+          <p:pic>
+            <p:nvPicPr>
+              <p:cNvPr id="45" name="Ink 44">
+                <a:extLst>
+                  <a:ext uri="{FF2B5EF4-FFF2-40B4-BE49-F238E27FC236}">
+                    <a16:creationId xmlns:a16="http://schemas.microsoft.com/office/drawing/2014/main" id="{9495A96C-2053-5241-A5DF-6BFE40E54769}"/>
+                  </a:ext>
+                </a:extLst>
+              </p:cNvPr>
+              <p:cNvPicPr/>
+              <p:nvPr/>
+            </p:nvPicPr>
+            <p:blipFill>
+              <a:blip r:embed="rId10"/>
+              <a:stretch>
+                <a:fillRect/>
+              </a:stretch>
+            </p:blipFill>
+            <p:spPr>
+              <a:xfrm>
+                <a:off x="9312563" y="3103053"/>
+                <a:ext cx="1393560" cy="824465"/>
+              </a:xfrm>
+              <a:prstGeom prst="rect">
+                <a:avLst/>
+              </a:prstGeom>
+            </p:spPr>
+          </p:pic>
+        </mc:Fallback>
+      </mc:AlternateContent>
+      <p:pic>
+        <p:nvPicPr>
+          <p:cNvPr id="33" name="Picture 32">
+            <a:extLst>
+              <a:ext uri="{FF2B5EF4-FFF2-40B4-BE49-F238E27FC236}">
+                <a16:creationId xmlns:a16="http://schemas.microsoft.com/office/drawing/2014/main" id="{9105513F-CFE8-F345-995D-7C3405B3F431}"/>
+              </a:ext>
+            </a:extLst>
+          </p:cNvPr>
+          <p:cNvPicPr>
+            <a:picLocks noChangeAspect="1"/>
+          </p:cNvPicPr>
+          <p:nvPr/>
+        </p:nvPicPr>
+        <p:blipFill>
+          <a:blip r:embed="rId11">
+            <a:clrChange>
+              <a:clrFrom>
+                <a:srgbClr val="FFFFFF"/>
+              </a:clrFrom>
+              <a:clrTo>
+                <a:srgbClr val="FFFFFF">
+                  <a:alpha val="0"/>
+                </a:srgbClr>
+              </a:clrTo>
+            </a:clrChange>
+          </a:blip>
+          <a:stretch>
+            <a:fillRect/>
+          </a:stretch>
+        </p:blipFill>
+        <p:spPr>
+          <a:xfrm>
+            <a:off x="8792572" y="2609967"/>
+            <a:ext cx="2252905" cy="1689679"/>
+          </a:xfrm>
+          <a:prstGeom prst="rect">
+            <a:avLst/>
+          </a:prstGeom>
+        </p:spPr>
+      </p:pic>
     </p:spTree>
     <p:extLst>
       <p:ext uri="{BB962C8B-B14F-4D97-AF65-F5344CB8AC3E}">

--- a/Documents/Poster/ProjectPoster.pptx
+++ b/Documents/Poster/ProjectPoster.pptx
@@ -5,7 +5,7 @@
     <p:sldMasterId id="2147483836" r:id="rId1"/>
   </p:sldMasterIdLst>
   <p:sldIdLst>
-    <p:sldId id="256" r:id="rId2"/>
+    <p:sldId id="257" r:id="rId2"/>
   </p:sldIdLst>
   <p:sldSz cx="30275213" cy="21383625"/>
   <p:notesSz cx="6858000" cy="9144000"/>
@@ -128,7 +128,7 @@
           <inkml:channelProperty channel="F" name="resolution" value="0" units="1/dev"/>
         </inkml:channelProperties>
       </inkml:inkSource>
-      <inkml:timestamp xml:id="ts0" timeString="2019-03-26T09:57:35.514"/>
+      <inkml:timestamp xml:id="ts0" timeString="2019-03-26T18:40:17.037"/>
     </inkml:context>
     <inkml:brush xml:id="br0">
       <inkml:brushProperty name="width" value="0.35" units="cm"/>
@@ -136,9 +136,149 @@
       <inkml:brushProperty name="color" value="#FFFFFF"/>
     </inkml:brush>
   </inkml:definitions>
-  <inkml:trace contextRef="#ctx0" brushRef="#br0">3521 1888 24575,'-5'-39'0,"4"12"0,-4 5 0,1 11 0,2 1 0,-2-1 0,-3-8 0,6 7 0,-5-7 0,-1 1 0,2 6 0,-3-6 0,-1 8 0,8-1 0,-4 0 0,5 1 0,-4 0 0,2-1 0,-2 1 0,4-1 0,0 0 0,0 0 0,0 1 0,-5-1 0,4 0 0,-4 1 0,5-1 0,0 2 0,-5-2 0,4 2 0,-4-2 0,0 1 0,4-1 0,-4 0 0,5-7 0,0 5 0,-6-12 0,5 12 0,-6-5 0,3 7 0,2-8 0,-2 7 0,4-7 0,-5 9 0,4-1 0,-9 0 0,9 1 0,-4-9 0,0 7 0,4-14 0,-4 13 0,-1-13 0,5 14 0,-12-14 0,12 13 0,-6-13 0,7 14 0,0-6 0,-4 7 0,2 2 0,-2-1 0,4 0 0,0-1 0,0 0 0,0 0 0,-5 1 0,4-9 0,-4 7 0,5-7 0,0 9 0,0-9 0,0 7 0,0-14 0,0 13 0,-5-5 0,4-1 0,-4 7 0,5-14 0,0 13 0,0-5 0,0 0 0,-5 5 0,4-13 0,-4 6 0,5-7 0,-6-1 0,4 0 0,-4 0 0,6 1 0,0 7 0,-6-6 0,5 13 0,-6-5 0,7 7 0,0 1 0,-4-1 0,2 1 0,-2-1 0,-1 1 0,4-1 0,-9 0 0,9-7 0,-9 5 0,3-13 0,-6 6 0,1 0 0,0 2 0,6 7 0,-4 0 0,9 0 0,-4 1 0,0 4 0,4-4 0,-7 5 0,7-5 0,-3 2 0,-1-1 0,4 0 0,14 27 0,-9-4 0,19 17 0,-17-13 0,0-8 0,3 1 0,-2 7 0,0 2 0,5 8 0,-11-1 0,11 0 0,-4 1 0,-1-1 0,6 1 0,-12-1 0,11 1 0,-4 0 0,0-1 0,-2-7 0,0 6 0,0-14 0,2 14 0,1-13 0,-8 12 0,9-12 0,-9 13 0,4-14 0,1 14 0,-5-14 0,5 7 0,-6-9 0,0 8 0,0-5 0,4 4 0,-3-60 0,4 16 0,-5-63 0,0 40 0,8-27 0,-5 23 0,6-10 0,-9 23 0,0 3 0,0 10 0,0 9 0,0 1 0,0 10 0,0-2 0,0-6 0,0-5 0,0-6 0,0 7 0,0-5 0,0 12 0,0-5 0,0 7 0,-4 5 0,-6 1 0,0 5 0,-5 0 0,4 0 0,0 0 0,-7 0 0,5 0 0,-5 0 0,8 0 0,0 0 0,-1 0 0,-7 0 0,5 0 0,-5 0 0,7 0 0,0 0 0,0 0 0,-7 0 0,5 0 0,-5 0 0,0 0 0,5 0 0,-13 0 0,14 5 0,-14-4 0,5 4 0,-6-5 0,7 0 0,-15 0 0,20 0 0,-20 6 0,15-5 0,-7 5 0,-1-6 0,0 0 0,1 0 0,-1 0 0,0 0 0,0 0 0,8-5 0,-6 4 0,6-4 0,0 1 0,-6 2 0,13-2 0,-12-2 0,12-1 0,-5 0 0,-1 2 0,7 5 0,-14 0 0,13-5 0,-5 4 0,8-4 0,-9 5 0,7 0 0,-7 0 0,1 0 0,-7-6 0,4 4 0,-10-4 0,18 6 0,-12-6 0,5 5 0,0-5 0,-16-2 0,14 6 0,-16-5 0,11 7 0,-1 6 0,8-5 0,-6 6 0,6-7 0,-8 0 0,0 0 0,8-5 0,-6 4 0,14-4 0,-7 0 0,9 4 0,-1-4 0,0 5 0,0 0 0,1 0 0,1 0 0,-1-4 0,1 3 0,-1-3 0,-1 4 0,-7-6 0,-3 4 0,-6-4 0,-11 6 0,8 0 0,-7 0 0,9 0 0,1 0 0,7 0 0,-6 0 0,6 0 0,-8 6 0,8-4 0,-6 4 0,14-6 0,-7 0 0,9 0 0,-9 0 0,7 0 0,-7 0 0,9 0 0,-1 0 0,0 0 0,0 0 0,0 0 0,1 0 0,-1 0 0,0 0 0,0 0 0,0 0 0,1 0 0,-1-5 0,-7 4 0,5-4 0,-13 5 0,6 0 0,-8 0 0,0 0 0,1 0 0,-6 0 0,4 0 0,4 0 0,-1 0 0,14 0 0,-7 0 0,1 0 0,5 0 0,-5 0 0,0 0 0,5 0 0,-5 0 0,8 0 0,1 0 0,1 0 0,-11 0 0,8 0 0,-8 0 0,11 0 0,-1 0 0,-4 0 0,3 0 0,-4 0 0,4 0 0</inkml:trace>
-  <inkml:trace contextRef="#ctx0" brushRef="#br0" timeOffset="1468">3510 1940 24575,'0'0'0</inkml:trace>
-  <inkml:trace contextRef="#ctx0" brushRef="#br0" timeOffset="36414">0 93 24575,'31'0'0,"-5"0"0,-15 0 0,-1 0 0,1 0 0,-1 0 0,-1 0 0,1 0 0,0 0 0,0 0 0,1 0 0,-1 0 0,0 0 0,-2 0 0,1 0 0,3 0 0,-2 0 0,4 0 0,-3 0 0,-1 0 0,0 0 0,0 0 0,1 0 0,-1 0 0,0 0 0,0 0 0,0 0 0,-1 0 0</inkml:trace>
+  <inkml:trace contextRef="#ctx0" brushRef="#br0">1 34 24575,'23'2'0,"-1"3"0,-13-4 0,0 1 0,2-2 0,-3 0 0,4 0 0,0 0 0,-4 0 0,3 3 0,-3-2 0,2 1 0,-1-2 0,0 0 0,3 0 0,-4 0 0,5 0 0,-4 0 0,7 0 0,-7 0 0,6 0 0,-6 0 0,3 0 0,0 0 0,-1 0 0,1 0 0,-3 0 0,2 0 0,-3 0 0,4-2 0,-3 1 0,2-4 0,-3 4 0,4-4 0,0 4 0,-4-4 0,0 3 0,5-3 0,-3-1 0,4 3 0,-3-2 0,-6 4 0,5-4 0,0 5 0,1-2 0,0 2 0,-1 0 0,-2 0 0,2 0 0,0 0 0,2 0 0,-4 0 0,7 4 0,-6-3 0,2 4 0,2-3 0,-7 1 0,5-1 0,-3 4 0,-1-5 0,1 7 0,-5 0 0,1 0 0,-6 5 0,-4-3 0,-3 3 0,1-3 0,0 1 0,3-5 0,-3 5 0,2-6 0,-2 3 0,0-3 0,3 0 0,-6-2 0,3 3 0,0-5 0,-1 5 0,-1-1 0,2 0 0,-2 0 0,3 0 0,0-3 0,-2 3 0,-3-1 0,4 0 0,-2-1 0,2-1 0,1 0 0,-5 1 0,5 0 0,-4 2 0,5-3 0,-5 4 0,3 2 0,-1-2 0,-2 5 0,6-6 0,-3 3 0,-2-3 0,4-1 0,-7 1 0,4 0 0,-3-2 0,4-1 0,-6-2 0,9 0 0,-7 2 0,20 13 0,-7-9 0,13 10 0,-10-14 0,0 2 0,8 3 0,-6-3 0,6 0 0,-5 0 0,0-1 0,3-1 0,0 2 0,-2-3 0,2 1 0,-1-2 0,1 0 0,0 0 0,-3 0 0,4 0 0,-2 0 0,0 0 0,2 0 0,-4-2 0,4-1 0,-2 1 0,0 0 0,0 2 0,0 0 0,0 0 0,1 0 0,0 0 0,3 0 0,-5 0 0,2 0 0,-6 11 0,-2-4 0,0 7 0,-2-6 0,0-1 0</inkml:trace>
+</inkml:ink>
+</file>
+
+<file path=ppt/ink/ink2.xml><?xml version="1.0" encoding="utf-8"?>
+<inkml:ink xmlns:inkml="http://www.w3.org/2003/InkML">
+  <inkml:definitions>
+    <inkml:context xml:id="ctx0">
+      <inkml:inkSource xml:id="inkSrc0">
+        <inkml:traceFormat>
+          <inkml:channel name="X" type="integer" min="-2.14748E9" max="2.14748E9" units="cm"/>
+          <inkml:channel name="Y" type="integer" min="-2.14748E9" max="2.14748E9" units="cm"/>
+          <inkml:channel name="F" type="integer" max="32767" units="dev"/>
+        </inkml:traceFormat>
+        <inkml:channelProperties>
+          <inkml:channelProperty channel="X" name="resolution" value="1000" units="1/cm"/>
+          <inkml:channelProperty channel="Y" name="resolution" value="1000" units="1/cm"/>
+          <inkml:channelProperty channel="F" name="resolution" value="0" units="1/dev"/>
+        </inkml:channelProperties>
+      </inkml:inkSource>
+      <inkml:timestamp xml:id="ts0" timeString="2019-03-26T19:02:36.467"/>
+    </inkml:context>
+    <inkml:brush xml:id="br0">
+      <inkml:brushProperty name="width" value="0.35" units="cm"/>
+      <inkml:brushProperty name="height" value="0.35" units="cm"/>
+      <inkml:brushProperty name="color" value="#FFFFFF"/>
+    </inkml:brush>
+  </inkml:definitions>
+  <inkml:trace contextRef="#ctx0" brushRef="#br0">1 1 24575,'0'0'0</inkml:trace>
+</inkml:ink>
+</file>
+
+<file path=ppt/ink/ink3.xml><?xml version="1.0" encoding="utf-8"?>
+<inkml:ink xmlns:inkml="http://www.w3.org/2003/InkML">
+  <inkml:definitions>
+    <inkml:context xml:id="ctx0">
+      <inkml:inkSource xml:id="inkSrc0">
+        <inkml:traceFormat>
+          <inkml:channel name="X" type="integer" min="-2.14748E9" max="2.14748E9" units="cm"/>
+          <inkml:channel name="Y" type="integer" min="-2.14748E9" max="2.14748E9" units="cm"/>
+          <inkml:channel name="F" type="integer" max="32767" units="dev"/>
+        </inkml:traceFormat>
+        <inkml:channelProperties>
+          <inkml:channelProperty channel="X" name="resolution" value="1000" units="1/cm"/>
+          <inkml:channelProperty channel="Y" name="resolution" value="1000" units="1/cm"/>
+          <inkml:channelProperty channel="F" name="resolution" value="0" units="1/dev"/>
+        </inkml:channelProperties>
+      </inkml:inkSource>
+      <inkml:timestamp xml:id="ts0" timeString="2019-03-26T19:02:38.016"/>
+    </inkml:context>
+    <inkml:brush xml:id="br0">
+      <inkml:brushProperty name="width" value="0.35" units="cm"/>
+      <inkml:brushProperty name="height" value="0.35" units="cm"/>
+      <inkml:brushProperty name="color" value="#FFFFFF"/>
+    </inkml:brush>
+  </inkml:definitions>
+  <inkml:trace contextRef="#ctx0" brushRef="#br0">1 1 24575,'0'0'0</inkml:trace>
+</inkml:ink>
+</file>
+
+<file path=ppt/ink/ink4.xml><?xml version="1.0" encoding="utf-8"?>
+<inkml:ink xmlns:inkml="http://www.w3.org/2003/InkML">
+  <inkml:definitions>
+    <inkml:context xml:id="ctx0">
+      <inkml:inkSource xml:id="inkSrc0">
+        <inkml:traceFormat>
+          <inkml:channel name="X" type="integer" min="-2.14748E9" max="2.14748E9" units="cm"/>
+          <inkml:channel name="Y" type="integer" min="-2.14748E9" max="2.14748E9" units="cm"/>
+          <inkml:channel name="F" type="integer" max="32767" units="dev"/>
+        </inkml:traceFormat>
+        <inkml:channelProperties>
+          <inkml:channelProperty channel="X" name="resolution" value="1000" units="1/cm"/>
+          <inkml:channelProperty channel="Y" name="resolution" value="1000" units="1/cm"/>
+          <inkml:channelProperty channel="F" name="resolution" value="0" units="1/dev"/>
+        </inkml:channelProperties>
+      </inkml:inkSource>
+      <inkml:timestamp xml:id="ts0" timeString="2019-03-27T08:27:39.433"/>
+    </inkml:context>
+    <inkml:brush xml:id="br0">
+      <inkml:brushProperty name="width" value="0.35" units="cm"/>
+      <inkml:brushProperty name="height" value="0.35" units="cm"/>
+      <inkml:brushProperty name="color" value="#FFFFFF"/>
+    </inkml:brush>
+  </inkml:definitions>
+  <inkml:trace contextRef="#ctx0" brushRef="#br0">1 55 24575,'46'0'0,"-4"0"0,-2 7 0,-9 2 0,8 0 0,-10 4 0,-8-7 0,-2 2 0,-8-3 0,0-5 0,0 0 0,0 0 0,0 0 0,0 5 0,0-4 0,1 4 0,-1-5 0,-1 0 0,1 0 0,-1 0 0,1 0 0,-1 0 0,1 0 0,0-5 0,1 4 0,-2-4 0,0 5 0,0-5 0,0 4 0,0-3 0,8 4 0,-6 0 0,15-13 0,5 2 0,0-10 0,7 5 0,-10 1 0,-8 7 0,-2-3 0,-8 9 0,0-3 0,0 5 0,-1 0 0,0 0 0</inkml:trace>
+</inkml:ink>
+</file>
+
+<file path=ppt/ink/ink5.xml><?xml version="1.0" encoding="utf-8"?>
+<inkml:ink xmlns:inkml="http://www.w3.org/2003/InkML">
+  <inkml:definitions>
+    <inkml:context xml:id="ctx0">
+      <inkml:inkSource xml:id="inkSrc0">
+        <inkml:traceFormat>
+          <inkml:channel name="X" type="integer" min="-2.14748E9" max="2.14748E9" units="cm"/>
+          <inkml:channel name="Y" type="integer" min="-2.14748E9" max="2.14748E9" units="cm"/>
+          <inkml:channel name="F" type="integer" max="32767" units="dev"/>
+        </inkml:traceFormat>
+        <inkml:channelProperties>
+          <inkml:channelProperty channel="X" name="resolution" value="1000" units="1/cm"/>
+          <inkml:channelProperty channel="Y" name="resolution" value="1000" units="1/cm"/>
+          <inkml:channelProperty channel="F" name="resolution" value="0" units="1/dev"/>
+        </inkml:channelProperties>
+      </inkml:inkSource>
+      <inkml:timestamp xml:id="ts0" timeString="2019-03-27T08:27:43.942"/>
+    </inkml:context>
+    <inkml:brush xml:id="br0">
+      <inkml:brushProperty name="width" value="0.35" units="cm"/>
+      <inkml:brushProperty name="height" value="0.35" units="cm"/>
+      <inkml:brushProperty name="color" value="#FFFFFF"/>
+    </inkml:brush>
+  </inkml:definitions>
+  <inkml:trace contextRef="#ctx0" brushRef="#br0">1 751 24575,'27'0'0,"-4"0"0,-13 0 0,-1 0 0,0 0 0,0 0 0,1 0 0,-1 0 0,0 0 0,1-5 0,0 4 0,9-4 0,2-1 0,0-1 0,-2-5 0,-8 0 0,0 6 0,0 1 0,0 5 0,0 0 0,-1 0 0,0 0 0,-1 0 0,1-5 0,-1 4 0,0-4 0,1 0 0,0-1 0,1 1 0,-5-5 0,4 9 0,-5-8 0,1-1 0,-3-1 0,-3-11 0,0 8 0,0-12 0,0 5 0,0-8 0,0 8 0,-6-6 0,5 14 0,-12-14 0,11 14 0,-4-6 0,1 8 0,4 0 0,-8 0 0,8 1 0,-8 5 0,8-6 0,-8 4 0,8-6 0,-3 3 0,4 0 0,0 0 0,0 1 0,0-2 0,0 1 0,0-9 0,0 6 0,0-6 0,0 8 0,0-1 0,0 2 0,0 0 0,0 1 0,0 1 0,4-1 0,2-1 0,12-2 0,-3-7 0,12 3 0,-13-4 0,13 6 0,-14 2 0,6 5 0,-8-3 0,-4 3 0,3 1 0,-9 25 0,4-9 0,-5 20 0,0-19 0,0 0 0,0 0 0,0 0 0,0 1 0,0-3 0,0 1 0,0 0 0,0 0 0,0 1 0,0 0 0,0 0 0,0 1 0,0-1 0,0 0 0,0 0 0,0 0 0,0 0 0,0 0 0,0 0 0,0-2 0,0 0 0,0 0 0,0 0 0,0 0 0,0 0 0</inkml:trace>
+  <inkml:trace contextRef="#ctx0" brushRef="#br0" timeOffset="29524">613 597 24575,'0'0'0</inkml:trace>
+  <inkml:trace contextRef="#ctx0" brushRef="#br0" timeOffset="33341">559 265 24575,'0'0'0</inkml:trace>
+</inkml:ink>
+</file>
+
+<file path=ppt/ink/ink6.xml><?xml version="1.0" encoding="utf-8"?>
+<inkml:ink xmlns:inkml="http://www.w3.org/2003/InkML">
+  <inkml:definitions>
+    <inkml:context xml:id="ctx0">
+      <inkml:inkSource xml:id="inkSrc0">
+        <inkml:traceFormat>
+          <inkml:channel name="X" type="integer" min="-2.14748E9" max="2.14748E9" units="cm"/>
+          <inkml:channel name="Y" type="integer" min="-2.14748E9" max="2.14748E9" units="cm"/>
+          <inkml:channel name="F" type="integer" max="32767" units="dev"/>
+        </inkml:traceFormat>
+        <inkml:channelProperties>
+          <inkml:channelProperty channel="X" name="resolution" value="1000" units="1/cm"/>
+          <inkml:channelProperty channel="Y" name="resolution" value="1000" units="1/cm"/>
+          <inkml:channelProperty channel="F" name="resolution" value="0" units="1/dev"/>
+        </inkml:channelProperties>
+      </inkml:inkSource>
+      <inkml:timestamp xml:id="ts0" timeString="2019-03-27T08:49:36.889"/>
+    </inkml:context>
+    <inkml:brush xml:id="br0">
+      <inkml:brushProperty name="width" value="0.35" units="cm"/>
+      <inkml:brushProperty name="height" value="0.35" units="cm"/>
+      <inkml:brushProperty name="color" value="#FFFFFF"/>
+    </inkml:brush>
+  </inkml:definitions>
+  <inkml:trace contextRef="#ctx0" brushRef="#br0">199 1865 24575,'24'-19'0,"3"-1"0,9-15 0,-9 7 0,13-9 0,-16 10 0,0 3 0,2-3 0,-5 0 0,-2 6 0,-5 0 0,0 5 0,-6 4 0,2-3 0,-4 7 0,-1 0 0,2 1 0,-2 36 0,-2-16 0,-3 31 0,-7-10 0,-8 2 0,0 4 0,-3 0 0,4-1 0,0-4 0,0 0 0,2-7 0,0-5 0,3-3 0,4-1 0,1-8 0,2-2 0,17-42 0,2 8 0,25-46 0,-6 12 0,5-2 0,1-9 0,-4 10 0,-1 11 0,-2-7 0,-10 24 0,2-7 0,-12 14 0,0 5 0,-6 10 0,-2 3 0,-2 30 0,-3 4 0,-1 31 0,-5-4 0,-1 6 0,-6-6 0,1 5 0,-4-12 0,5 6 0,-2-13 0,7-5 0,1-11 0,1-8 0,2-7 0,-2-3 0,23-21 0,14-27 0,8-3 0,18-32 0,-19 22 0,1 3 0,-4-4 0,-13 21 0,2-8 0,-4 15 0,-11 7 0,-2 8 0,-6 9 0,0 24 0,-3 12 0,-1 25 0,-5 4 0,-4-7 0,-1-2 0,-5-6 0,5 0 0,1-14 0,2 1 0,4-21 0,-1 1 0,27-37 0,-4 1 0,18-24 0,-8 9 0,-9 4 0,7 1 0,-11 5 0,1 7 0,-8 5 0,-3 5 0,-2 5 0,1 1 0,-3 24 0,1 1 0,-4 15 0,0 4 0,0-9 0,0 15 0,0-14 0,-3 3 0,3-15 0,-3-3 0,3-8 0,47-57 0,-21 20 0,34-43 0,-25 28 0,-6 0 0,8-2 0,-7 7 0,-5 11 0,-7 10 0,-8 6 0,-4 8 0,-2 23 0,-1 14 0,-1 12 0,-2 6 0,-3-10 0,-1 5 0,-8 0 0,4-5 0,-1-11 0,5-2 0,0-18 0,4 2 0,24-45 0,-8 11 0,21-29 0,-12 16 0,-4 6 0,4-3 0,-9 10 0,-3 5 0,-4 6 0,-3 5 0,2 2 0,-6 28 0,2 3 0,-4 31 0,0-21 0,-4 20 0,3-25 0,-6 19 0,4-20 0,-1 2 0,-1-13 0,4-4 0,-1-8 0,17-26 0,2-3 0,16-28 0,23-24 0,-19 26 0,18-23 0,-20 35 0,-5 1 0,0 4 0,-10 12 0,-7 7 0,-2 5 0,-5 3 0,4 24 0,-8-1 0,4 26 0,-6-11 0,0 0 0,0-3 0,-3-2 0,2-1 0,-4-8 0,5-3 0,-2-9 0,2 0 0,18-35 0,-5 12 0,12-25 0,-12 23 0,-4 4 0,-2 1 0,-1 5 0,-1-1 0,-1 26 0,0-6 0,-1 17 0,-3-7 0,0-10 0,0 1 0,0-6 0,0 0 0,12-4 0,-5-5 0,13-4 0,-11-3 0,11-7 0,-12 8 0,8-6 0,-10 9 0,-1-2 0,6 3 0,-8-5 0,3-2 0,-6-1 0,0-1 0,0 4 0,0 0 0,2-2 0,-1 2 0,6-5 0,-3-3 0,12-4 0,-6-4 0,9-3 0,-9 4 0,5 1 0,-10 7 0,1 6 0,-2 3 0,-29 7 0,13 3 0,-23 4 0,21-1 0,-1 0 0,3-2 0,3-1 0,2-23 0,5-5 0,-1-23 0,3 1 0,3 6 0,1 0 0,2 12 0,-2 3 0,1 7 0,-5 6 0,4 3 0,-29 22 0,11 2 0,-26 18 0,23-8 0,-6 2 0,7-1 0,2-5 0,0-1 0,10-10 0,-1 1 0,21-32 0,-4 11 0,12-22 0,-11 16 0,-4 4 0,-2 1 0,-1 5 0,-33 38 0,6-2 0,-29 40 0,22-27 0,-7 13 0,13-23 0,-5 6 0,14-15 0,2-9 0,7-6 0,2-37 0,4-5 0,12-37 0,8-15-382,-4 37 1,0-1 381,-1 0 0,-1 1 0,16-39 0,-1 14 0,-13 17 0,7-2 0,-11 22 0,-4 10 0,-3 11 763,-5 14-763,-20 40 0,-5 5 0,-18 40 0,10-31 0,2 5 0,7-17 0,-1 5 0,5-11 0,4-5 0,7-14 0,4-7 0,1-4 0,18-23 0,-3 3 0,14-20 0,-4 8 0,-6 1 0,5 4 0,-7 1 0,-1 5 0,-2 3 0,-5 2 0,-1 5 0,4 43 0,-7-13 0,4 35 0,-10-20 0,2-3 0,-2-1 0,0-11 0,3-6 0,-2-8 0,2-2 0,16-37 0,-1 2 0,23-51 0,-3 17 0,2-2-492,-13 14 0,1-1 471,19-24 1,-1 2 20,-9 0 0,-7 23 0,-1 1 0,8-18 0,6-7 0,-16 25 0,-10 17 0,-6 11 0,-4 11 983,-37 43-941,4 4-42,-32 30 0,7 1-480,-2 2 480,11-16 0,-15 21 0,30-39 0,-15 17 0,20-25 0,5-3 0,8-13 0,6-4 480,1-4-480,5-26 0,-1 6 0,4-26 0,3 17 0,1-9 0,2 8 0,-3-3 0,-1 8 0,0 5 0,-1 6 0,0 1 0,-17 41 0,-1-1 0,-19 33 0,1-2 0,-5-3 0,7-8 0,-5 4 0,13-20 0,-9 8 0,14-18 0,-2-1 0,12-15 0,1-2 0,4-31 0,1-24 0,6-40 0,-1 35 0,3-1-223,4-5 1,1 2 222,10-41 0,8 4 0,-11 25 0,3 1 0,-10 23 0,-1 4 0,-6 23 0,0 5 0,-54 85 0,21-25 0,-13 14 0,-4 6-400,17-20 1,0-2 399,-6 6 0,-1 1 0,3-1 0,1-2 0,-21 28 0,5-7 0,18-26 0,-9 10 0,20-23 0,-2-5 0,13-25 983,9-44-722,26-32-261,1-2 0,4-4-492,-2 21 0,1 1 477,4-10 0,-1 4 15,9-9 0,-8 9 0,-5 10 0,-3 5 0,-14 27 0,-4 16 0,-34 55 0,0 4 0,-4 3 0,-3 2-57,-16 27 57,16-21 0,-1 1 0,3-10 0,0-1 0,-2 8 0,1 0 0,4-14 0,1 0 0,-4 7 0,1-3 0,-5 6 0,-6 20 0,18-42 0,5-8 0,2-6 0,9-18 983,1-31-895,8-25-88,6 2 0,3-5-492,-2 3 0,3-3 92,14-18 0,2-2 400,-10 9 0,-1 3-236,2 6 0,0 2 236,-4-1 0,-2 5 0,3-7 0,6-17 0,-10 31 0,-2 8 0,-7 20 983,-2 11-227,-35 37-239,9 3-517,-40 38 0,19-12 0,-3-4 0,4-4 0,9-8 0,-1-8 0,9-4 0,8-15 0,8-8 0,5-6 0,3-54 0,1 5 0,8-41 0,3 14 0,8 10 0,-5 2 0,3 7 0,-9 17 0,3 9 0,-6 14 0,-2 13 0,-13 31 0,-4 7 0,-31 45 0,18-30 0,-22 26 0,20-26 0,-7 7 0,8-10 0,2-8 0,11-17 0,3-5 0,7-11 0,3-6 0,3-22 0,10-39 0,5-8 0,4 10 0,3-2-277,-3 8 0,1 2 277,2 1 0,0 0 0,14-44-99,-9 22 99,-5 12 0,-2 5 0,-8 27 0,-3 4 0,-5 18 551,-9 27-551,-7 7 102,-7 15-102,-11 12 0,3-17 0,-3 17 0,3-15 0,5-2 0,1-5 0,7-14 0,3-6 0,8-10 0,-1-1 0,2-28 0,1-9 0,9-34 0,10-21 0,0 26 0,10-21 0,-11 33 0,2 1 0,-4 7 0,-8 17 0,-1 10 0,-5 6 0,-23 32 0,7-7 0,-24 30 0,13-14 0,0 0 0,1 2 0,6-12 0,4 0 0,2-10 0,6-2 0,2-5 0,1-39 0,5 10 0,1-28 0,4 26 0,0 3 0,-1 9 0,-1 0 0,0 8 0,-17 26 0,5-6 0,-12 21 0,4-10 0,1-5 0,-1 3 0,-1-6 0,5 1 0,-1-3 0,4-6 0,2 0 0,1-6 0,3-42 0,1 2 0,4-34 0,2 23 0,3 2 0,3 10 0,-2-5 0,1 15 0,-5 4 0,-1 12 0,-1 6 0,-9 25 0,1-6 0,-11 25 0,5-16 0,0 3 0,-4-3 0,6-5 0,-4 1 0,10-12 0,-2 0 0,11-51 0,7 7 0,16-45 0,-3 26 0,10-3 0,-11 10 0,3 4 0,-5 6 0,-7 13 0,-3 8 0,-6 6 0,-2 8 0,0 32 0,-1-7 0,-1 35 0,-2-22 0,-3 3 0,3-5 0,-6-9 0,6 2 0,-2-16 0,2 1 0,17-20 0,7-16 0,39-26 0,-8-7 0,11-4 0,-10 5 0,-11 7 0,4-1 0,-13 10 0,-2 9 0,-16 13 0,-1 7 0,-11 7 0,-1 2 0,-3 39 0,-1 6 0,-6 45 0,-6 7-461,1-43 1,-2 1 460,1 0 0,-2 0 0,-4 0 0,-2-3 0,-5 23 0,-8-6 0,13-20 0,4-11 0,7-12 0,6-12 921,33-60-921,-14 17 0,32-47 0,-26 37 0,5-7 0,-10 13 0,-1 0 0,-6 11 0,-3 8 0,-1 7 0,-4 5 0,0 30 0,-1-9 0,-7 27 0,0-9 0,-7-4 0,5 2 0,-2-9 0,6-7 0,-1-5 0,4-6 0,10-29 0,3-2 0,12-26 0,-4 10 0,-1-4 0,0 13 0,-6-2 0,-2 16 0,-4 0 0,-4 11 0,-1-1 0,1 43 0,-10-6 0,-1 34 0,-7-27 0,-5 14 0,5-18 0,-5 9 0,9-13 0,2-9 0,4-5 0,1-10 0,20-50 0,-1 4 0,22-46 0,-5 23 0,-3 8 0,0 3 0,-9 19 0,-4 0 0,-2 11 0,-5 8 0,-3 8 0,-2 5 0,-18 48 0,1-14 0,-17 45 0,10-34 0,-1 10 0,6-12 0,-1 1 0,4-6 0,2-11 0,6-11 0,1-4 0,28-23 0,14-22 0,6 0 0,2-12 0,-16 20 0,-4 0 0,0 4 0,-6 2 0,-6 8 0,-5 5 0,-2 4 0,-5 31 0,-2 1 0,1 24 0,-3-10 0,0 10 0,-3-14 0,2 3 0,-2-11 0,3-13 0,0-1 0,0-9 0,13-2 0,1-5 0,14-9 0,-3-7 0,1 0 0,1-6 0,-7 11 0,-3-1 0,-6 5 0,-5 4 0,1 18 0,-5-4 0,0 17 0,-2-14 0,0 2 0,-1-7 0,0-1 0,11-28 0,2 6 0,8-24 0,-5 14 0,-4 5 0,-1 5 0,-3 4 0,-2 5 0,0-1 0,-6-3 0,-2 0 0,-5 1 0,-1 2 0,-3 4 0,4-1 0,-6 2 0,2-2 0,-3 3 0,-4-4 0,3 5 0,-2-5 0,3 4 0,3-3 0,1 4 0,0-6 0,4 3 0,-2-8 0,5 1 0,-1-5 0,0-3 0,-1-1 0,3-4 0,-2 3 0,2 1 0,1 5 0,-2 2 0,2 3 0,-2 1 0,-8 6 0,4-2 0,-10 4 0,2 0 0,1 0 0,-8 3 0,4 0 0,-1 3 0,-3-3 0,11 1 0,-6-2 0,11 1 0,-4-1 0,3-9 0,1 2 0,0-6 0,3 0 0,2 2 0,-3-2 0,3 0 0,-1 4 0,1-5 0,-3 7 0,-5-1 0,2 3 0,-7 3 0,6 2 0,-5 1 0,2 1 0,0 2 0,1-1 0,3 1 0,2-2 0,-1-22 0,5 8 0,-1-18 0,3 16 0,0 1 0,0 3 0,-10 2 0,-3 6 0,-6 4 0,0 6 0,1 0 0,1 4 0,-2-3 0,-3 7 0,6-7 0,-7 12 0,7-12 0,-2 10 0,6-12 0,-1 5 0,4-8 0,3 2 0,-1-2 0,3 2 0,-3 1 0,2 0 0,-1 2 0,-1 1 0,-1 7 0,-3 0 0,-2 10 0,-2-3 0,-5 19 0,4-20 0,-4 24 0,5-23 0,-3 11 0,1-9 0,-4 14 0,6-21 0,-3 14 0,6-23 0,3 0 0,2-1 0,2-5 0,0 0 0,-5-4 0,0 1 0,-2-3 0,2 0 0,2-2 0,-1 0 0,0 0 0,0-1 0,-1 3 0,2-4 0,-1 2 0,1-3 0,1-1 0,1-1 0,0 1 0,-3 0 0,-1 4 0,-1 0 0,3 1 0,0 0 0,-3-1 0,-1 0 0,0 2 0,-2-5 0,3 5 0,-13-3 0,7 3 0,-6 0 0,8 3 0,0-3 0,1 4 0,-1-3 0,3 1 0,1-2 0,3 2 0,0 1 0,2 6 0,2-2 0,3 3 0,-1 0 0,0-3 0,-2 3 0,-2 1 0,1-3 0,-4 6 0,4-2 0,-2 3 0,0-1 0,2-2 0,-2 2 0,4-5 0,-1 2 0,4-3 0,-2 1 0,18-12 0,-11 1 0,12-6 0,-13 1 0,-11 31 0,5-14 0,-16 28 0,11-25 0,-6 7 0,8-12 0,-2 3 0,4-5 0,-2 2 0,-9-9 0,7 4 0,-8-6 0,6 3 0,0 2 0,-2 0 0,0 0 0,2 2 0,-2-4 0,0 4 0,-1-3 0,-3 3 0,4-3 0,-7 1 0,8-2 0,-8 0 0,6 2 0,-3-1 0,3-1 0,-2-3 0,5-1 0,1 2 0,-1-3 0,34 6 0,-17-2 0,23 3 0,-20 2 0,-7-3 0,-28-12 0,12 6 0,-23-8 0,16 5 0,6 3 0,-4-3 0,8 0 0,-2 3 0,3-2 0,1 1 0,0-1 0,1 1 0,-1-1 0,3 0 0,-2-1 0,3-3 0,-5 4 0,4-2 0,-1 1 0,-1 2 0,3-2 0,-5 0 0,3 1 0,-3 1 0,-1-3 0,1 3 0,-3-4 0,2 1 0,0 0 0,1-2 0,-7 3 0,5 4 0,-8-1 0,9 3 0,-2-2 0,0-1 0,4 1 0,-3-1 0,4 0 0,1-1 0,-5 1 0,5-1 0,-5 3 0,4-4 0,-2 1 0,2-4 0,3 1 0,-2 2 0,2-2 0,-1 2 0,-3-1 0,32 10 0,-14-3 0,24 9 0,-20-8 0,-4 3 0,3-3 0,-2 2 0,3 1 0,-4 3 0,0-1 0,0 3 0,1-1 0,0 2 0,2 1 0,-4 1 0,4-3 0,-6 3 0,5-6 0,-8 1 0,6 0 0,-4-1 0,-1 1 0,3 3 0,-4-5 0,3 3 0,0-3 0,0 2 0,0-1 0,0 0 0,3 2 0,-2-1 0,5 2 0,-2-2 0,0 1 0,2-2 0,-5 1 0,5 1 0,-5-1 0,5 0 0,-7 1 0,3-5 0,-4 4 0,2-2 0</inkml:trace>
 </inkml:ink>
 </file>
 
@@ -161,43 +301,6 @@
       </p:grpSpPr>
       <p:sp>
         <p:nvSpPr>
-          <p:cNvPr id="7" name="Rectangle 6"/>
-          <p:cNvSpPr/>
-          <p:nvPr/>
-        </p:nvSpPr>
-        <p:spPr>
-          <a:xfrm>
-            <a:off x="1483601" y="9621587"/>
-            <a:ext cx="27282483" cy="10304550"/>
-          </a:xfrm>
-          <a:prstGeom prst="rect">
-            <a:avLst/>
-          </a:prstGeom>
-          <a:solidFill>
-            <a:schemeClr val="accent1"/>
-          </a:solidFill>
-          <a:ln>
-            <a:noFill/>
-          </a:ln>
-          <a:effectLst/>
-        </p:spPr>
-        <p:style>
-          <a:lnRef idx="1">
-            <a:schemeClr val="accent1"/>
-          </a:lnRef>
-          <a:fillRef idx="3">
-            <a:schemeClr val="accent1"/>
-          </a:fillRef>
-          <a:effectRef idx="2">
-            <a:schemeClr val="accent1"/>
-          </a:effectRef>
-          <a:fontRef idx="minor">
-            <a:schemeClr val="lt1"/>
-          </a:fontRef>
-        </p:style>
-      </p:sp>
-      <p:sp>
-        <p:nvSpPr>
           <p:cNvPr id="2" name="Title 1"/>
           <p:cNvSpPr>
             <a:spLocks noGrp="1"/>
@@ -211,6 +314,9 @@
             <a:off x="1924290" y="3088746"/>
             <a:ext cx="26453570" cy="4692187"/>
           </a:xfrm>
+          <a:prstGeom prst="rect">
+            <a:avLst/>
+          </a:prstGeom>
           <a:effectLst/>
         </p:spPr>
         <p:txBody>
@@ -250,6 +356,9 @@
             <a:off x="1924290" y="7780934"/>
             <a:ext cx="26453570" cy="1840654"/>
           </a:xfrm>
+          <a:prstGeom prst="rect">
+            <a:avLst/>
+          </a:prstGeom>
         </p:spPr>
         <p:txBody>
           <a:bodyPr anchor="t">
@@ -354,104 +463,6 @@
           </a:p>
         </p:txBody>
       </p:sp>
-      <p:sp>
-        <p:nvSpPr>
-          <p:cNvPr id="4" name="Date Placeholder 3"/>
-          <p:cNvSpPr>
-            <a:spLocks noGrp="1"/>
-          </p:cNvSpPr>
-          <p:nvPr>
-            <p:ph type="dt" sz="half" idx="10"/>
-          </p:nvPr>
-        </p:nvSpPr>
-        <p:spPr/>
-        <p:txBody>
-          <a:bodyPr/>
-          <a:lstStyle>
-            <a:lvl1pPr>
-              <a:defRPr>
-                <a:solidFill>
-                  <a:schemeClr val="accent1">
-                    <a:lumMod val="75000"/>
-                    <a:lumOff val="25000"/>
-                  </a:schemeClr>
-                </a:solidFill>
-              </a:defRPr>
-            </a:lvl1pPr>
-          </a:lstStyle>
-          <a:p>
-            <a:fld id="{48A87A34-81AB-432B-8DAE-1953F412C126}" type="datetimeFigureOut">
-              <a:rPr lang="en-US" smtClean="0"/>
-              <a:t>3/26/19</a:t>
-            </a:fld>
-            <a:endParaRPr lang="en-US" dirty="0"/>
-          </a:p>
-        </p:txBody>
-      </p:sp>
-      <p:sp>
-        <p:nvSpPr>
-          <p:cNvPr id="5" name="Footer Placeholder 4"/>
-          <p:cNvSpPr>
-            <a:spLocks noGrp="1"/>
-          </p:cNvSpPr>
-          <p:nvPr>
-            <p:ph type="ftr" sz="quarter" idx="11"/>
-          </p:nvPr>
-        </p:nvSpPr>
-        <p:spPr/>
-        <p:txBody>
-          <a:bodyPr/>
-          <a:lstStyle>
-            <a:lvl1pPr>
-              <a:defRPr>
-                <a:solidFill>
-                  <a:schemeClr val="accent1">
-                    <a:lumMod val="75000"/>
-                    <a:lumOff val="25000"/>
-                  </a:schemeClr>
-                </a:solidFill>
-              </a:defRPr>
-            </a:lvl1pPr>
-          </a:lstStyle>
-          <a:p>
-            <a:endParaRPr lang="en-US" dirty="0"/>
-          </a:p>
-        </p:txBody>
-      </p:sp>
-      <p:sp>
-        <p:nvSpPr>
-          <p:cNvPr id="6" name="Slide Number Placeholder 5"/>
-          <p:cNvSpPr>
-            <a:spLocks noGrp="1"/>
-          </p:cNvSpPr>
-          <p:nvPr>
-            <p:ph type="sldNum" sz="quarter" idx="12"/>
-          </p:nvPr>
-        </p:nvSpPr>
-        <p:spPr/>
-        <p:txBody>
-          <a:bodyPr/>
-          <a:lstStyle>
-            <a:lvl1pPr>
-              <a:defRPr>
-                <a:solidFill>
-                  <a:schemeClr val="accent1">
-                    <a:lumMod val="75000"/>
-                    <a:lumOff val="25000"/>
-                  </a:schemeClr>
-                </a:solidFill>
-              </a:defRPr>
-            </a:lvl1pPr>
-          </a:lstStyle>
-          <a:p>
-            <a:fld id="{6D22F896-40B5-4ADD-8801-0D06FADFA095}" type="slidenum">
-              <a:rPr lang="en-US" smtClean="0"/>
-              <a:t>‹#›</a:t>
-            </a:fld>
-            <a:endParaRPr lang="en-US" dirty="0"/>
-          </a:p>
-        </p:txBody>
-      </p:sp>
     </p:spTree>
     <p:extLst>
       <p:ext uri="{BB962C8B-B14F-4D97-AF65-F5344CB8AC3E}">
@@ -466,6 +477,308 @@
 </file>
 
 <file path=ppt/slideLayouts/slideLayout10.xml><?xml version="1.0" encoding="utf-8"?>
+<p:sldLayout xmlns:a="http://schemas.openxmlformats.org/drawingml/2006/main" xmlns:r="http://schemas.openxmlformats.org/officeDocument/2006/relationships" xmlns:p="http://schemas.openxmlformats.org/presentationml/2006/main" type="picTx" preserve="1">
+  <p:cSld name="Picture with Caption">
+    <p:spTree>
+      <p:nvGrpSpPr>
+        <p:cNvPr id="1" name=""/>
+        <p:cNvGrpSpPr/>
+        <p:nvPr/>
+      </p:nvGrpSpPr>
+      <p:grpSpPr>
+        <a:xfrm>
+          <a:off x="0" y="0"/>
+          <a:ext cx="0" cy="0"/>
+          <a:chOff x="0" y="0"/>
+          <a:chExt cx="0" cy="0"/>
+        </a:xfrm>
+      </p:grpSpPr>
+      <p:sp>
+        <p:nvSpPr>
+          <p:cNvPr id="2" name="Title 1"/>
+          <p:cNvSpPr>
+            <a:spLocks noGrp="1"/>
+          </p:cNvSpPr>
+          <p:nvPr>
+            <p:ph type="title"/>
+          </p:nvPr>
+        </p:nvSpPr>
+        <p:spPr>
+          <a:xfrm>
+            <a:off x="1924290" y="14634247"/>
+            <a:ext cx="26453570" cy="1767121"/>
+          </a:xfrm>
+          <a:prstGeom prst="rect">
+            <a:avLst/>
+          </a:prstGeom>
+        </p:spPr>
+        <p:txBody>
+          <a:bodyPr anchor="b">
+            <a:normAutofit/>
+          </a:bodyPr>
+          <a:lstStyle>
+            <a:lvl1pPr algn="l">
+              <a:defRPr sz="7483" b="0">
+                <a:solidFill>
+                  <a:schemeClr val="accent1"/>
+                </a:solidFill>
+              </a:defRPr>
+            </a:lvl1pPr>
+          </a:lstStyle>
+          <a:p>
+            <a:r>
+              <a:rPr lang="en-US"/>
+              <a:t>Click to edit Master title style</a:t>
+            </a:r>
+            <a:endParaRPr lang="en-US" dirty="0"/>
+          </a:p>
+        </p:txBody>
+      </p:sp>
+      <p:sp>
+        <p:nvSpPr>
+          <p:cNvPr id="3" name="Picture Placeholder 2"/>
+          <p:cNvSpPr>
+            <a:spLocks noGrp="1" noChangeAspect="1"/>
+          </p:cNvSpPr>
+          <p:nvPr>
+            <p:ph type="pic" idx="1"/>
+          </p:nvPr>
+        </p:nvSpPr>
+        <p:spPr>
+          <a:xfrm>
+            <a:off x="1483608" y="1869976"/>
+            <a:ext cx="27277841" cy="11091709"/>
+          </a:xfrm>
+          <a:prstGeom prst="rect">
+            <a:avLst/>
+          </a:prstGeom>
+        </p:spPr>
+        <p:txBody>
+          <a:bodyPr anchor="t">
+            <a:normAutofit/>
+          </a:bodyPr>
+          <a:lstStyle>
+            <a:lvl1pPr marL="0" indent="0" algn="ctr">
+              <a:buNone/>
+              <a:defRPr sz="4989"/>
+            </a:lvl1pPr>
+            <a:lvl2pPr marL="1425595" indent="0">
+              <a:buNone/>
+              <a:defRPr sz="4989"/>
+            </a:lvl2pPr>
+            <a:lvl3pPr marL="2851191" indent="0">
+              <a:buNone/>
+              <a:defRPr sz="4989"/>
+            </a:lvl3pPr>
+            <a:lvl4pPr marL="4276786" indent="0">
+              <a:buNone/>
+              <a:defRPr sz="4989"/>
+            </a:lvl4pPr>
+            <a:lvl5pPr marL="5702381" indent="0">
+              <a:buNone/>
+              <a:defRPr sz="4989"/>
+            </a:lvl5pPr>
+            <a:lvl6pPr marL="7127977" indent="0">
+              <a:buNone/>
+              <a:defRPr sz="4989"/>
+            </a:lvl6pPr>
+            <a:lvl7pPr marL="8553572" indent="0">
+              <a:buNone/>
+              <a:defRPr sz="4989"/>
+            </a:lvl7pPr>
+            <a:lvl8pPr marL="9979167" indent="0">
+              <a:buNone/>
+              <a:defRPr sz="4989"/>
+            </a:lvl8pPr>
+            <a:lvl9pPr marL="11404763" indent="0">
+              <a:buNone/>
+              <a:defRPr sz="4989"/>
+            </a:lvl9pPr>
+          </a:lstStyle>
+          <a:p>
+            <a:r>
+              <a:rPr lang="en-US"/>
+              <a:t>Click icon to add picture</a:t>
+            </a:r>
+            <a:endParaRPr lang="en-US" dirty="0"/>
+          </a:p>
+        </p:txBody>
+      </p:sp>
+      <p:sp>
+        <p:nvSpPr>
+          <p:cNvPr id="4" name="Text Placeholder 3"/>
+          <p:cNvSpPr>
+            <a:spLocks noGrp="1"/>
+          </p:cNvSpPr>
+          <p:nvPr>
+            <p:ph type="body" sz="half" idx="2"/>
+          </p:nvPr>
+        </p:nvSpPr>
+        <p:spPr>
+          <a:xfrm>
+            <a:off x="1924290" y="16401367"/>
+            <a:ext cx="26453570" cy="1866689"/>
+          </a:xfrm>
+          <a:prstGeom prst="rect">
+            <a:avLst/>
+          </a:prstGeom>
+        </p:spPr>
+        <p:txBody>
+          <a:bodyPr>
+            <a:normAutofit/>
+          </a:bodyPr>
+          <a:lstStyle>
+            <a:lvl1pPr marL="0" indent="0">
+              <a:buNone/>
+              <a:defRPr sz="3742"/>
+            </a:lvl1pPr>
+            <a:lvl2pPr marL="1425595" indent="0">
+              <a:buNone/>
+              <a:defRPr sz="3742"/>
+            </a:lvl2pPr>
+            <a:lvl3pPr marL="2851191" indent="0">
+              <a:buNone/>
+              <a:defRPr sz="3118"/>
+            </a:lvl3pPr>
+            <a:lvl4pPr marL="4276786" indent="0">
+              <a:buNone/>
+              <a:defRPr sz="2806"/>
+            </a:lvl4pPr>
+            <a:lvl5pPr marL="5702381" indent="0">
+              <a:buNone/>
+              <a:defRPr sz="2806"/>
+            </a:lvl5pPr>
+            <a:lvl6pPr marL="7127977" indent="0">
+              <a:buNone/>
+              <a:defRPr sz="2806"/>
+            </a:lvl6pPr>
+            <a:lvl7pPr marL="8553572" indent="0">
+              <a:buNone/>
+              <a:defRPr sz="2806"/>
+            </a:lvl7pPr>
+            <a:lvl8pPr marL="9979167" indent="0">
+              <a:buNone/>
+              <a:defRPr sz="2806"/>
+            </a:lvl8pPr>
+            <a:lvl9pPr marL="11404763" indent="0">
+              <a:buNone/>
+              <a:defRPr sz="2806"/>
+            </a:lvl9pPr>
+          </a:lstStyle>
+          <a:p>
+            <a:pPr lvl="0"/>
+            <a:r>
+              <a:rPr lang="en-US"/>
+              <a:t>Edit Master text styles</a:t>
+            </a:r>
+          </a:p>
+        </p:txBody>
+      </p:sp>
+      <p:sp>
+        <p:nvSpPr>
+          <p:cNvPr id="5" name="Date Placeholder 4"/>
+          <p:cNvSpPr>
+            <a:spLocks noGrp="1"/>
+          </p:cNvSpPr>
+          <p:nvPr>
+            <p:ph type="dt" sz="half" idx="10"/>
+          </p:nvPr>
+        </p:nvSpPr>
+        <p:spPr>
+          <a:xfrm>
+            <a:off x="18406585" y="18571565"/>
+            <a:ext cx="7064216" cy="1138480"/>
+          </a:xfrm>
+          <a:prstGeom prst="rect">
+            <a:avLst/>
+          </a:prstGeom>
+        </p:spPr>
+        <p:txBody>
+          <a:bodyPr/>
+          <a:lstStyle/>
+          <a:p>
+            <a:fld id="{48A87A34-81AB-432B-8DAE-1953F412C126}" type="datetimeFigureOut">
+              <a:rPr lang="en-US" smtClean="0"/>
+              <a:pPr/>
+              <a:t>3/28/19</a:t>
+            </a:fld>
+            <a:endParaRPr lang="en-US" dirty="0"/>
+          </a:p>
+        </p:txBody>
+      </p:sp>
+      <p:sp>
+        <p:nvSpPr>
+          <p:cNvPr id="6" name="Footer Placeholder 5"/>
+          <p:cNvSpPr>
+            <a:spLocks noGrp="1"/>
+          </p:cNvSpPr>
+          <p:nvPr>
+            <p:ph type="ftr" sz="quarter" idx="11"/>
+          </p:nvPr>
+        </p:nvSpPr>
+        <p:spPr>
+          <a:xfrm>
+            <a:off x="1924292" y="18558076"/>
+            <a:ext cx="16126203" cy="1138480"/>
+          </a:xfrm>
+          <a:prstGeom prst="rect">
+            <a:avLst/>
+          </a:prstGeom>
+        </p:spPr>
+        <p:txBody>
+          <a:bodyPr/>
+          <a:lstStyle/>
+          <a:p>
+            <a:endParaRPr lang="en-US" dirty="0"/>
+          </a:p>
+        </p:txBody>
+      </p:sp>
+      <p:sp>
+        <p:nvSpPr>
+          <p:cNvPr id="7" name="Slide Number Placeholder 6"/>
+          <p:cNvSpPr>
+            <a:spLocks noGrp="1"/>
+          </p:cNvSpPr>
+          <p:nvPr>
+            <p:ph type="sldNum" sz="quarter" idx="12"/>
+          </p:nvPr>
+        </p:nvSpPr>
+        <p:spPr>
+          <a:xfrm>
+            <a:off x="25826889" y="18571565"/>
+            <a:ext cx="2550971" cy="1138480"/>
+          </a:xfrm>
+          <a:prstGeom prst="rect">
+            <a:avLst/>
+          </a:prstGeom>
+        </p:spPr>
+        <p:txBody>
+          <a:bodyPr/>
+          <a:lstStyle/>
+          <a:p>
+            <a:fld id="{6D22F896-40B5-4ADD-8801-0D06FADFA095}" type="slidenum">
+              <a:rPr lang="en-US" smtClean="0"/>
+              <a:pPr/>
+              <a:t>‹#›</a:t>
+            </a:fld>
+            <a:endParaRPr lang="en-US" dirty="0"/>
+          </a:p>
+        </p:txBody>
+      </p:sp>
+    </p:spTree>
+    <p:extLst>
+      <p:ext uri="{BB962C8B-B14F-4D97-AF65-F5344CB8AC3E}">
+        <p14:creationId xmlns:p14="http://schemas.microsoft.com/office/powerpoint/2010/main" val="1487450194"/>
+      </p:ext>
+    </p:extLst>
+  </p:cSld>
+  <p:clrMapOvr>
+    <a:masterClrMapping/>
+  </p:clrMapOvr>
+</p:sldLayout>
+</file>
+
+<file path=ppt/slideLayouts/slideLayout11.xml><?xml version="1.0" encoding="utf-8"?>
 <p:sldLayout xmlns:a="http://schemas.openxmlformats.org/drawingml/2006/main" xmlns:r="http://schemas.openxmlformats.org/officeDocument/2006/relationships" xmlns:p="http://schemas.openxmlformats.org/presentationml/2006/main" type="vertTx" preserve="1">
   <p:cSld name="Title and Vertical Text">
     <p:spTree>
@@ -531,7 +844,15 @@
             <p:ph type="title"/>
           </p:nvPr>
         </p:nvSpPr>
-        <p:spPr/>
+        <p:spPr>
+          <a:xfrm>
+            <a:off x="1924290" y="2143584"/>
+            <a:ext cx="26453570" cy="3377880"/>
+          </a:xfrm>
+          <a:prstGeom prst="rect">
+            <a:avLst/>
+          </a:prstGeom>
+        </p:spPr>
         <p:txBody>
           <a:bodyPr/>
           <a:lstStyle/>
@@ -554,7 +875,15 @@
             <p:ph type="body" orient="vert" idx="1"/>
           </p:nvPr>
         </p:nvSpPr>
-        <p:spPr/>
+        <p:spPr>
+          <a:xfrm>
+            <a:off x="1924290" y="6947037"/>
+            <a:ext cx="26453570" cy="11321017"/>
+          </a:xfrm>
+          <a:prstGeom prst="rect">
+            <a:avLst/>
+          </a:prstGeom>
+        </p:spPr>
         <p:txBody>
           <a:bodyPr vert="eaVert" anchor="t"/>
           <a:lstStyle>
@@ -622,14 +951,22 @@
             <p:ph type="dt" sz="half" idx="10"/>
           </p:nvPr>
         </p:nvSpPr>
-        <p:spPr/>
+        <p:spPr>
+          <a:xfrm>
+            <a:off x="18406585" y="18571565"/>
+            <a:ext cx="7064216" cy="1138480"/>
+          </a:xfrm>
+          <a:prstGeom prst="rect">
+            <a:avLst/>
+          </a:prstGeom>
+        </p:spPr>
         <p:txBody>
           <a:bodyPr/>
           <a:lstStyle/>
           <a:p>
             <a:fld id="{48A87A34-81AB-432B-8DAE-1953F412C126}" type="datetimeFigureOut">
               <a:rPr lang="en-US" smtClean="0"/>
-              <a:t>3/26/19</a:t>
+              <a:t>3/28/19</a:t>
             </a:fld>
             <a:endParaRPr lang="en-US" dirty="0"/>
           </a:p>
@@ -645,7 +982,15 @@
             <p:ph type="ftr" sz="quarter" idx="11"/>
           </p:nvPr>
         </p:nvSpPr>
-        <p:spPr/>
+        <p:spPr>
+          <a:xfrm>
+            <a:off x="1924292" y="18558076"/>
+            <a:ext cx="16126203" cy="1138480"/>
+          </a:xfrm>
+          <a:prstGeom prst="rect">
+            <a:avLst/>
+          </a:prstGeom>
+        </p:spPr>
         <p:txBody>
           <a:bodyPr/>
           <a:lstStyle/>
@@ -664,7 +1009,15 @@
             <p:ph type="sldNum" sz="quarter" idx="12"/>
           </p:nvPr>
         </p:nvSpPr>
-        <p:spPr/>
+        <p:spPr>
+          <a:xfrm>
+            <a:off x="25826889" y="18571565"/>
+            <a:ext cx="2550971" cy="1138480"/>
+          </a:xfrm>
+          <a:prstGeom prst="rect">
+            <a:avLst/>
+          </a:prstGeom>
+        </p:spPr>
         <p:txBody>
           <a:bodyPr/>
           <a:lstStyle/>
@@ -690,7 +1043,7 @@
 </p:sldLayout>
 </file>
 
-<file path=ppt/slideLayouts/slideLayout11.xml><?xml version="1.0" encoding="utf-8"?>
+<file path=ppt/slideLayouts/slideLayout12.xml><?xml version="1.0" encoding="utf-8"?>
 <p:sldLayout xmlns:a="http://schemas.openxmlformats.org/drawingml/2006/main" xmlns:r="http://schemas.openxmlformats.org/officeDocument/2006/relationships" xmlns:p="http://schemas.openxmlformats.org/presentationml/2006/main" type="vertTitleAndTx" preserve="1">
   <p:cSld name="Vertical Title and Text">
     <p:spTree>
@@ -761,6 +1114,9 @@
             <a:off x="21949531" y="2106949"/>
             <a:ext cx="4976746" cy="16161110"/>
           </a:xfrm>
+          <a:prstGeom prst="rect">
+            <a:avLst/>
+          </a:prstGeom>
         </p:spPr>
         <p:txBody>
           <a:bodyPr vert="eaVert"/>
@@ -789,6 +1145,9 @@
             <a:off x="1924292" y="2106949"/>
             <a:ext cx="19608064" cy="16161110"/>
           </a:xfrm>
+          <a:prstGeom prst="rect">
+            <a:avLst/>
+          </a:prstGeom>
         </p:spPr>
         <p:txBody>
           <a:bodyPr vert="eaVert" anchor="t"/>
@@ -846,6 +1205,9 @@
             <a:off x="22333118" y="18571565"/>
             <a:ext cx="3137683" cy="1138480"/>
           </a:xfrm>
+          <a:prstGeom prst="rect">
+            <a:avLst/>
+          </a:prstGeom>
         </p:spPr>
         <p:txBody>
           <a:bodyPr/>
@@ -864,7 +1226,7 @@
           <a:p>
             <a:fld id="{48A87A34-81AB-432B-8DAE-1953F412C126}" type="datetimeFigureOut">
               <a:rPr lang="en-US" smtClean="0"/>
-              <a:t>3/26/19</a:t>
+              <a:t>3/28/19</a:t>
             </a:fld>
             <a:endParaRPr lang="en-US" dirty="0"/>
           </a:p>
@@ -885,6 +1247,9 @@
             <a:off x="1924292" y="18558076"/>
             <a:ext cx="19608064" cy="1138480"/>
           </a:xfrm>
+          <a:prstGeom prst="rect">
+            <a:avLst/>
+          </a:prstGeom>
         </p:spPr>
         <p:txBody>
           <a:bodyPr/>
@@ -904,7 +1269,15 @@
             <p:ph type="sldNum" sz="quarter" idx="12"/>
           </p:nvPr>
         </p:nvSpPr>
-        <p:spPr/>
+        <p:spPr>
+          <a:xfrm>
+            <a:off x="25826889" y="18571565"/>
+            <a:ext cx="2550971" cy="1138480"/>
+          </a:xfrm>
+          <a:prstGeom prst="rect">
+            <a:avLst/>
+          </a:prstGeom>
+        </p:spPr>
         <p:txBody>
           <a:bodyPr/>
           <a:lstStyle>
@@ -1007,7 +1380,15 @@
             <p:ph type="title"/>
           </p:nvPr>
         </p:nvSpPr>
-        <p:spPr/>
+        <p:spPr>
+          <a:xfrm>
+            <a:off x="1924290" y="2143584"/>
+            <a:ext cx="26453570" cy="3377880"/>
+          </a:xfrm>
+          <a:prstGeom prst="rect">
+            <a:avLst/>
+          </a:prstGeom>
+        </p:spPr>
         <p:txBody>
           <a:bodyPr/>
           <a:lstStyle/>
@@ -1035,6 +1416,9 @@
             <a:off x="1924290" y="6947038"/>
             <a:ext cx="26453570" cy="11321021"/>
           </a:xfrm>
+          <a:prstGeom prst="rect">
+            <a:avLst/>
+          </a:prstGeom>
         </p:spPr>
         <p:txBody>
           <a:bodyPr/>
@@ -1087,14 +1471,22 @@
             <p:ph type="dt" sz="half" idx="10"/>
           </p:nvPr>
         </p:nvSpPr>
-        <p:spPr/>
+        <p:spPr>
+          <a:xfrm>
+            <a:off x="18406585" y="18571565"/>
+            <a:ext cx="7064216" cy="1138480"/>
+          </a:xfrm>
+          <a:prstGeom prst="rect">
+            <a:avLst/>
+          </a:prstGeom>
+        </p:spPr>
         <p:txBody>
           <a:bodyPr/>
           <a:lstStyle/>
           <a:p>
             <a:fld id="{48A87A34-81AB-432B-8DAE-1953F412C126}" type="datetimeFigureOut">
               <a:rPr lang="en-US" smtClean="0"/>
-              <a:t>3/26/19</a:t>
+              <a:t>3/28/19</a:t>
             </a:fld>
             <a:endParaRPr lang="en-US" dirty="0"/>
           </a:p>
@@ -1110,7 +1502,15 @@
             <p:ph type="ftr" sz="quarter" idx="11"/>
           </p:nvPr>
         </p:nvSpPr>
-        <p:spPr/>
+        <p:spPr>
+          <a:xfrm>
+            <a:off x="1924292" y="18558076"/>
+            <a:ext cx="16126203" cy="1138480"/>
+          </a:xfrm>
+          <a:prstGeom prst="rect">
+            <a:avLst/>
+          </a:prstGeom>
+        </p:spPr>
         <p:txBody>
           <a:bodyPr/>
           <a:lstStyle/>
@@ -1129,7 +1529,15 @@
             <p:ph type="sldNum" sz="quarter" idx="12"/>
           </p:nvPr>
         </p:nvSpPr>
-        <p:spPr/>
+        <p:spPr>
+          <a:xfrm>
+            <a:off x="25826889" y="18571565"/>
+            <a:ext cx="2550971" cy="1138480"/>
+          </a:xfrm>
+          <a:prstGeom prst="rect">
+            <a:avLst/>
+          </a:prstGeom>
+        </p:spPr>
         <p:txBody>
           <a:bodyPr/>
           <a:lstStyle/>
@@ -1226,6 +1634,9 @@
             <a:off x="1924295" y="9468203"/>
             <a:ext cx="26453567" cy="4692187"/>
           </a:xfrm>
+          <a:prstGeom prst="rect">
+            <a:avLst/>
+          </a:prstGeom>
         </p:spPr>
         <p:txBody>
           <a:bodyPr anchor="b">
@@ -1264,6 +1675,9 @@
             <a:off x="1924295" y="14160390"/>
             <a:ext cx="26453567" cy="1872567"/>
           </a:xfrm>
+          <a:prstGeom prst="rect">
+            <a:avLst/>
+          </a:prstGeom>
         </p:spPr>
         <p:txBody>
           <a:bodyPr anchor="t">
@@ -1378,7 +1792,15 @@
             <p:ph type="dt" sz="half" idx="10"/>
           </p:nvPr>
         </p:nvSpPr>
-        <p:spPr/>
+        <p:spPr>
+          <a:xfrm>
+            <a:off x="18406585" y="18571565"/>
+            <a:ext cx="7064216" cy="1138480"/>
+          </a:xfrm>
+          <a:prstGeom prst="rect">
+            <a:avLst/>
+          </a:prstGeom>
+        </p:spPr>
         <p:txBody>
           <a:bodyPr/>
           <a:lstStyle>
@@ -1396,7 +1818,7 @@
           <a:p>
             <a:fld id="{48A87A34-81AB-432B-8DAE-1953F412C126}" type="datetimeFigureOut">
               <a:rPr lang="en-US" smtClean="0"/>
-              <a:t>3/26/19</a:t>
+              <a:t>3/28/19</a:t>
             </a:fld>
             <a:endParaRPr lang="en-US" dirty="0"/>
           </a:p>
@@ -1412,7 +1834,15 @@
             <p:ph type="ftr" sz="quarter" idx="11"/>
           </p:nvPr>
         </p:nvSpPr>
-        <p:spPr/>
+        <p:spPr>
+          <a:xfrm>
+            <a:off x="1924292" y="18558076"/>
+            <a:ext cx="16126203" cy="1138480"/>
+          </a:xfrm>
+          <a:prstGeom prst="rect">
+            <a:avLst/>
+          </a:prstGeom>
+        </p:spPr>
         <p:txBody>
           <a:bodyPr/>
           <a:lstStyle>
@@ -1442,7 +1872,15 @@
             <p:ph type="sldNum" sz="quarter" idx="12"/>
           </p:nvPr>
         </p:nvSpPr>
-        <p:spPr/>
+        <p:spPr>
+          <a:xfrm>
+            <a:off x="25826889" y="18571565"/>
+            <a:ext cx="2550971" cy="1138480"/>
+          </a:xfrm>
+          <a:prstGeom prst="rect">
+            <a:avLst/>
+          </a:prstGeom>
+        </p:spPr>
         <p:txBody>
           <a:bodyPr/>
           <a:lstStyle>
@@ -1480,6 +1918,72 @@
 </file>
 
 <file path=ppt/slideLayouts/slideLayout4.xml><?xml version="1.0" encoding="utf-8"?>
+<p:sldLayout xmlns:a="http://schemas.openxmlformats.org/drawingml/2006/main" xmlns:r="http://schemas.openxmlformats.org/officeDocument/2006/relationships" xmlns:p="http://schemas.openxmlformats.org/presentationml/2006/main" preserve="1" userDrawn="1">
+  <p:cSld name="Custom Layout">
+    <p:spTree>
+      <p:nvGrpSpPr>
+        <p:cNvPr id="1" name=""/>
+        <p:cNvGrpSpPr/>
+        <p:nvPr/>
+      </p:nvGrpSpPr>
+      <p:grpSpPr>
+        <a:xfrm>
+          <a:off x="0" y="0"/>
+          <a:ext cx="0" cy="0"/>
+          <a:chOff x="0" y="0"/>
+          <a:chExt cx="0" cy="0"/>
+        </a:xfrm>
+      </p:grpSpPr>
+      <p:sp>
+        <p:nvSpPr>
+          <p:cNvPr id="2" name="Title 1">
+            <a:extLst>
+              <a:ext uri="{FF2B5EF4-FFF2-40B4-BE49-F238E27FC236}">
+                <a16:creationId xmlns:a16="http://schemas.microsoft.com/office/drawing/2014/main" id="{9E41CFDC-EDBD-8140-A8C2-0E853D40CBBB}"/>
+              </a:ext>
+            </a:extLst>
+          </p:cNvPr>
+          <p:cNvSpPr>
+            <a:spLocks noGrp="1"/>
+          </p:cNvSpPr>
+          <p:nvPr>
+            <p:ph type="title"/>
+          </p:nvPr>
+        </p:nvSpPr>
+        <p:spPr>
+          <a:xfrm>
+            <a:off x="2081213" y="1138238"/>
+            <a:ext cx="26112787" cy="4133850"/>
+          </a:xfrm>
+          <a:prstGeom prst="rect">
+            <a:avLst/>
+          </a:prstGeom>
+        </p:spPr>
+        <p:txBody>
+          <a:bodyPr/>
+          <a:lstStyle/>
+          <a:p>
+            <a:r>
+              <a:rPr lang="en-GB"/>
+              <a:t>Click to edit Master title style</a:t>
+            </a:r>
+          </a:p>
+        </p:txBody>
+      </p:sp>
+    </p:spTree>
+    <p:extLst>
+      <p:ext uri="{BB962C8B-B14F-4D97-AF65-F5344CB8AC3E}">
+        <p14:creationId xmlns:p14="http://schemas.microsoft.com/office/powerpoint/2010/main" val="2524481902"/>
+      </p:ext>
+    </p:extLst>
+  </p:cSld>
+  <p:clrMapOvr>
+    <a:masterClrMapping/>
+  </p:clrMapOvr>
+</p:sldLayout>
+</file>
+
+<file path=ppt/slideLayouts/slideLayout5.xml><?xml version="1.0" encoding="utf-8"?>
 <p:sldLayout xmlns:a="http://schemas.openxmlformats.org/drawingml/2006/main" xmlns:r="http://schemas.openxmlformats.org/officeDocument/2006/relationships" xmlns:p="http://schemas.openxmlformats.org/presentationml/2006/main" type="twoObj" preserve="1">
   <p:cSld name="Two Content">
     <p:spTree>
@@ -1545,7 +2049,15 @@
             <p:ph type="title"/>
           </p:nvPr>
         </p:nvSpPr>
-        <p:spPr/>
+        <p:spPr>
+          <a:xfrm>
+            <a:off x="1924290" y="2143584"/>
+            <a:ext cx="26453570" cy="3377880"/>
+          </a:xfrm>
+          <a:prstGeom prst="rect">
+            <a:avLst/>
+          </a:prstGeom>
+        </p:spPr>
         <p:txBody>
           <a:bodyPr/>
           <a:lstStyle/>
@@ -1573,6 +2085,9 @@
             <a:off x="1924292" y="6947036"/>
             <a:ext cx="12911090" cy="11328042"/>
           </a:xfrm>
+          <a:prstGeom prst="rect">
+            <a:avLst/>
+          </a:prstGeom>
         </p:spPr>
         <p:txBody>
           <a:bodyPr>
@@ -1632,6 +2147,9 @@
             <a:off x="15439835" y="6947039"/>
             <a:ext cx="12938025" cy="11328042"/>
           </a:xfrm>
+          <a:prstGeom prst="rect">
+            <a:avLst/>
+          </a:prstGeom>
         </p:spPr>
         <p:txBody>
           <a:bodyPr>
@@ -1686,14 +2204,22 @@
             <p:ph type="dt" sz="half" idx="10"/>
           </p:nvPr>
         </p:nvSpPr>
-        <p:spPr/>
+        <p:spPr>
+          <a:xfrm>
+            <a:off x="18406585" y="18571565"/>
+            <a:ext cx="7064216" cy="1138480"/>
+          </a:xfrm>
+          <a:prstGeom prst="rect">
+            <a:avLst/>
+          </a:prstGeom>
+        </p:spPr>
         <p:txBody>
           <a:bodyPr/>
           <a:lstStyle/>
           <a:p>
             <a:fld id="{48A87A34-81AB-432B-8DAE-1953F412C126}" type="datetimeFigureOut">
               <a:rPr lang="en-US" smtClean="0"/>
-              <a:t>3/26/19</a:t>
+              <a:t>3/28/19</a:t>
             </a:fld>
             <a:endParaRPr lang="en-US" dirty="0"/>
           </a:p>
@@ -1709,7 +2235,15 @@
             <p:ph type="ftr" sz="quarter" idx="11"/>
           </p:nvPr>
         </p:nvSpPr>
-        <p:spPr/>
+        <p:spPr>
+          <a:xfrm>
+            <a:off x="1924292" y="18558076"/>
+            <a:ext cx="16126203" cy="1138480"/>
+          </a:xfrm>
+          <a:prstGeom prst="rect">
+            <a:avLst/>
+          </a:prstGeom>
+        </p:spPr>
         <p:txBody>
           <a:bodyPr/>
           <a:lstStyle/>
@@ -1728,7 +2262,15 @@
             <p:ph type="sldNum" sz="quarter" idx="12"/>
           </p:nvPr>
         </p:nvSpPr>
-        <p:spPr/>
+        <p:spPr>
+          <a:xfrm>
+            <a:off x="25826889" y="18571565"/>
+            <a:ext cx="2550971" cy="1138480"/>
+          </a:xfrm>
+          <a:prstGeom prst="rect">
+            <a:avLst/>
+          </a:prstGeom>
+        </p:spPr>
         <p:txBody>
           <a:bodyPr/>
           <a:lstStyle/>
@@ -1754,7 +2296,7 @@
 </p:sldLayout>
 </file>
 
-<file path=ppt/slideLayouts/slideLayout5.xml><?xml version="1.0" encoding="utf-8"?>
+<file path=ppt/slideLayouts/slideLayout6.xml><?xml version="1.0" encoding="utf-8"?>
 <p:sldLayout xmlns:a="http://schemas.openxmlformats.org/drawingml/2006/main" xmlns:r="http://schemas.openxmlformats.org/officeDocument/2006/relationships" xmlns:p="http://schemas.openxmlformats.org/presentationml/2006/main" type="twoTxTwoObj" preserve="1">
   <p:cSld name="Comparison">
     <p:spTree>
@@ -1820,7 +2362,15 @@
             <p:ph type="title"/>
           </p:nvPr>
         </p:nvSpPr>
-        <p:spPr/>
+        <p:spPr>
+          <a:xfrm>
+            <a:off x="1924290" y="2143584"/>
+            <a:ext cx="26453570" cy="3377880"/>
+          </a:xfrm>
+          <a:prstGeom prst="rect">
+            <a:avLst/>
+          </a:prstGeom>
+        </p:spPr>
         <p:txBody>
           <a:bodyPr/>
           <a:lstStyle>
@@ -1852,6 +2402,9 @@
             <a:off x="2937527" y="6947037"/>
             <a:ext cx="11897854" cy="1796817"/>
           </a:xfrm>
+          <a:prstGeom prst="rect">
+            <a:avLst/>
+          </a:prstGeom>
         </p:spPr>
         <p:txBody>
           <a:bodyPr anchor="b">
@@ -1923,6 +2476,9 @@
             <a:off x="1924292" y="9123591"/>
             <a:ext cx="12911090" cy="9151490"/>
           </a:xfrm>
+          <a:prstGeom prst="rect">
+            <a:avLst/>
+          </a:prstGeom>
         </p:spPr>
         <p:txBody>
           <a:bodyPr anchor="t">
@@ -1982,6 +2538,9 @@
             <a:off x="16453070" y="6947037"/>
             <a:ext cx="11924789" cy="1796817"/>
           </a:xfrm>
+          <a:prstGeom prst="rect">
+            <a:avLst/>
+          </a:prstGeom>
         </p:spPr>
         <p:txBody>
           <a:bodyPr anchor="b">
@@ -2053,6 +2612,9 @@
             <a:off x="15439835" y="9123591"/>
             <a:ext cx="12938025" cy="9151490"/>
           </a:xfrm>
+          <a:prstGeom prst="rect">
+            <a:avLst/>
+          </a:prstGeom>
         </p:spPr>
         <p:txBody>
           <a:bodyPr anchor="t">
@@ -2107,14 +2669,22 @@
             <p:ph type="dt" sz="half" idx="10"/>
           </p:nvPr>
         </p:nvSpPr>
-        <p:spPr/>
+        <p:spPr>
+          <a:xfrm>
+            <a:off x="18406585" y="18571565"/>
+            <a:ext cx="7064216" cy="1138480"/>
+          </a:xfrm>
+          <a:prstGeom prst="rect">
+            <a:avLst/>
+          </a:prstGeom>
+        </p:spPr>
         <p:txBody>
           <a:bodyPr/>
           <a:lstStyle/>
           <a:p>
             <a:fld id="{48A87A34-81AB-432B-8DAE-1953F412C126}" type="datetimeFigureOut">
               <a:rPr lang="en-US" smtClean="0"/>
-              <a:t>3/26/19</a:t>
+              <a:t>3/28/19</a:t>
             </a:fld>
             <a:endParaRPr lang="en-US" dirty="0"/>
           </a:p>
@@ -2130,7 +2700,15 @@
             <p:ph type="ftr" sz="quarter" idx="11"/>
           </p:nvPr>
         </p:nvSpPr>
-        <p:spPr/>
+        <p:spPr>
+          <a:xfrm>
+            <a:off x="1924292" y="18558076"/>
+            <a:ext cx="16126203" cy="1138480"/>
+          </a:xfrm>
+          <a:prstGeom prst="rect">
+            <a:avLst/>
+          </a:prstGeom>
+        </p:spPr>
         <p:txBody>
           <a:bodyPr/>
           <a:lstStyle/>
@@ -2149,7 +2727,15 @@
             <p:ph type="sldNum" sz="quarter" idx="12"/>
           </p:nvPr>
         </p:nvSpPr>
-        <p:spPr/>
+        <p:spPr>
+          <a:xfrm>
+            <a:off x="25826889" y="18571565"/>
+            <a:ext cx="2550971" cy="1138480"/>
+          </a:xfrm>
+          <a:prstGeom prst="rect">
+            <a:avLst/>
+          </a:prstGeom>
+        </p:spPr>
         <p:txBody>
           <a:bodyPr/>
           <a:lstStyle/>
@@ -2175,7 +2761,7 @@
 </p:sldLayout>
 </file>
 
-<file path=ppt/slideLayouts/slideLayout6.xml><?xml version="1.0" encoding="utf-8"?>
+<file path=ppt/slideLayouts/slideLayout7.xml><?xml version="1.0" encoding="utf-8"?>
 <p:sldLayout xmlns:a="http://schemas.openxmlformats.org/drawingml/2006/main" xmlns:r="http://schemas.openxmlformats.org/officeDocument/2006/relationships" xmlns:p="http://schemas.openxmlformats.org/presentationml/2006/main" type="titleOnly" preserve="1">
   <p:cSld name="Title Only">
     <p:spTree>
@@ -2241,7 +2827,15 @@
             <p:ph type="title"/>
           </p:nvPr>
         </p:nvSpPr>
-        <p:spPr/>
+        <p:spPr>
+          <a:xfrm>
+            <a:off x="1924290" y="2143584"/>
+            <a:ext cx="26453570" cy="3377880"/>
+          </a:xfrm>
+          <a:prstGeom prst="rect">
+            <a:avLst/>
+          </a:prstGeom>
+        </p:spPr>
         <p:txBody>
           <a:bodyPr/>
           <a:lstStyle/>
@@ -2264,14 +2858,22 @@
             <p:ph type="dt" sz="half" idx="10"/>
           </p:nvPr>
         </p:nvSpPr>
-        <p:spPr/>
+        <p:spPr>
+          <a:xfrm>
+            <a:off x="18406585" y="18571565"/>
+            <a:ext cx="7064216" cy="1138480"/>
+          </a:xfrm>
+          <a:prstGeom prst="rect">
+            <a:avLst/>
+          </a:prstGeom>
+        </p:spPr>
         <p:txBody>
           <a:bodyPr/>
           <a:lstStyle/>
           <a:p>
             <a:fld id="{48A87A34-81AB-432B-8DAE-1953F412C126}" type="datetimeFigureOut">
               <a:rPr lang="en-US" smtClean="0"/>
-              <a:t>3/26/19</a:t>
+              <a:t>3/28/19</a:t>
             </a:fld>
             <a:endParaRPr lang="en-US" dirty="0"/>
           </a:p>
@@ -2287,7 +2889,15 @@
             <p:ph type="ftr" sz="quarter" idx="11"/>
           </p:nvPr>
         </p:nvSpPr>
-        <p:spPr/>
+        <p:spPr>
+          <a:xfrm>
+            <a:off x="1924292" y="18558076"/>
+            <a:ext cx="16126203" cy="1138480"/>
+          </a:xfrm>
+          <a:prstGeom prst="rect">
+            <a:avLst/>
+          </a:prstGeom>
+        </p:spPr>
         <p:txBody>
           <a:bodyPr/>
           <a:lstStyle/>
@@ -2306,7 +2916,15 @@
             <p:ph type="sldNum" sz="quarter" idx="12"/>
           </p:nvPr>
         </p:nvSpPr>
-        <p:spPr/>
+        <p:spPr>
+          <a:xfrm>
+            <a:off x="25826889" y="18571565"/>
+            <a:ext cx="2550971" cy="1138480"/>
+          </a:xfrm>
+          <a:prstGeom prst="rect">
+            <a:avLst/>
+          </a:prstGeom>
+        </p:spPr>
         <p:txBody>
           <a:bodyPr/>
           <a:lstStyle/>
@@ -2332,7 +2950,7 @@
 </p:sldLayout>
 </file>
 
-<file path=ppt/slideLayouts/slideLayout7.xml><?xml version="1.0" encoding="utf-8"?>
+<file path=ppt/slideLayouts/slideLayout8.xml><?xml version="1.0" encoding="utf-8"?>
 <p:sldLayout xmlns:a="http://schemas.openxmlformats.org/drawingml/2006/main" xmlns:r="http://schemas.openxmlformats.org/officeDocument/2006/relationships" xmlns:p="http://schemas.openxmlformats.org/presentationml/2006/main" type="blank" preserve="1">
   <p:cSld name="Blank">
     <p:spTree>
@@ -2359,14 +2977,22 @@
             <p:ph type="dt" sz="half" idx="10"/>
           </p:nvPr>
         </p:nvSpPr>
-        <p:spPr/>
+        <p:spPr>
+          <a:xfrm>
+            <a:off x="18406585" y="18571565"/>
+            <a:ext cx="7064216" cy="1138480"/>
+          </a:xfrm>
+          <a:prstGeom prst="rect">
+            <a:avLst/>
+          </a:prstGeom>
+        </p:spPr>
         <p:txBody>
           <a:bodyPr/>
           <a:lstStyle/>
           <a:p>
             <a:fld id="{48A87A34-81AB-432B-8DAE-1953F412C126}" type="datetimeFigureOut">
               <a:rPr lang="en-US" smtClean="0"/>
-              <a:t>3/26/19</a:t>
+              <a:t>3/28/19</a:t>
             </a:fld>
             <a:endParaRPr lang="en-US" dirty="0"/>
           </a:p>
@@ -2382,7 +3008,15 @@
             <p:ph type="ftr" sz="quarter" idx="11"/>
           </p:nvPr>
         </p:nvSpPr>
-        <p:spPr/>
+        <p:spPr>
+          <a:xfrm>
+            <a:off x="1924292" y="18558076"/>
+            <a:ext cx="16126203" cy="1138480"/>
+          </a:xfrm>
+          <a:prstGeom prst="rect">
+            <a:avLst/>
+          </a:prstGeom>
+        </p:spPr>
         <p:txBody>
           <a:bodyPr/>
           <a:lstStyle/>
@@ -2401,7 +3035,15 @@
             <p:ph type="sldNum" sz="quarter" idx="12"/>
           </p:nvPr>
         </p:nvSpPr>
-        <p:spPr/>
+        <p:spPr>
+          <a:xfrm>
+            <a:off x="25826889" y="18571565"/>
+            <a:ext cx="2550971" cy="1138480"/>
+          </a:xfrm>
+          <a:prstGeom prst="rect">
+            <a:avLst/>
+          </a:prstGeom>
+        </p:spPr>
         <p:txBody>
           <a:bodyPr/>
           <a:lstStyle/>
@@ -2427,7 +3069,7 @@
 </p:sldLayout>
 </file>
 
-<file path=ppt/slideLayouts/slideLayout8.xml><?xml version="1.0" encoding="utf-8"?>
+<file path=ppt/slideLayouts/slideLayout9.xml><?xml version="1.0" encoding="utf-8"?>
 <p:sldLayout xmlns:a="http://schemas.openxmlformats.org/drawingml/2006/main" xmlns:r="http://schemas.openxmlformats.org/officeDocument/2006/relationships" xmlns:p="http://schemas.openxmlformats.org/presentationml/2006/main" type="objTx" preserve="1">
   <p:cSld name="Content with Caption">
     <p:spTree>
@@ -2498,6 +3140,9 @@
             <a:off x="1924822" y="16408131"/>
             <a:ext cx="11709545" cy="2149943"/>
           </a:xfrm>
+          <a:prstGeom prst="rect">
+            <a:avLst/>
+          </a:prstGeom>
         </p:spPr>
         <p:txBody>
           <a:bodyPr anchor="ctr"/>
@@ -2537,6 +3182,9 @@
             <a:off x="1477999" y="1874575"/>
             <a:ext cx="27283450" cy="13110800"/>
           </a:xfrm>
+          <a:prstGeom prst="rect">
+            <a:avLst/>
+          </a:prstGeom>
         </p:spPr>
         <p:txBody>
           <a:bodyPr anchor="ctr">
@@ -2660,6 +3308,9 @@
             <a:off x="14255631" y="16408130"/>
             <a:ext cx="14122231" cy="2149946"/>
           </a:xfrm>
+          <a:prstGeom prst="rect">
+            <a:avLst/>
+          </a:prstGeom>
         </p:spPr>
         <p:txBody>
           <a:bodyPr anchor="ctr">
@@ -2726,7 +3377,15 @@
             <p:ph type="dt" sz="half" idx="10"/>
           </p:nvPr>
         </p:nvSpPr>
-        <p:spPr/>
+        <p:spPr>
+          <a:xfrm>
+            <a:off x="18406585" y="18571565"/>
+            <a:ext cx="7064216" cy="1138480"/>
+          </a:xfrm>
+          <a:prstGeom prst="rect">
+            <a:avLst/>
+          </a:prstGeom>
+        </p:spPr>
         <p:txBody>
           <a:bodyPr/>
           <a:lstStyle>
@@ -2744,7 +3403,7 @@
           <a:p>
             <a:fld id="{48A87A34-81AB-432B-8DAE-1953F412C126}" type="datetimeFigureOut">
               <a:rPr lang="en-US" smtClean="0"/>
-              <a:t>3/26/19</a:t>
+              <a:t>3/28/19</a:t>
             </a:fld>
             <a:endParaRPr lang="en-US" dirty="0"/>
           </a:p>
@@ -2760,7 +3419,15 @@
             <p:ph type="ftr" sz="quarter" idx="11"/>
           </p:nvPr>
         </p:nvSpPr>
-        <p:spPr/>
+        <p:spPr>
+          <a:xfrm>
+            <a:off x="1924292" y="18558076"/>
+            <a:ext cx="16126203" cy="1138480"/>
+          </a:xfrm>
+          <a:prstGeom prst="rect">
+            <a:avLst/>
+          </a:prstGeom>
+        </p:spPr>
         <p:txBody>
           <a:bodyPr/>
           <a:lstStyle>
@@ -2790,7 +3457,15 @@
             <p:ph type="sldNum" sz="quarter" idx="12"/>
           </p:nvPr>
         </p:nvSpPr>
-        <p:spPr/>
+        <p:spPr>
+          <a:xfrm>
+            <a:off x="25826889" y="18571565"/>
+            <a:ext cx="2550971" cy="1138480"/>
+          </a:xfrm>
+          <a:prstGeom prst="rect">
+            <a:avLst/>
+          </a:prstGeom>
+        </p:spPr>
         <p:txBody>
           <a:bodyPr/>
           <a:lstStyle>
@@ -2818,275 +3493,6 @@
     <p:extLst>
       <p:ext uri="{BB962C8B-B14F-4D97-AF65-F5344CB8AC3E}">
         <p14:creationId xmlns:p14="http://schemas.microsoft.com/office/powerpoint/2010/main" val="3939196382"/>
-      </p:ext>
-    </p:extLst>
-  </p:cSld>
-  <p:clrMapOvr>
-    <a:masterClrMapping/>
-  </p:clrMapOvr>
-</p:sldLayout>
-</file>
-
-<file path=ppt/slideLayouts/slideLayout9.xml><?xml version="1.0" encoding="utf-8"?>
-<p:sldLayout xmlns:a="http://schemas.openxmlformats.org/drawingml/2006/main" xmlns:r="http://schemas.openxmlformats.org/officeDocument/2006/relationships" xmlns:p="http://schemas.openxmlformats.org/presentationml/2006/main" type="picTx" preserve="1">
-  <p:cSld name="Picture with Caption">
-    <p:spTree>
-      <p:nvGrpSpPr>
-        <p:cNvPr id="1" name=""/>
-        <p:cNvGrpSpPr/>
-        <p:nvPr/>
-      </p:nvGrpSpPr>
-      <p:grpSpPr>
-        <a:xfrm>
-          <a:off x="0" y="0"/>
-          <a:ext cx="0" cy="0"/>
-          <a:chOff x="0" y="0"/>
-          <a:chExt cx="0" cy="0"/>
-        </a:xfrm>
-      </p:grpSpPr>
-      <p:sp>
-        <p:nvSpPr>
-          <p:cNvPr id="2" name="Title 1"/>
-          <p:cNvSpPr>
-            <a:spLocks noGrp="1"/>
-          </p:cNvSpPr>
-          <p:nvPr>
-            <p:ph type="title"/>
-          </p:nvPr>
-        </p:nvSpPr>
-        <p:spPr>
-          <a:xfrm>
-            <a:off x="1924290" y="14634247"/>
-            <a:ext cx="26453570" cy="1767121"/>
-          </a:xfrm>
-        </p:spPr>
-        <p:txBody>
-          <a:bodyPr anchor="b">
-            <a:normAutofit/>
-          </a:bodyPr>
-          <a:lstStyle>
-            <a:lvl1pPr algn="l">
-              <a:defRPr sz="7483" b="0">
-                <a:solidFill>
-                  <a:schemeClr val="accent1"/>
-                </a:solidFill>
-              </a:defRPr>
-            </a:lvl1pPr>
-          </a:lstStyle>
-          <a:p>
-            <a:r>
-              <a:rPr lang="en-US"/>
-              <a:t>Click to edit Master title style</a:t>
-            </a:r>
-            <a:endParaRPr lang="en-US" dirty="0"/>
-          </a:p>
-        </p:txBody>
-      </p:sp>
-      <p:sp>
-        <p:nvSpPr>
-          <p:cNvPr id="3" name="Picture Placeholder 2"/>
-          <p:cNvSpPr>
-            <a:spLocks noGrp="1" noChangeAspect="1"/>
-          </p:cNvSpPr>
-          <p:nvPr>
-            <p:ph type="pic" idx="1"/>
-          </p:nvPr>
-        </p:nvSpPr>
-        <p:spPr>
-          <a:xfrm>
-            <a:off x="1483608" y="1869976"/>
-            <a:ext cx="27277841" cy="11091709"/>
-          </a:xfrm>
-        </p:spPr>
-        <p:txBody>
-          <a:bodyPr anchor="t">
-            <a:normAutofit/>
-          </a:bodyPr>
-          <a:lstStyle>
-            <a:lvl1pPr marL="0" indent="0" algn="ctr">
-              <a:buNone/>
-              <a:defRPr sz="4989"/>
-            </a:lvl1pPr>
-            <a:lvl2pPr marL="1425595" indent="0">
-              <a:buNone/>
-              <a:defRPr sz="4989"/>
-            </a:lvl2pPr>
-            <a:lvl3pPr marL="2851191" indent="0">
-              <a:buNone/>
-              <a:defRPr sz="4989"/>
-            </a:lvl3pPr>
-            <a:lvl4pPr marL="4276786" indent="0">
-              <a:buNone/>
-              <a:defRPr sz="4989"/>
-            </a:lvl4pPr>
-            <a:lvl5pPr marL="5702381" indent="0">
-              <a:buNone/>
-              <a:defRPr sz="4989"/>
-            </a:lvl5pPr>
-            <a:lvl6pPr marL="7127977" indent="0">
-              <a:buNone/>
-              <a:defRPr sz="4989"/>
-            </a:lvl6pPr>
-            <a:lvl7pPr marL="8553572" indent="0">
-              <a:buNone/>
-              <a:defRPr sz="4989"/>
-            </a:lvl7pPr>
-            <a:lvl8pPr marL="9979167" indent="0">
-              <a:buNone/>
-              <a:defRPr sz="4989"/>
-            </a:lvl8pPr>
-            <a:lvl9pPr marL="11404763" indent="0">
-              <a:buNone/>
-              <a:defRPr sz="4989"/>
-            </a:lvl9pPr>
-          </a:lstStyle>
-          <a:p>
-            <a:r>
-              <a:rPr lang="en-US"/>
-              <a:t>Click icon to add picture</a:t>
-            </a:r>
-            <a:endParaRPr lang="en-US" dirty="0"/>
-          </a:p>
-        </p:txBody>
-      </p:sp>
-      <p:sp>
-        <p:nvSpPr>
-          <p:cNvPr id="4" name="Text Placeholder 3"/>
-          <p:cNvSpPr>
-            <a:spLocks noGrp="1"/>
-          </p:cNvSpPr>
-          <p:nvPr>
-            <p:ph type="body" sz="half" idx="2"/>
-          </p:nvPr>
-        </p:nvSpPr>
-        <p:spPr>
-          <a:xfrm>
-            <a:off x="1924290" y="16401367"/>
-            <a:ext cx="26453570" cy="1866689"/>
-          </a:xfrm>
-        </p:spPr>
-        <p:txBody>
-          <a:bodyPr>
-            <a:normAutofit/>
-          </a:bodyPr>
-          <a:lstStyle>
-            <a:lvl1pPr marL="0" indent="0">
-              <a:buNone/>
-              <a:defRPr sz="3742"/>
-            </a:lvl1pPr>
-            <a:lvl2pPr marL="1425595" indent="0">
-              <a:buNone/>
-              <a:defRPr sz="3742"/>
-            </a:lvl2pPr>
-            <a:lvl3pPr marL="2851191" indent="0">
-              <a:buNone/>
-              <a:defRPr sz="3118"/>
-            </a:lvl3pPr>
-            <a:lvl4pPr marL="4276786" indent="0">
-              <a:buNone/>
-              <a:defRPr sz="2806"/>
-            </a:lvl4pPr>
-            <a:lvl5pPr marL="5702381" indent="0">
-              <a:buNone/>
-              <a:defRPr sz="2806"/>
-            </a:lvl5pPr>
-            <a:lvl6pPr marL="7127977" indent="0">
-              <a:buNone/>
-              <a:defRPr sz="2806"/>
-            </a:lvl6pPr>
-            <a:lvl7pPr marL="8553572" indent="0">
-              <a:buNone/>
-              <a:defRPr sz="2806"/>
-            </a:lvl7pPr>
-            <a:lvl8pPr marL="9979167" indent="0">
-              <a:buNone/>
-              <a:defRPr sz="2806"/>
-            </a:lvl8pPr>
-            <a:lvl9pPr marL="11404763" indent="0">
-              <a:buNone/>
-              <a:defRPr sz="2806"/>
-            </a:lvl9pPr>
-          </a:lstStyle>
-          <a:p>
-            <a:pPr lvl="0"/>
-            <a:r>
-              <a:rPr lang="en-US"/>
-              <a:t>Edit Master text styles</a:t>
-            </a:r>
-          </a:p>
-        </p:txBody>
-      </p:sp>
-      <p:sp>
-        <p:nvSpPr>
-          <p:cNvPr id="5" name="Date Placeholder 4"/>
-          <p:cNvSpPr>
-            <a:spLocks noGrp="1"/>
-          </p:cNvSpPr>
-          <p:nvPr>
-            <p:ph type="dt" sz="half" idx="10"/>
-          </p:nvPr>
-        </p:nvSpPr>
-        <p:spPr/>
-        <p:txBody>
-          <a:bodyPr/>
-          <a:lstStyle/>
-          <a:p>
-            <a:fld id="{48A87A34-81AB-432B-8DAE-1953F412C126}" type="datetimeFigureOut">
-              <a:rPr lang="en-US" smtClean="0"/>
-              <a:pPr/>
-              <a:t>3/26/19</a:t>
-            </a:fld>
-            <a:endParaRPr lang="en-US" dirty="0"/>
-          </a:p>
-        </p:txBody>
-      </p:sp>
-      <p:sp>
-        <p:nvSpPr>
-          <p:cNvPr id="6" name="Footer Placeholder 5"/>
-          <p:cNvSpPr>
-            <a:spLocks noGrp="1"/>
-          </p:cNvSpPr>
-          <p:nvPr>
-            <p:ph type="ftr" sz="quarter" idx="11"/>
-          </p:nvPr>
-        </p:nvSpPr>
-        <p:spPr/>
-        <p:txBody>
-          <a:bodyPr/>
-          <a:lstStyle/>
-          <a:p>
-            <a:endParaRPr lang="en-US" dirty="0"/>
-          </a:p>
-        </p:txBody>
-      </p:sp>
-      <p:sp>
-        <p:nvSpPr>
-          <p:cNvPr id="7" name="Slide Number Placeholder 6"/>
-          <p:cNvSpPr>
-            <a:spLocks noGrp="1"/>
-          </p:cNvSpPr>
-          <p:nvPr>
-            <p:ph type="sldNum" sz="quarter" idx="12"/>
-          </p:nvPr>
-        </p:nvSpPr>
-        <p:spPr/>
-        <p:txBody>
-          <a:bodyPr/>
-          <a:lstStyle/>
-          <a:p>
-            <a:fld id="{6D22F896-40B5-4ADD-8801-0D06FADFA095}" type="slidenum">
-              <a:rPr lang="en-US" smtClean="0"/>
-              <a:pPr/>
-              <a:t>‹#›</a:t>
-            </a:fld>
-            <a:endParaRPr lang="en-US" dirty="0"/>
-          </a:p>
-        </p:txBody>
-      </p:sp>
-    </p:spTree>
-    <p:extLst>
-      <p:ext uri="{BB962C8B-B14F-4D97-AF65-F5344CB8AC3E}">
-        <p14:creationId xmlns:p14="http://schemas.microsoft.com/office/powerpoint/2010/main" val="1487450194"/>
       </p:ext>
     </p:extLst>
   </p:cSld>
@@ -3120,224 +3526,14 @@
       </p:grpSpPr>
       <p:sp>
         <p:nvSpPr>
-          <p:cNvPr id="2" name="Title Placeholder 1"/>
-          <p:cNvSpPr>
-            <a:spLocks noGrp="1"/>
-          </p:cNvSpPr>
-          <p:nvPr>
-            <p:ph type="title"/>
-          </p:nvPr>
-        </p:nvSpPr>
-        <p:spPr>
-          <a:xfrm>
-            <a:off x="1924290" y="2143584"/>
-            <a:ext cx="26453570" cy="3377880"/>
-          </a:xfrm>
-          <a:prstGeom prst="rect">
-            <a:avLst/>
-          </a:prstGeom>
-        </p:spPr>
-        <p:txBody>
-          <a:bodyPr vert="horz" lIns="91440" tIns="45720" rIns="91440" bIns="45720" rtlCol="0" anchor="b">
-            <a:normAutofit/>
-          </a:bodyPr>
-          <a:lstStyle/>
-          <a:p>
-            <a:r>
-              <a:rPr lang="en-US"/>
-              <a:t>Click to edit Master title style</a:t>
-            </a:r>
-            <a:endParaRPr lang="en-US" dirty="0"/>
-          </a:p>
-        </p:txBody>
-      </p:sp>
-      <p:sp>
-        <p:nvSpPr>
-          <p:cNvPr id="3" name="Text Placeholder 2"/>
-          <p:cNvSpPr>
-            <a:spLocks noGrp="1"/>
-          </p:cNvSpPr>
-          <p:nvPr>
-            <p:ph type="body" idx="1"/>
-          </p:nvPr>
-        </p:nvSpPr>
-        <p:spPr>
-          <a:xfrm>
-            <a:off x="1924290" y="6947037"/>
-            <a:ext cx="26453570" cy="11321017"/>
-          </a:xfrm>
-          <a:prstGeom prst="rect">
-            <a:avLst/>
-          </a:prstGeom>
-        </p:spPr>
-        <p:txBody>
-          <a:bodyPr vert="horz" lIns="91440" tIns="45720" rIns="91440" bIns="45720" rtlCol="0" anchor="ctr">
-            <a:normAutofit/>
-          </a:bodyPr>
-          <a:lstStyle/>
-          <a:p>
-            <a:pPr lvl="0"/>
-            <a:r>
-              <a:rPr lang="en-US"/>
-              <a:t>Edit Master text styles</a:t>
-            </a:r>
-          </a:p>
-          <a:p>
-            <a:pPr lvl="1"/>
-            <a:r>
-              <a:rPr lang="en-US"/>
-              <a:t>Second level</a:t>
-            </a:r>
-          </a:p>
-          <a:p>
-            <a:pPr lvl="2"/>
-            <a:r>
-              <a:rPr lang="en-US"/>
-              <a:t>Third level</a:t>
-            </a:r>
-          </a:p>
-          <a:p>
-            <a:pPr lvl="3"/>
-            <a:r>
-              <a:rPr lang="en-US"/>
-              <a:t>Fourth level</a:t>
-            </a:r>
-          </a:p>
-          <a:p>
-            <a:pPr lvl="4"/>
-            <a:r>
-              <a:rPr lang="en-US"/>
-              <a:t>Fifth level</a:t>
-            </a:r>
-            <a:endParaRPr lang="en-US" dirty="0"/>
-          </a:p>
-        </p:txBody>
-      </p:sp>
-      <p:sp>
-        <p:nvSpPr>
-          <p:cNvPr id="4" name="Date Placeholder 3"/>
-          <p:cNvSpPr>
-            <a:spLocks noGrp="1"/>
-          </p:cNvSpPr>
-          <p:nvPr>
-            <p:ph type="dt" sz="half" idx="2"/>
-          </p:nvPr>
-        </p:nvSpPr>
-        <p:spPr>
-          <a:xfrm>
-            <a:off x="18406585" y="18571565"/>
-            <a:ext cx="7064216" cy="1138480"/>
-          </a:xfrm>
-          <a:prstGeom prst="rect">
-            <a:avLst/>
-          </a:prstGeom>
-        </p:spPr>
-        <p:txBody>
-          <a:bodyPr vert="horz" lIns="91440" tIns="45720" rIns="91440" bIns="45720" rtlCol="0" anchor="ctr"/>
-          <a:lstStyle>
-            <a:lvl1pPr algn="r">
-              <a:defRPr sz="2806">
-                <a:solidFill>
-                  <a:schemeClr val="accent2"/>
-                </a:solidFill>
-              </a:defRPr>
-            </a:lvl1pPr>
-          </a:lstStyle>
-          <a:p>
-            <a:fld id="{48A87A34-81AB-432B-8DAE-1953F412C126}" type="datetimeFigureOut">
-              <a:rPr lang="en-US" smtClean="0"/>
-              <a:pPr/>
-              <a:t>3/26/19</a:t>
-            </a:fld>
-            <a:endParaRPr lang="en-US" dirty="0"/>
-          </a:p>
-        </p:txBody>
-      </p:sp>
-      <p:sp>
-        <p:nvSpPr>
-          <p:cNvPr id="5" name="Footer Placeholder 4"/>
-          <p:cNvSpPr>
-            <a:spLocks noGrp="1"/>
-          </p:cNvSpPr>
-          <p:nvPr>
-            <p:ph type="ftr" sz="quarter" idx="3"/>
-          </p:nvPr>
-        </p:nvSpPr>
-        <p:spPr>
-          <a:xfrm>
-            <a:off x="1924292" y="18558076"/>
-            <a:ext cx="16126203" cy="1138480"/>
-          </a:xfrm>
-          <a:prstGeom prst="rect">
-            <a:avLst/>
-          </a:prstGeom>
-        </p:spPr>
-        <p:txBody>
-          <a:bodyPr vert="horz" lIns="91440" tIns="45720" rIns="91440" bIns="45720" rtlCol="0" anchor="ctr"/>
-          <a:lstStyle>
-            <a:lvl1pPr algn="l">
-              <a:defRPr sz="2806" cap="all">
-                <a:solidFill>
-                  <a:schemeClr val="accent2"/>
-                </a:solidFill>
-              </a:defRPr>
-            </a:lvl1pPr>
-          </a:lstStyle>
-          <a:p>
-            <a:endParaRPr lang="en-US" dirty="0"/>
-          </a:p>
-        </p:txBody>
-      </p:sp>
-      <p:sp>
-        <p:nvSpPr>
-          <p:cNvPr id="6" name="Slide Number Placeholder 5"/>
-          <p:cNvSpPr>
-            <a:spLocks noGrp="1"/>
-          </p:cNvSpPr>
-          <p:nvPr>
-            <p:ph type="sldNum" sz="quarter" idx="4"/>
-          </p:nvPr>
-        </p:nvSpPr>
-        <p:spPr>
-          <a:xfrm>
-            <a:off x="25826889" y="18571565"/>
-            <a:ext cx="2550971" cy="1138480"/>
-          </a:xfrm>
-          <a:prstGeom prst="rect">
-            <a:avLst/>
-          </a:prstGeom>
-        </p:spPr>
-        <p:txBody>
-          <a:bodyPr vert="horz" lIns="91440" tIns="45720" rIns="91440" bIns="45720" rtlCol="0" anchor="ctr"/>
-          <a:lstStyle>
-            <a:lvl1pPr algn="r">
-              <a:defRPr sz="2806">
-                <a:solidFill>
-                  <a:schemeClr val="accent2"/>
-                </a:solidFill>
-              </a:defRPr>
-            </a:lvl1pPr>
-          </a:lstStyle>
-          <a:p>
-            <a:fld id="{6D22F896-40B5-4ADD-8801-0D06FADFA095}" type="slidenum">
-              <a:rPr lang="en-US" smtClean="0"/>
-              <a:pPr/>
-              <a:t>‹#›</a:t>
-            </a:fld>
-            <a:endParaRPr lang="en-US" dirty="0"/>
-          </a:p>
-        </p:txBody>
-      </p:sp>
-      <p:sp>
-        <p:nvSpPr>
           <p:cNvPr id="9" name="Rectangle 8"/>
           <p:cNvSpPr/>
           <p:nvPr/>
         </p:nvSpPr>
         <p:spPr>
           <a:xfrm>
-            <a:off x="1483603" y="1376076"/>
-            <a:ext cx="9005449" cy="336750"/>
+            <a:off x="376518" y="1376076"/>
+            <a:ext cx="9776476" cy="338400"/>
           </a:xfrm>
           <a:prstGeom prst="rect">
             <a:avLst/>
@@ -3373,8 +3569,8 @@
         </p:nvSpPr>
         <p:spPr>
           <a:xfrm>
-            <a:off x="19786166" y="1376076"/>
-            <a:ext cx="8975290" cy="336750"/>
+            <a:off x="20073141" y="1376076"/>
+            <a:ext cx="9825554" cy="338400"/>
           </a:xfrm>
           <a:prstGeom prst="rect">
             <a:avLst/>
@@ -3410,8 +3606,8 @@
         </p:nvSpPr>
         <p:spPr>
           <a:xfrm>
-            <a:off x="10649965" y="1376076"/>
-            <a:ext cx="8975290" cy="336750"/>
+            <a:off x="10457606" y="1376076"/>
+            <a:ext cx="9360000" cy="338400"/>
           </a:xfrm>
           <a:prstGeom prst="rect">
             <a:avLst/>
@@ -3439,6 +3635,135 @@
           </a:fontRef>
         </p:style>
       </p:sp>
+      <p:sp>
+        <p:nvSpPr>
+          <p:cNvPr id="13" name="Rectangle 12">
+            <a:extLst>
+              <a:ext uri="{FF2B5EF4-FFF2-40B4-BE49-F238E27FC236}">
+                <a16:creationId xmlns:a16="http://schemas.microsoft.com/office/drawing/2014/main" id="{03F3691D-7636-1046-9D92-D6CE5BA01D35}"/>
+              </a:ext>
+            </a:extLst>
+          </p:cNvPr>
+          <p:cNvSpPr/>
+          <p:nvPr userDrawn="1"/>
+        </p:nvSpPr>
+        <p:spPr>
+          <a:xfrm>
+            <a:off x="376518" y="9102437"/>
+            <a:ext cx="9776476" cy="11893926"/>
+          </a:xfrm>
+          <a:prstGeom prst="rect">
+            <a:avLst/>
+          </a:prstGeom>
+          <a:solidFill>
+            <a:schemeClr val="accent1"/>
+          </a:solidFill>
+          <a:ln>
+            <a:noFill/>
+          </a:ln>
+          <a:effectLst/>
+        </p:spPr>
+        <p:style>
+          <a:lnRef idx="1">
+            <a:schemeClr val="accent1"/>
+          </a:lnRef>
+          <a:fillRef idx="3">
+            <a:schemeClr val="accent1"/>
+          </a:fillRef>
+          <a:effectRef idx="2">
+            <a:schemeClr val="accent1"/>
+          </a:effectRef>
+          <a:fontRef idx="minor">
+            <a:schemeClr val="lt1"/>
+          </a:fontRef>
+        </p:style>
+      </p:sp>
+      <p:sp>
+        <p:nvSpPr>
+          <p:cNvPr id="15" name="Rectangle 14">
+            <a:extLst>
+              <a:ext uri="{FF2B5EF4-FFF2-40B4-BE49-F238E27FC236}">
+                <a16:creationId xmlns:a16="http://schemas.microsoft.com/office/drawing/2014/main" id="{61FEF296-07CA-1C4C-B981-07511C7740AB}"/>
+              </a:ext>
+            </a:extLst>
+          </p:cNvPr>
+          <p:cNvSpPr/>
+          <p:nvPr userDrawn="1"/>
+        </p:nvSpPr>
+        <p:spPr>
+          <a:xfrm>
+            <a:off x="10457606" y="9102437"/>
+            <a:ext cx="9360000" cy="11893926"/>
+          </a:xfrm>
+          <a:prstGeom prst="rect">
+            <a:avLst/>
+          </a:prstGeom>
+          <a:solidFill>
+            <a:srgbClr val="913063"/>
+          </a:solidFill>
+          <a:ln>
+            <a:noFill/>
+          </a:ln>
+          <a:effectLst/>
+        </p:spPr>
+        <p:style>
+          <a:lnRef idx="1">
+            <a:schemeClr val="accent1"/>
+          </a:lnRef>
+          <a:fillRef idx="3">
+            <a:schemeClr val="accent1"/>
+          </a:fillRef>
+          <a:effectRef idx="2">
+            <a:schemeClr val="accent1"/>
+          </a:effectRef>
+          <a:fontRef idx="minor">
+            <a:schemeClr val="lt1"/>
+          </a:fontRef>
+        </p:style>
+      </p:sp>
+      <p:sp>
+        <p:nvSpPr>
+          <p:cNvPr id="16" name="Rectangle 15">
+            <a:extLst>
+              <a:ext uri="{FF2B5EF4-FFF2-40B4-BE49-F238E27FC236}">
+                <a16:creationId xmlns:a16="http://schemas.microsoft.com/office/drawing/2014/main" id="{BF58B8C0-AC20-1746-9F19-768F3E3B0A98}"/>
+              </a:ext>
+            </a:extLst>
+          </p:cNvPr>
+          <p:cNvSpPr/>
+          <p:nvPr userDrawn="1"/>
+        </p:nvSpPr>
+        <p:spPr>
+          <a:xfrm>
+            <a:off x="20073141" y="9102437"/>
+            <a:ext cx="9825554" cy="11893926"/>
+          </a:xfrm>
+          <a:prstGeom prst="rect">
+            <a:avLst/>
+          </a:prstGeom>
+          <a:solidFill>
+            <a:srgbClr val="969FA8"/>
+          </a:solidFill>
+          <a:ln>
+            <a:noFill/>
+          </a:ln>
+          <a:effectLst/>
+        </p:spPr>
+        <p:style>
+          <a:lnRef idx="1">
+            <a:schemeClr val="accent1"/>
+          </a:lnRef>
+          <a:fillRef idx="3">
+            <a:schemeClr val="accent1"/>
+          </a:fillRef>
+          <a:effectRef idx="2">
+            <a:schemeClr val="accent1"/>
+          </a:effectRef>
+          <a:fontRef idx="minor">
+            <a:schemeClr val="lt1"/>
+          </a:fontRef>
+        </p:style>
+      </p:sp>
     </p:spTree>
     <p:extLst>
       <p:ext uri="{BB962C8B-B14F-4D97-AF65-F5344CB8AC3E}">
@@ -3451,14 +3776,15 @@
     <p:sldLayoutId id="2147483837" r:id="rId1"/>
     <p:sldLayoutId id="2147483838" r:id="rId2"/>
     <p:sldLayoutId id="2147483839" r:id="rId3"/>
-    <p:sldLayoutId id="2147483840" r:id="rId4"/>
-    <p:sldLayoutId id="2147483841" r:id="rId5"/>
-    <p:sldLayoutId id="2147483842" r:id="rId6"/>
-    <p:sldLayoutId id="2147483843" r:id="rId7"/>
-    <p:sldLayoutId id="2147483844" r:id="rId8"/>
-    <p:sldLayoutId id="2147483845" r:id="rId9"/>
-    <p:sldLayoutId id="2147483846" r:id="rId10"/>
-    <p:sldLayoutId id="2147483847" r:id="rId11"/>
+    <p:sldLayoutId id="2147483848" r:id="rId4"/>
+    <p:sldLayoutId id="2147483840" r:id="rId5"/>
+    <p:sldLayoutId id="2147483841" r:id="rId6"/>
+    <p:sldLayoutId id="2147483842" r:id="rId7"/>
+    <p:sldLayoutId id="2147483843" r:id="rId8"/>
+    <p:sldLayoutId id="2147483844" r:id="rId9"/>
+    <p:sldLayoutId id="2147483845" r:id="rId10"/>
+    <p:sldLayoutId id="2147483846" r:id="rId11"/>
+    <p:sldLayoutId id="2147483847" r:id="rId12"/>
   </p:sldLayoutIdLst>
   <p:txStyles>
     <p:titleStyle>
@@ -3829,7 +4155,7 @@
       </a:lvl9pPr>
     </p:otherStyle>
   </p:txStyles>
-  <p:extLst>
+  <p:extLst mod="1">
     <p:ext uri="{27BBF7A9-308A-43DC-89C8-2F10F3537804}">
       <p15:sldGuideLst xmlns:p15="http://schemas.microsoft.com/office/powerpoint/2012/main"/>
     </p:ext>
@@ -3872,7 +4198,7 @@
         </p:nvSpPr>
         <p:spPr>
           <a:xfrm>
-            <a:off x="1478402" y="-356714"/>
+            <a:off x="260702" y="-381154"/>
             <a:ext cx="11699343" cy="1876888"/>
           </a:xfrm>
         </p:spPr>
@@ -3907,7 +4233,7 @@
         </p:nvSpPr>
         <p:spPr>
           <a:xfrm>
-            <a:off x="1478402" y="1832909"/>
+            <a:off x="413352" y="1855634"/>
             <a:ext cx="24529041" cy="1365715"/>
           </a:xfrm>
         </p:spPr>
@@ -3925,64 +4251,12 @@
           </a:p>
         </p:txBody>
       </p:sp>
-      <p:pic>
-        <p:nvPicPr>
-          <p:cNvPr id="6" name="Picture 5">
+      <p:sp>
+        <p:nvSpPr>
+          <p:cNvPr id="14" name="TextBox 13">
             <a:extLst>
               <a:ext uri="{FF2B5EF4-FFF2-40B4-BE49-F238E27FC236}">
-                <a16:creationId xmlns:a16="http://schemas.microsoft.com/office/drawing/2014/main" id="{1FEE2F21-4B24-5B4F-B049-2CD41E25CF47}"/>
-              </a:ext>
-            </a:extLst>
-          </p:cNvPr>
-          <p:cNvPicPr>
-            <a:picLocks noChangeAspect="1"/>
-          </p:cNvPicPr>
-          <p:nvPr/>
-        </p:nvPicPr>
-        <p:blipFill>
-          <a:blip r:embed="rId2">
-            <a:duotone>
-              <a:schemeClr val="accent4">
-                <a:shade val="45000"/>
-                <a:satMod val="135000"/>
-              </a:schemeClr>
-              <a:prstClr val="white"/>
-            </a:duotone>
-            <a:extLst>
-              <a:ext uri="{BEBA8EAE-BF5A-486C-A8C5-ECC9F3942E4B}">
-                <a14:imgProps xmlns:a14="http://schemas.microsoft.com/office/drawing/2010/main">
-                  <a14:imgLayer r:embed="rId3">
-                    <a14:imgEffect>
-                      <a14:colorTemperature colorTemp="11200"/>
-                    </a14:imgEffect>
-                    <a14:imgEffect>
-                      <a14:saturation sat="0"/>
-                    </a14:imgEffect>
-                  </a14:imgLayer>
-                </a14:imgProps>
-              </a:ext>
-            </a:extLst>
-          </a:blip>
-          <a:stretch>
-            <a:fillRect/>
-          </a:stretch>
-        </p:blipFill>
-        <p:spPr>
-          <a:xfrm>
-            <a:off x="28664675" y="19648592"/>
-            <a:ext cx="1610538" cy="1610538"/>
-          </a:xfrm>
-          <a:prstGeom prst="rect">
-            <a:avLst/>
-          </a:prstGeom>
-        </p:spPr>
-      </p:pic>
-      <p:sp>
-        <p:nvSpPr>
-          <p:cNvPr id="10" name="TextBox 9">
-            <a:extLst>
-              <a:ext uri="{FF2B5EF4-FFF2-40B4-BE49-F238E27FC236}">
-                <a16:creationId xmlns:a16="http://schemas.microsoft.com/office/drawing/2014/main" id="{0C5A57BB-7058-E940-8424-3DD32DB74D41}"/>
+                <a16:creationId xmlns:a16="http://schemas.microsoft.com/office/drawing/2014/main" id="{4252C649-439C-8D46-B2FD-E3D7B6C56747}"/>
               </a:ext>
             </a:extLst>
           </p:cNvPr>
@@ -3991,16 +4265,184 @@
         </p:nvSpPr>
         <p:spPr>
           <a:xfrm>
-            <a:off x="1478402" y="3960320"/>
-            <a:ext cx="9167827" cy="5018400"/>
+            <a:off x="20072991" y="18334024"/>
+            <a:ext cx="9804884" cy="2923877"/>
+          </a:xfrm>
+          <a:prstGeom prst="rect">
+            <a:avLst/>
+          </a:prstGeom>
+          <a:noFill/>
+        </p:spPr>
+        <p:txBody>
+          <a:bodyPr wrap="square" rtlCol="0">
+            <a:spAutoFit/>
+          </a:bodyPr>
+          <a:lstStyle/>
+          <a:p>
+            <a:r>
+              <a:rPr lang="en-US" sz="2400" dirty="0">
+                <a:solidFill>
+                  <a:schemeClr val="bg1"/>
+                </a:solidFill>
+              </a:rPr>
+              <a:t>References:</a:t>
+            </a:r>
+          </a:p>
+          <a:p>
+            <a:pPr marL="425745" indent="-425745">
+              <a:buFont typeface="Arial" panose="020B0604020202020204" pitchFamily="34" charset="0"/>
+              <a:buChar char="•"/>
+            </a:pPr>
+            <a:r>
+              <a:rPr lang="en-GB" sz="1600" dirty="0">
+                <a:solidFill>
+                  <a:schemeClr val="bg1"/>
+                </a:solidFill>
+              </a:rPr>
+              <a:t>Dunlosky, J. et al., 2013. Improving Students' Learning With Effective Leaning Techniques: Promising Directions From Cognitive and Educational Psychology. </a:t>
+            </a:r>
+            <a:r>
+              <a:rPr lang="en-GB" sz="1600" i="1" dirty="0">
+                <a:solidFill>
+                  <a:schemeClr val="bg1"/>
+                </a:solidFill>
+              </a:rPr>
+              <a:t>Psychological science in the public interest, </a:t>
+            </a:r>
+            <a:r>
+              <a:rPr lang="en-GB" sz="1600" dirty="0">
+                <a:solidFill>
+                  <a:schemeClr val="bg1"/>
+                </a:solidFill>
+              </a:rPr>
+              <a:t>14(1), pp. 4-58.</a:t>
+            </a:r>
+          </a:p>
+          <a:p>
+            <a:pPr marL="425745" indent="-425745">
+              <a:buFont typeface="Arial" panose="020B0604020202020204" pitchFamily="34" charset="0"/>
+              <a:buChar char="•"/>
+            </a:pPr>
+            <a:r>
+              <a:rPr lang="en-GB" sz="1600" dirty="0">
+                <a:solidFill>
+                  <a:schemeClr val="bg1"/>
+                </a:solidFill>
+              </a:rPr>
+              <a:t>Ruensuk, M., 2014. </a:t>
+            </a:r>
+            <a:r>
+              <a:rPr lang="en-GB" sz="1600" i="1" dirty="0">
+                <a:solidFill>
+                  <a:schemeClr val="bg1"/>
+                </a:solidFill>
+              </a:rPr>
+              <a:t>An Implementation to Reduce Internal/External Interruptions in Agile Software Development Using Pomodoro Technique, </a:t>
+            </a:r>
+            <a:r>
+              <a:rPr lang="en-GB" sz="1600" dirty="0">
+                <a:solidFill>
+                  <a:schemeClr val="bg1"/>
+                </a:solidFill>
+              </a:rPr>
+              <a:t>Bangkok: Stamford International University.</a:t>
+            </a:r>
+          </a:p>
+          <a:p>
+            <a:pPr marL="425745" indent="-425745">
+              <a:buFont typeface="Arial" panose="020B0604020202020204" pitchFamily="34" charset="0"/>
+              <a:buChar char="•"/>
+            </a:pPr>
+            <a:r>
+              <a:rPr lang="en-GB" sz="1600" dirty="0">
+                <a:solidFill>
+                  <a:schemeClr val="bg1"/>
+                </a:solidFill>
+              </a:rPr>
+              <a:t>Wissman, K., Rawson, K. &amp; Pyc, M., 2012. How and when do students use flashcards?. </a:t>
+            </a:r>
+            <a:r>
+              <a:rPr lang="en-GB" sz="1600" i="1" dirty="0">
+                <a:solidFill>
+                  <a:schemeClr val="bg1"/>
+                </a:solidFill>
+              </a:rPr>
+              <a:t>Memory (Hove, England), </a:t>
+            </a:r>
+            <a:r>
+              <a:rPr lang="en-GB" sz="1600" dirty="0">
+                <a:solidFill>
+                  <a:schemeClr val="bg1"/>
+                </a:solidFill>
+              </a:rPr>
+              <a:t>Volume 20, pp. 568-579.</a:t>
+            </a:r>
+          </a:p>
+          <a:p>
+            <a:pPr marL="425745" indent="-425745">
+              <a:buFont typeface="Arial" panose="020B0604020202020204" pitchFamily="34" charset="0"/>
+              <a:buChar char="•"/>
+            </a:pPr>
+            <a:r>
+              <a:rPr lang="en-GB" sz="1600" dirty="0">
+                <a:solidFill>
+                  <a:schemeClr val="bg1"/>
+                </a:solidFill>
+              </a:rPr>
+              <a:t>Butler, S. &amp; Ahmed, D. T., 2016. </a:t>
+            </a:r>
+            <a:r>
+              <a:rPr lang="en-GB" sz="1600" i="1" dirty="0">
+                <a:solidFill>
+                  <a:schemeClr val="bg1"/>
+                </a:solidFill>
+              </a:rPr>
+              <a:t>Gamification to Engage and Motivate Students to Achieve Computer Science Learning Goals. </a:t>
+            </a:r>
+            <a:r>
+              <a:rPr lang="en-GB" sz="1600" dirty="0">
+                <a:solidFill>
+                  <a:schemeClr val="bg1"/>
+                </a:solidFill>
+              </a:rPr>
+              <a:t>Charlotte, North Carolina, Conference Publishing Services: 2016 International Conference on Computer Science and Computational Intelligence.</a:t>
+            </a:r>
+          </a:p>
+          <a:p>
+            <a:pPr marL="425745" indent="-425745">
+              <a:buFont typeface="Arial" panose="020B0604020202020204" pitchFamily="34" charset="0"/>
+              <a:buChar char="•"/>
+            </a:pPr>
+            <a:endParaRPr lang="en-GB" sz="1600" dirty="0">
+              <a:solidFill>
+                <a:schemeClr val="bg1"/>
+              </a:solidFill>
+            </a:endParaRPr>
+          </a:p>
+        </p:txBody>
+      </p:sp>
+      <p:sp>
+        <p:nvSpPr>
+          <p:cNvPr id="18" name="TextBox 17">
+            <a:extLst>
+              <a:ext uri="{FF2B5EF4-FFF2-40B4-BE49-F238E27FC236}">
+                <a16:creationId xmlns:a16="http://schemas.microsoft.com/office/drawing/2014/main" id="{2AC49156-9BC0-D14E-B9E6-0885271E371B}"/>
+              </a:ext>
+            </a:extLst>
+          </p:cNvPr>
+          <p:cNvSpPr txBox="1"/>
+          <p:nvPr/>
+        </p:nvSpPr>
+        <p:spPr>
+          <a:xfrm>
+            <a:off x="26101324" y="90834"/>
+            <a:ext cx="3913187" cy="1200329"/>
           </a:xfrm>
           <a:prstGeom prst="rect">
             <a:avLst/>
           </a:prstGeom>
           <a:ln>
-            <a:solidFill>
-              <a:schemeClr val="accent1"/>
-            </a:solidFill>
+            <a:noFill/>
           </a:ln>
         </p:spPr>
         <p:style>
@@ -4018,54 +4460,48 @@
           </a:fontRef>
         </p:style>
         <p:txBody>
-          <a:bodyPr wrap="square" rtlCol="0">
+          <a:bodyPr wrap="square" lIns="90000" rtlCol="0">
             <a:spAutoFit/>
           </a:bodyPr>
           <a:lstStyle/>
           <a:p>
             <a:r>
-              <a:rPr lang="en-GB" sz="3800" dirty="0"/>
-              <a:t>Students revising for their examinations should spend their time in a way that maximises productivity to improve their academic performance and, in turn, their future prospects. Instead students in higher education often rely on ineffective revision techniques which undermine their achievements or do little to improve them. </a:t>
-            </a:r>
-          </a:p>
-        </p:txBody>
-      </p:sp>
-      <p:pic>
-        <p:nvPicPr>
-          <p:cNvPr id="12" name="Picture 11">
+              <a:rPr lang="en-US" sz="2400" dirty="0">
+                <a:solidFill>
+                  <a:schemeClr val="accent1"/>
+                </a:solidFill>
+              </a:rPr>
+              <a:t>Student Number:160489815</a:t>
+            </a:r>
+          </a:p>
+          <a:p>
+            <a:r>
+              <a:rPr lang="en-US" sz="2400" dirty="0">
+                <a:solidFill>
+                  <a:schemeClr val="accent1"/>
+                </a:solidFill>
+              </a:rPr>
+              <a:t>Student Name: Atul Ghandhi</a:t>
+            </a:r>
+          </a:p>
+          <a:p>
+            <a:r>
+              <a:rPr lang="en-US" sz="2400" dirty="0">
+                <a:solidFill>
+                  <a:schemeClr val="accent1"/>
+                </a:solidFill>
+              </a:rPr>
+              <a:t>Supervisor: Dr Usman Naeem</a:t>
+            </a:r>
+          </a:p>
+        </p:txBody>
+      </p:sp>
+      <p:sp>
+        <p:nvSpPr>
+          <p:cNvPr id="23" name="TextBox 22">
             <a:extLst>
               <a:ext uri="{FF2B5EF4-FFF2-40B4-BE49-F238E27FC236}">
-                <a16:creationId xmlns:a16="http://schemas.microsoft.com/office/drawing/2014/main" id="{29D3483D-FEC3-BC45-98AE-21211A811FFB}"/>
-              </a:ext>
-            </a:extLst>
-          </p:cNvPr>
-          <p:cNvPicPr>
-            <a:picLocks noChangeAspect="1"/>
-          </p:cNvPicPr>
-          <p:nvPr/>
-        </p:nvPicPr>
-        <p:blipFill>
-          <a:blip r:embed="rId4"/>
-          <a:stretch>
-            <a:fillRect/>
-          </a:stretch>
-        </p:blipFill>
-        <p:spPr>
-          <a:xfrm>
-            <a:off x="23713744" y="15678701"/>
-            <a:ext cx="4775160" cy="4775160"/>
-          </a:xfrm>
-          <a:prstGeom prst="rect">
-            <a:avLst/>
-          </a:prstGeom>
-        </p:spPr>
-      </p:pic>
-      <p:sp>
-        <p:nvSpPr>
-          <p:cNvPr id="14" name="TextBox 13">
-            <a:extLst>
-              <a:ext uri="{FF2B5EF4-FFF2-40B4-BE49-F238E27FC236}">
-                <a16:creationId xmlns:a16="http://schemas.microsoft.com/office/drawing/2014/main" id="{4252C649-439C-8D46-B2FD-E3D7B6C56747}"/>
+                <a16:creationId xmlns:a16="http://schemas.microsoft.com/office/drawing/2014/main" id="{7B082BEA-8C1B-0547-8EF2-ECB6B9DAD5B2}"/>
               </a:ext>
             </a:extLst>
           </p:cNvPr>
@@ -4074,156 +4510,16 @@
         </p:nvSpPr>
         <p:spPr>
           <a:xfrm>
-            <a:off x="18168770" y="16424902"/>
-            <a:ext cx="5486804" cy="3282758"/>
-          </a:xfrm>
-          <a:prstGeom prst="rect">
-            <a:avLst/>
-          </a:prstGeom>
-          <a:noFill/>
-        </p:spPr>
-        <p:txBody>
-          <a:bodyPr wrap="square" rtlCol="0">
-            <a:spAutoFit/>
-          </a:bodyPr>
-          <a:lstStyle/>
-          <a:p>
-            <a:r>
-              <a:rPr lang="en-US" sz="2732" dirty="0">
-                <a:solidFill>
-                  <a:schemeClr val="bg1"/>
-                </a:solidFill>
-              </a:rPr>
-              <a:t>References:</a:t>
-            </a:r>
-          </a:p>
-          <a:p>
-            <a:pPr marL="425745" indent="-425745">
-              <a:buFont typeface="Arial" panose="020B0604020202020204" pitchFamily="34" charset="0"/>
-              <a:buChar char="•"/>
-            </a:pPr>
-            <a:r>
-              <a:rPr lang="en-GB" dirty="0">
-                <a:solidFill>
-                  <a:schemeClr val="bg1"/>
-                </a:solidFill>
-              </a:rPr>
-              <a:t>Dunlosky, J. et al., 2013. Improving Students' Learning With Effective Leaning Techniques: Promising Directions From Cognitive and Educational </a:t>
-            </a:r>
-            <a:r>
-              <a:rPr lang="en-GB" dirty="0" err="1">
-                <a:solidFill>
-                  <a:schemeClr val="bg1"/>
-                </a:solidFill>
-              </a:rPr>
-              <a:t>Physology</a:t>
-            </a:r>
-            <a:r>
-              <a:rPr lang="en-GB" dirty="0">
-                <a:solidFill>
-                  <a:schemeClr val="bg1"/>
-                </a:solidFill>
-              </a:rPr>
-              <a:t>. </a:t>
-            </a:r>
-            <a:r>
-              <a:rPr lang="en-GB" i="1" dirty="0">
-                <a:solidFill>
-                  <a:schemeClr val="bg1"/>
-                </a:solidFill>
-              </a:rPr>
-              <a:t>Psychological science in the public interest, </a:t>
-            </a:r>
-            <a:r>
-              <a:rPr lang="en-GB" dirty="0">
-                <a:solidFill>
-                  <a:schemeClr val="bg1"/>
-                </a:solidFill>
-              </a:rPr>
-              <a:t>14(1), pp. 4-58.</a:t>
-            </a:r>
-          </a:p>
-          <a:p>
-            <a:pPr marL="425745" indent="-425745">
-              <a:buFont typeface="Arial" panose="020B0604020202020204" pitchFamily="34" charset="0"/>
-              <a:buChar char="•"/>
-            </a:pPr>
-            <a:r>
-              <a:rPr lang="en-GB" dirty="0">
-                <a:solidFill>
-                  <a:schemeClr val="bg1"/>
-                </a:solidFill>
-              </a:rPr>
-              <a:t>Ruensuk, M., 2014. </a:t>
-            </a:r>
-            <a:r>
-              <a:rPr lang="en-GB" i="1" dirty="0">
-                <a:solidFill>
-                  <a:schemeClr val="bg1"/>
-                </a:solidFill>
-              </a:rPr>
-              <a:t>An Implementation to Reduce Internal/External Interruptions in Agile Software Development Using Pomodoro Technique, </a:t>
-            </a:r>
-            <a:r>
-              <a:rPr lang="en-GB" dirty="0">
-                <a:solidFill>
-                  <a:schemeClr val="bg1"/>
-                </a:solidFill>
-              </a:rPr>
-              <a:t>Bangkok: Stamford </a:t>
-            </a:r>
-            <a:r>
-              <a:rPr lang="en-GB" dirty="0" err="1">
-                <a:solidFill>
-                  <a:schemeClr val="bg1"/>
-                </a:solidFill>
-              </a:rPr>
-              <a:t>Imternational</a:t>
-            </a:r>
-            <a:r>
-              <a:rPr lang="en-GB" dirty="0">
-                <a:solidFill>
-                  <a:schemeClr val="bg1"/>
-                </a:solidFill>
-              </a:rPr>
-              <a:t> University.</a:t>
-            </a:r>
-          </a:p>
-          <a:p>
-            <a:pPr marL="425745" indent="-425745">
-              <a:buFont typeface="Arial" panose="020B0604020202020204" pitchFamily="34" charset="0"/>
-              <a:buChar char="•"/>
-            </a:pPr>
-            <a:endParaRPr lang="en-GB" dirty="0">
-              <a:solidFill>
-                <a:schemeClr val="bg1"/>
-              </a:solidFill>
-            </a:endParaRPr>
-          </a:p>
-        </p:txBody>
-      </p:sp>
-      <p:sp>
-        <p:nvSpPr>
-          <p:cNvPr id="18" name="TextBox 17">
-            <a:extLst>
-              <a:ext uri="{FF2B5EF4-FFF2-40B4-BE49-F238E27FC236}">
-                <a16:creationId xmlns:a16="http://schemas.microsoft.com/office/drawing/2014/main" id="{2AC49156-9BC0-D14E-B9E6-0885271E371B}"/>
-              </a:ext>
-            </a:extLst>
-          </p:cNvPr>
-          <p:cNvSpPr txBox="1"/>
-          <p:nvPr/>
-        </p:nvSpPr>
-        <p:spPr>
-          <a:xfrm>
-            <a:off x="26101324" y="90834"/>
-            <a:ext cx="3913187" cy="1200329"/>
+            <a:off x="13833859" y="4021938"/>
+            <a:ext cx="12666900" cy="4537652"/>
           </a:xfrm>
           <a:prstGeom prst="rect">
             <a:avLst/>
           </a:prstGeom>
           <a:ln>
-            <a:noFill/>
+            <a:solidFill>
+              <a:schemeClr val="accent1"/>
+            </a:solidFill>
           </a:ln>
         </p:spPr>
         <p:style>
@@ -4241,48 +4537,82 @@
           </a:fontRef>
         </p:style>
         <p:txBody>
-          <a:bodyPr wrap="square" lIns="90000" rtlCol="0">
+          <a:bodyPr wrap="square" rtlCol="0">
             <a:spAutoFit/>
           </a:bodyPr>
           <a:lstStyle/>
           <a:p>
-            <a:r>
-              <a:rPr lang="en-US" sz="2400" dirty="0">
-                <a:solidFill>
-                  <a:schemeClr val="accent1"/>
-                </a:solidFill>
-              </a:rPr>
-              <a:t>Student Number:160489815</a:t>
-            </a:r>
-          </a:p>
-          <a:p>
-            <a:r>
-              <a:rPr lang="en-US" sz="2400" dirty="0">
-                <a:solidFill>
-                  <a:schemeClr val="accent1"/>
-                </a:solidFill>
-              </a:rPr>
-              <a:t>Student Name: Atul Ghandhi</a:t>
-            </a:r>
-          </a:p>
-          <a:p>
-            <a:r>
-              <a:rPr lang="en-US" sz="2400" dirty="0">
-                <a:solidFill>
-                  <a:schemeClr val="accent1"/>
-                </a:solidFill>
-              </a:rPr>
-              <a:t>Supervisor: Dr Usman Naeem</a:t>
-            </a:r>
-          </a:p>
-        </p:txBody>
-      </p:sp>
-      <p:sp>
-        <p:nvSpPr>
-          <p:cNvPr id="21" name="TextBox 20">
+            <a:pPr marL="342900" indent="-342900" algn="just">
+              <a:lnSpc>
+                <a:spcPct val="120000"/>
+              </a:lnSpc>
+              <a:buFont typeface="Arial" panose="020B0604020202020204" pitchFamily="34" charset="0"/>
+              <a:buChar char="•"/>
+            </a:pPr>
+            <a:r>
+              <a:rPr lang="en-US" sz="2700" dirty="0"/>
+              <a:t>Practice testing is the most effective revision technique for exams, followed by spaced repetition </a:t>
+            </a:r>
+            <a:r>
+              <a:rPr lang="en-GB" sz="2700" dirty="0"/>
+              <a:t>(Dunlosky, et al., 2013).</a:t>
+            </a:r>
+          </a:p>
+          <a:p>
+            <a:pPr marL="342900" indent="-342900" algn="just">
+              <a:lnSpc>
+                <a:spcPct val="120000"/>
+              </a:lnSpc>
+              <a:buFont typeface="Arial" panose="020B0604020202020204" pitchFamily="34" charset="0"/>
+              <a:buChar char="•"/>
+            </a:pPr>
+            <a:r>
+              <a:rPr lang="en-GB" sz="2700" dirty="0"/>
+              <a:t>The Pomodoro technique improves the productivity of focused work sessions by reducing the number of distractions (Ruensuk, 2014).</a:t>
+            </a:r>
+          </a:p>
+          <a:p>
+            <a:pPr marL="342900" indent="-342900" algn="just">
+              <a:lnSpc>
+                <a:spcPct val="120000"/>
+              </a:lnSpc>
+              <a:buFont typeface="Arial" panose="020B0604020202020204" pitchFamily="34" charset="0"/>
+              <a:buChar char="•"/>
+            </a:pPr>
+            <a:r>
+              <a:rPr lang="en-GB" sz="2700" dirty="0"/>
+              <a:t>Flash cards are an efficient method for exam revision which encourages the use of spaced </a:t>
+            </a:r>
+            <a:r>
+              <a:rPr lang="en-US" sz="2700" dirty="0"/>
+              <a:t>repetition</a:t>
+            </a:r>
+            <a:r>
+              <a:rPr lang="en-GB" sz="2700" dirty="0"/>
+              <a:t>, practice testing and active learning (Wissman, Rawson, &amp; Pyc, 2012).</a:t>
+            </a:r>
+          </a:p>
+          <a:p>
+            <a:pPr marL="342900" indent="-342900" algn="just">
+              <a:lnSpc>
+                <a:spcPct val="120000"/>
+              </a:lnSpc>
+              <a:buFont typeface="Arial" panose="020B0604020202020204" pitchFamily="34" charset="0"/>
+              <a:buChar char="•"/>
+            </a:pPr>
+            <a:r>
+              <a:rPr lang="en-GB" sz="2700" dirty="0"/>
+              <a:t>Gamification in education can enhance student motivation, retention and conceptual understanding (Butler &amp; Ahmed, 2016). There are not currently any implementations of gamification in an exam revision context. </a:t>
+            </a:r>
+          </a:p>
+        </p:txBody>
+      </p:sp>
+      <p:sp>
+        <p:nvSpPr>
+          <p:cNvPr id="24" name="TextBox 23">
             <a:extLst>
               <a:ext uri="{FF2B5EF4-FFF2-40B4-BE49-F238E27FC236}">
-                <a16:creationId xmlns:a16="http://schemas.microsoft.com/office/drawing/2014/main" id="{847B1CA0-B806-5442-9A42-2CD34455F5B6}"/>
+                <a16:creationId xmlns:a16="http://schemas.microsoft.com/office/drawing/2014/main" id="{C6647009-A46F-5241-8D98-AA1705B7A91B}"/>
               </a:ext>
             </a:extLst>
           </p:cNvPr>
@@ -4291,8 +4621,59 @@
         </p:nvSpPr>
         <p:spPr>
           <a:xfrm>
-            <a:off x="1478402" y="3196380"/>
-            <a:ext cx="9167827" cy="769441"/>
+            <a:off x="13831365" y="3228861"/>
+            <a:ext cx="12666900" cy="769441"/>
+          </a:xfrm>
+          <a:prstGeom prst="rect">
+            <a:avLst/>
+          </a:prstGeom>
+          <a:ln/>
+        </p:spPr>
+        <p:style>
+          <a:lnRef idx="2">
+            <a:schemeClr val="accent1">
+              <a:shade val="50000"/>
+            </a:schemeClr>
+          </a:lnRef>
+          <a:fillRef idx="1">
+            <a:schemeClr val="accent1"/>
+          </a:fillRef>
+          <a:effectRef idx="0">
+            <a:schemeClr val="accent1"/>
+          </a:effectRef>
+          <a:fontRef idx="minor">
+            <a:schemeClr val="lt1"/>
+          </a:fontRef>
+        </p:style>
+        <p:txBody>
+          <a:bodyPr wrap="square" rtlCol="0">
+            <a:spAutoFit/>
+          </a:bodyPr>
+          <a:lstStyle/>
+          <a:p>
+            <a:r>
+              <a:rPr lang="en-US" sz="4400" dirty="0"/>
+              <a:t>Research findings:</a:t>
+            </a:r>
+          </a:p>
+        </p:txBody>
+      </p:sp>
+      <p:sp>
+        <p:nvSpPr>
+          <p:cNvPr id="25" name="TextBox 24">
+            <a:extLst>
+              <a:ext uri="{FF2B5EF4-FFF2-40B4-BE49-F238E27FC236}">
+                <a16:creationId xmlns:a16="http://schemas.microsoft.com/office/drawing/2014/main" id="{DD8CAA38-C708-3F40-97F2-AC986D6B1B11}"/>
+              </a:ext>
+            </a:extLst>
+          </p:cNvPr>
+          <p:cNvSpPr txBox="1"/>
+          <p:nvPr/>
+        </p:nvSpPr>
+        <p:spPr>
+          <a:xfrm>
+            <a:off x="851792" y="12910576"/>
+            <a:ext cx="5815820" cy="7017306"/>
           </a:xfrm>
           <a:prstGeom prst="rect">
             <a:avLst/>
@@ -4323,19 +4704,61 @@
           </a:bodyPr>
           <a:lstStyle/>
           <a:p>
-            <a:r>
-              <a:rPr lang="en-US" sz="4400" dirty="0"/>
-              <a:t>Problem</a:t>
-            </a:r>
-          </a:p>
-        </p:txBody>
-      </p:sp>
-      <p:sp>
-        <p:nvSpPr>
-          <p:cNvPr id="23" name="TextBox 22">
+            <a:pPr algn="just"/>
+            <a:r>
+              <a:rPr lang="en-GB" sz="2500" b="1" dirty="0"/>
+              <a:t>Pomodoro: </a:t>
+            </a:r>
+          </a:p>
+          <a:p>
+            <a:pPr marL="342900" indent="-342900" algn="just">
+              <a:buBlip>
+                <a:blip r:embed="rId2"/>
+              </a:buBlip>
+            </a:pPr>
+            <a:r>
+              <a:rPr lang="en-GB" sz="2500" dirty="0"/>
+              <a:t>The Pomodoro page includes a timer that times a work session of 25 minutes followed by a short 5 minutes break (as recommended by Francesco Cirillo, creator of the technique). The time intervals can be modified to suit the user.</a:t>
+            </a:r>
+          </a:p>
+          <a:p>
+            <a:pPr algn="just"/>
+            <a:endParaRPr lang="en-GB" sz="2500" dirty="0"/>
+          </a:p>
+          <a:p>
+            <a:pPr marL="342900" indent="-342900" algn="just">
+              <a:buBlip>
+                <a:blip r:embed="rId2"/>
+              </a:buBlip>
+            </a:pPr>
+            <a:r>
+              <a:rPr lang="en-GB" sz="2500" dirty="0"/>
+              <a:t>Users can view how many Pomodoro’s have been completed for each subject/task added allowing revision to be easily quantified.</a:t>
+            </a:r>
+          </a:p>
+          <a:p>
+            <a:pPr algn="just"/>
+            <a:endParaRPr lang="en-GB" sz="2500" dirty="0"/>
+          </a:p>
+          <a:p>
+            <a:pPr marL="342900" indent="-342900" algn="just">
+              <a:buBlip>
+                <a:blip r:embed="rId2"/>
+              </a:buBlip>
+            </a:pPr>
+            <a:r>
+              <a:rPr lang="en-GB" sz="2500" dirty="0"/>
+              <a:t>Users can enter summary of work completed at the end of each Pomodoro and view their revision history at any time.</a:t>
+            </a:r>
+          </a:p>
+        </p:txBody>
+      </p:sp>
+      <p:sp>
+        <p:nvSpPr>
+          <p:cNvPr id="26" name="TextBox 25">
             <a:extLst>
               <a:ext uri="{FF2B5EF4-FFF2-40B4-BE49-F238E27FC236}">
-                <a16:creationId xmlns:a16="http://schemas.microsoft.com/office/drawing/2014/main" id="{7B082BEA-8C1B-0547-8EF2-ECB6B9DAD5B2}"/>
+                <a16:creationId xmlns:a16="http://schemas.microsoft.com/office/drawing/2014/main" id="{63A77418-A148-7D46-88A2-7A870EE616D9}"/>
               </a:ext>
             </a:extLst>
           </p:cNvPr>
@@ -4344,17 +4767,12 @@
         </p:nvSpPr>
         <p:spPr>
           <a:xfrm>
-            <a:off x="16281400" y="3960321"/>
-            <a:ext cx="10234134" cy="5018400"/>
-          </a:xfrm>
-          <a:prstGeom prst="rect">
-            <a:avLst/>
-          </a:prstGeom>
-          <a:ln>
-            <a:solidFill>
-              <a:schemeClr val="accent1"/>
-            </a:solidFill>
-          </a:ln>
+            <a:off x="852332" y="9543006"/>
+            <a:ext cx="8934405" cy="783156"/>
+          </a:xfrm>
+          <a:prstGeom prst="rect">
+            <a:avLst/>
+          </a:prstGeom>
         </p:spPr>
         <p:style>
           <a:lnRef idx="2">
@@ -4376,57 +4794,19 @@
           </a:bodyPr>
           <a:lstStyle/>
           <a:p>
-            <a:pPr marL="342900" indent="-342900">
-              <a:buFont typeface="Arial" panose="020B0604020202020204" pitchFamily="34" charset="0"/>
-              <a:buChar char="•"/>
-            </a:pPr>
-            <a:r>
-              <a:rPr lang="en-US" sz="3000" dirty="0"/>
-              <a:t>Practice testing is the most effective revision technique for exam preparation while spaced practice comes in second </a:t>
-            </a:r>
-            <a:r>
-              <a:rPr lang="en-GB" sz="3000" dirty="0"/>
-              <a:t>(Dunlosky, et al., 2013).</a:t>
-            </a:r>
-          </a:p>
-          <a:p>
-            <a:pPr marL="342900" indent="-342900">
-              <a:buFont typeface="Arial" panose="020B0604020202020204" pitchFamily="34" charset="0"/>
-              <a:buChar char="•"/>
-            </a:pPr>
-            <a:r>
-              <a:rPr lang="en-GB" sz="3000" dirty="0"/>
-              <a:t>The Pomodoro technique improves productivity of focused work sessions by reducing the number of distractions (Ruensuk, 2014).</a:t>
-            </a:r>
-          </a:p>
-          <a:p>
-            <a:pPr marL="342900" indent="-342900">
-              <a:buFont typeface="Arial" panose="020B0604020202020204" pitchFamily="34" charset="0"/>
-              <a:buChar char="•"/>
-            </a:pPr>
-            <a:r>
-              <a:rPr lang="en-GB" sz="3000" dirty="0"/>
-              <a:t>Flash cards are an efficient method of revision for examinations as when correctly used they utilise spaced repetition, practice testing and active learning.</a:t>
-            </a:r>
-          </a:p>
-          <a:p>
-            <a:pPr marL="342900" indent="-342900">
-              <a:buFont typeface="Arial" panose="020B0604020202020204" pitchFamily="34" charset="0"/>
-              <a:buChar char="•"/>
-            </a:pPr>
-            <a:r>
-              <a:rPr lang="en-GB" sz="3000" dirty="0"/>
-              <a:t>Gamification can enhance student motivation</a:t>
-            </a:r>
-          </a:p>
-        </p:txBody>
-      </p:sp>
-      <p:sp>
-        <p:nvSpPr>
-          <p:cNvPr id="24" name="TextBox 23">
+            <a:r>
+              <a:rPr lang="en-US" sz="4400" dirty="0"/>
+              <a:t>Exam Companion Application</a:t>
+            </a:r>
+          </a:p>
+        </p:txBody>
+      </p:sp>
+      <p:sp>
+        <p:nvSpPr>
+          <p:cNvPr id="19" name="TextBox 18">
             <a:extLst>
               <a:ext uri="{FF2B5EF4-FFF2-40B4-BE49-F238E27FC236}">
-                <a16:creationId xmlns:a16="http://schemas.microsoft.com/office/drawing/2014/main" id="{C6647009-A46F-5241-8D98-AA1705B7A91B}"/>
+                <a16:creationId xmlns:a16="http://schemas.microsoft.com/office/drawing/2014/main" id="{05DE6527-0731-AD4C-BC43-31F52D1A19BE}"/>
               </a:ext>
             </a:extLst>
           </p:cNvPr>
@@ -4435,15 +4815,15 @@
         </p:nvSpPr>
         <p:spPr>
           <a:xfrm>
-            <a:off x="16281400" y="3198217"/>
-            <a:ext cx="10234134" cy="769441"/>
+            <a:off x="20412434" y="9429839"/>
+            <a:ext cx="4065856" cy="6632585"/>
           </a:xfrm>
           <a:prstGeom prst="rect">
             <a:avLst/>
           </a:prstGeom>
           <a:ln>
             <a:solidFill>
-              <a:schemeClr val="accent1"/>
+              <a:srgbClr val="969FA8"/>
             </a:solidFill>
           </a:ln>
         </p:spPr>
@@ -4467,19 +4847,61 @@
           </a:bodyPr>
           <a:lstStyle/>
           <a:p>
-            <a:r>
-              <a:rPr lang="en-US" sz="4400" dirty="0"/>
-              <a:t>Research findings:</a:t>
-            </a:r>
-          </a:p>
-        </p:txBody>
-      </p:sp>
-      <p:sp>
-        <p:nvSpPr>
-          <p:cNvPr id="25" name="TextBox 24">
+            <a:pPr algn="just"/>
+            <a:r>
+              <a:rPr lang="en-US" sz="2500" b="1" dirty="0"/>
+              <a:t>Flash Cards: </a:t>
+            </a:r>
+          </a:p>
+          <a:p>
+            <a:pPr marL="342900" indent="-342900" algn="just">
+              <a:buBlip>
+                <a:blip r:embed="rId3"/>
+              </a:buBlip>
+            </a:pPr>
+            <a:r>
+              <a:rPr lang="en-US" sz="2500" dirty="0"/>
+              <a:t>The flash cards page allows users to create digital flash cards and review previously created flash cards.</a:t>
+            </a:r>
+          </a:p>
+          <a:p>
+            <a:pPr algn="just"/>
+            <a:endParaRPr lang="en-US" sz="2500" dirty="0"/>
+          </a:p>
+          <a:p>
+            <a:pPr marL="342900" indent="-342900" algn="just">
+              <a:buBlip>
+                <a:blip r:embed="rId3"/>
+              </a:buBlip>
+            </a:pPr>
+            <a:r>
+              <a:rPr lang="en-US" sz="2500" dirty="0"/>
+              <a:t>Flash cards are arranged in stacks, with a stack for each module or topic.</a:t>
+            </a:r>
+          </a:p>
+          <a:p>
+            <a:pPr algn="just"/>
+            <a:endParaRPr lang="en-US" sz="2500" dirty="0"/>
+          </a:p>
+          <a:p>
+            <a:pPr marL="342900" indent="-342900" algn="just">
+              <a:buBlip>
+                <a:blip r:embed="rId3"/>
+              </a:buBlip>
+            </a:pPr>
+            <a:r>
+              <a:rPr lang="en-US" sz="2500" dirty="0"/>
+              <a:t>Reviewing flash cards uses the Leitner System -  an ordering method that balances revising old material with learning new information.</a:t>
+            </a:r>
+          </a:p>
+        </p:txBody>
+      </p:sp>
+      <p:sp>
+        <p:nvSpPr>
+          <p:cNvPr id="20" name="TextBox 19">
             <a:extLst>
               <a:ext uri="{FF2B5EF4-FFF2-40B4-BE49-F238E27FC236}">
-                <a16:creationId xmlns:a16="http://schemas.microsoft.com/office/drawing/2014/main" id="{DD8CAA38-C708-3F40-97F2-AC986D6B1B11}"/>
+                <a16:creationId xmlns:a16="http://schemas.microsoft.com/office/drawing/2014/main" id="{28D29292-7DED-5C47-96BE-15EBA5E135CC}"/>
               </a:ext>
             </a:extLst>
           </p:cNvPr>
@@ -4488,15 +4910,15 @@
         </p:nvSpPr>
         <p:spPr>
           <a:xfrm>
-            <a:off x="1786309" y="11684779"/>
-            <a:ext cx="11018398" cy="3908762"/>
+            <a:off x="10666451" y="9424270"/>
+            <a:ext cx="8793365" cy="5863144"/>
           </a:xfrm>
           <a:prstGeom prst="rect">
             <a:avLst/>
           </a:prstGeom>
           <a:ln>
             <a:solidFill>
-              <a:schemeClr val="accent1"/>
+              <a:srgbClr val="913063"/>
             </a:solidFill>
           </a:ln>
         </p:spPr>
@@ -4520,36 +4942,91 @@
           </a:bodyPr>
           <a:lstStyle/>
           <a:p>
-            <a:r>
-              <a:rPr lang="en-GB" sz="2480" b="1" dirty="0"/>
-              <a:t>Pomodoro: </a:t>
-            </a:r>
-            <a:r>
-              <a:rPr lang="en-GB" sz="2480" dirty="0"/>
-              <a:t>This page includes a Pomodoro timer that times a work session of 25 minutes then notifies the user to take a 5 minutes break. The time frames can be modified to suit the user, as some users may prefer longer periods of focused work followed by longer breaks. </a:t>
-            </a:r>
-          </a:p>
-          <a:p>
-            <a:r>
-              <a:rPr lang="en-GB" sz="2480" dirty="0"/>
-              <a:t>The timer page records the number of Pomodoro’s completed, as well the module that they were completed for. This allows users to easily view how long they have spent studying for each module, as well as what work they completed during each Pomodoro session – if they chose to enter that information.</a:t>
-            </a:r>
-          </a:p>
-          <a:p>
-            <a:r>
-              <a:rPr lang="en-GB" sz="2480" dirty="0"/>
-              <a:t>The Pomodoro section improves productivity during revision by reducing distractions and allowing time for short breaks in-between intense work periods. </a:t>
-            </a:r>
-            <a:endParaRPr lang="en-US" sz="2480" dirty="0"/>
-          </a:p>
-        </p:txBody>
-      </p:sp>
-      <p:sp>
-        <p:nvSpPr>
-          <p:cNvPr id="26" name="TextBox 25">
+            <a:pPr algn="just"/>
+            <a:r>
+              <a:rPr lang="en-US" sz="2500" b="1" dirty="0"/>
+              <a:t>Schedule: </a:t>
+            </a:r>
+          </a:p>
+          <a:p>
+            <a:pPr marL="342900" indent="-342900" algn="just">
+              <a:buBlip>
+                <a:blip r:embed="rId4"/>
+              </a:buBlip>
+            </a:pPr>
+            <a:r>
+              <a:rPr lang="en-US" sz="2500" dirty="0"/>
+              <a:t>The schedule page shows a list of upcoming events, with events occurring ‘today’ highlighted. </a:t>
+            </a:r>
+          </a:p>
+          <a:p>
+            <a:pPr algn="just"/>
+            <a:endParaRPr lang="en-US" sz="2500" dirty="0"/>
+          </a:p>
+          <a:p>
+            <a:pPr marL="342900" indent="-342900" algn="just">
+              <a:buBlip>
+                <a:blip r:embed="rId4"/>
+              </a:buBlip>
+            </a:pPr>
+            <a:r>
+              <a:rPr lang="en-US" sz="2500" dirty="0"/>
+              <a:t>Clicking any event displays further details about the event and new events can be easily created.</a:t>
+            </a:r>
+          </a:p>
+          <a:p>
+            <a:pPr algn="just"/>
+            <a:endParaRPr lang="en-US" sz="2500" dirty="0"/>
+          </a:p>
+          <a:p>
+            <a:pPr marL="342900" indent="-342900" algn="just">
+              <a:buBlip>
+                <a:blip r:embed="rId4"/>
+              </a:buBlip>
+            </a:pPr>
+            <a:r>
+              <a:rPr lang="en-US" sz="2500" dirty="0"/>
+              <a:t>Events can be set to repeat every week or 2 weeks, for a duration of 14 weeks (1 semester).</a:t>
+            </a:r>
+          </a:p>
+          <a:p>
+            <a:pPr algn="just"/>
+            <a:endParaRPr lang="en-US" sz="2500" dirty="0"/>
+          </a:p>
+          <a:p>
+            <a:pPr marL="342900" indent="-342900" algn="just">
+              <a:buBlip>
+                <a:blip r:embed="rId4"/>
+              </a:buBlip>
+            </a:pPr>
+            <a:r>
+              <a:rPr lang="en-US" sz="2500" dirty="0"/>
+              <a:t>Events are stored in the cloud; notifications alert the user to attend scheduled events.</a:t>
+            </a:r>
+          </a:p>
+          <a:p>
+            <a:pPr algn="just"/>
+            <a:endParaRPr lang="en-US" sz="2500" dirty="0"/>
+          </a:p>
+          <a:p>
+            <a:pPr marL="342900" indent="-342900" algn="just">
+              <a:buBlip>
+                <a:blip r:embed="rId4"/>
+              </a:buBlip>
+            </a:pPr>
+            <a:r>
+              <a:rPr lang="en-US" sz="2500" dirty="0"/>
+              <a:t>Revision events prompt the user to use the Pomodoro page to time their revision.</a:t>
+            </a:r>
+          </a:p>
+        </p:txBody>
+      </p:sp>
+      <p:sp>
+        <p:nvSpPr>
+          <p:cNvPr id="22" name="TextBox 21">
             <a:extLst>
               <a:ext uri="{FF2B5EF4-FFF2-40B4-BE49-F238E27FC236}">
-                <a16:creationId xmlns:a16="http://schemas.microsoft.com/office/drawing/2014/main" id="{63A77418-A148-7D46-88A2-7A870EE616D9}"/>
+                <a16:creationId xmlns:a16="http://schemas.microsoft.com/office/drawing/2014/main" id="{8F1AC9E9-D447-5046-A518-4CA521CBAB7F}"/>
               </a:ext>
             </a:extLst>
           </p:cNvPr>
@@ -4558,12 +5035,17 @@
         </p:nvSpPr>
         <p:spPr>
           <a:xfrm>
-            <a:off x="1786309" y="9872648"/>
-            <a:ext cx="11018398" cy="769441"/>
-          </a:xfrm>
-          <a:prstGeom prst="rect">
-            <a:avLst/>
-          </a:prstGeom>
+            <a:off x="24688800" y="9429839"/>
+            <a:ext cx="4849632" cy="6632585"/>
+          </a:xfrm>
+          <a:prstGeom prst="rect">
+            <a:avLst/>
+          </a:prstGeom>
+          <a:ln>
+            <a:solidFill>
+              <a:srgbClr val="969FA8"/>
+            </a:solidFill>
+          </a:ln>
         </p:spPr>
         <p:style>
           <a:lnRef idx="2">
@@ -4585,19 +5067,76 @@
           </a:bodyPr>
           <a:lstStyle/>
           <a:p>
-            <a:r>
-              <a:rPr lang="en-US" sz="4400" dirty="0"/>
-              <a:t>Exam Companion Features</a:t>
-            </a:r>
-          </a:p>
-        </p:txBody>
-      </p:sp>
-      <p:sp>
-        <p:nvSpPr>
-          <p:cNvPr id="19" name="TextBox 18">
+            <a:pPr algn="just"/>
+            <a:r>
+              <a:rPr lang="en-US" sz="2500" b="1" dirty="0"/>
+              <a:t>Gamification: </a:t>
+            </a:r>
+          </a:p>
+          <a:p>
+            <a:pPr marL="342900" indent="-342900" algn="just">
+              <a:buBlip>
+                <a:blip r:embed="rId5"/>
+              </a:buBlip>
+            </a:pPr>
+            <a:r>
+              <a:rPr lang="en-US" sz="2500" dirty="0"/>
+              <a:t>The application uses gamified elements to motivate the user to revise.</a:t>
+            </a:r>
+          </a:p>
+          <a:p>
+            <a:pPr algn="just"/>
+            <a:endParaRPr lang="en-US" sz="2500" dirty="0"/>
+          </a:p>
+          <a:p>
+            <a:pPr marL="342900" indent="-342900" algn="just">
+              <a:buBlip>
+                <a:blip r:embed="rId5"/>
+              </a:buBlip>
+            </a:pPr>
+            <a:r>
+              <a:rPr lang="en-US" sz="2500" dirty="0"/>
+              <a:t>A point is rewarded for every 5 minutes of a Pomodoro session completed (a standard 25-minute session = 5 points).</a:t>
+            </a:r>
+          </a:p>
+          <a:p>
+            <a:pPr algn="just"/>
+            <a:endParaRPr lang="en-US" sz="2500" dirty="0"/>
+          </a:p>
+          <a:p>
+            <a:pPr marL="342900" indent="-342900" algn="just">
+              <a:buBlip>
+                <a:blip r:embed="rId5"/>
+              </a:buBlip>
+            </a:pPr>
+            <a:r>
+              <a:rPr lang="en-US" sz="2500" dirty="0"/>
+              <a:t>Further points are awarded for each flash card created.</a:t>
+            </a:r>
+          </a:p>
+          <a:p>
+            <a:pPr algn="just"/>
+            <a:endParaRPr lang="en-US" sz="2500" dirty="0"/>
+          </a:p>
+          <a:p>
+            <a:pPr marL="342900" indent="-342900" algn="just">
+              <a:buBlip>
+                <a:blip r:embed="rId5"/>
+              </a:buBlip>
+            </a:pPr>
+            <a:r>
+              <a:rPr lang="en-US" sz="2500" dirty="0"/>
+              <a:t>Points help quantify the amount of revision completed and can induce competition via the leaderboard on the Points page. </a:t>
+            </a:r>
+          </a:p>
+        </p:txBody>
+      </p:sp>
+      <p:sp>
+        <p:nvSpPr>
+          <p:cNvPr id="27" name="TextBox 26">
             <a:extLst>
               <a:ext uri="{FF2B5EF4-FFF2-40B4-BE49-F238E27FC236}">
-                <a16:creationId xmlns:a16="http://schemas.microsoft.com/office/drawing/2014/main" id="{05DE6527-0731-AD4C-BC43-31F52D1A19BE}"/>
+                <a16:creationId xmlns:a16="http://schemas.microsoft.com/office/drawing/2014/main" id="{7887B124-E020-A348-8C3F-FA7C70CB3C90}"/>
               </a:ext>
             </a:extLst>
           </p:cNvPr>
@@ -4606,8 +5145,8 @@
         </p:nvSpPr>
         <p:spPr>
           <a:xfrm>
-            <a:off x="1786309" y="15940327"/>
-            <a:ext cx="11018398" cy="3527119"/>
+            <a:off x="852332" y="10646092"/>
+            <a:ext cx="8934405" cy="1900007"/>
           </a:xfrm>
           <a:prstGeom prst="rect">
             <a:avLst/>
@@ -4638,286 +5177,35 @@
           </a:bodyPr>
           <a:lstStyle/>
           <a:p>
-            <a:r>
-              <a:rPr lang="en-US" sz="2480" b="1" dirty="0"/>
-              <a:t>Flash Cards: </a:t>
-            </a:r>
-            <a:r>
-              <a:rPr lang="en-US" sz="2480" dirty="0"/>
-              <a:t>The flash cards page allows users to create digital flash cards for any module and review their flash cards at any time. Flash cards are arranged in stacks for each module and reviewing flash cards uses the Leitner System to balance revising old information with learning content.</a:t>
-            </a:r>
-          </a:p>
-          <a:p>
-            <a:r>
-              <a:rPr lang="en-US" sz="2480" dirty="0"/>
-              <a:t>Using flash cards to revise utilises both spaced practice, as they are reviewed multiple times, and practice testing, as the user can attempt to remember what a cards will say before reading all of it and hen test themselves by checked the remainder of the card. Both spaced practice and practice questions are proven to improve recall of information.  </a:t>
-            </a:r>
-          </a:p>
-        </p:txBody>
-      </p:sp>
-      <p:sp>
-        <p:nvSpPr>
-          <p:cNvPr id="20" name="TextBox 19">
+            <a:pPr algn="just">
+              <a:lnSpc>
+                <a:spcPct val="120000"/>
+              </a:lnSpc>
+            </a:pPr>
+            <a:r>
+              <a:rPr lang="en-GB" sz="2500" dirty="0"/>
+              <a:t>Exam Companion is an application built on four key pillars; Pomodoro, Flash Cards, Schedule and Gamification. </a:t>
+            </a:r>
+          </a:p>
+          <a:p>
+            <a:pPr algn="just">
+              <a:lnSpc>
+                <a:spcPct val="120000"/>
+              </a:lnSpc>
+            </a:pPr>
+            <a:r>
+              <a:rPr lang="en-GB" sz="2500" dirty="0"/>
+              <a:t>All data in the application is stored in a cloud database and linked to each users account.</a:t>
+            </a:r>
+          </a:p>
+        </p:txBody>
+      </p:sp>
+      <p:grpSp>
+        <p:nvGrpSpPr>
+          <p:cNvPr id="29" name="Group 28">
             <a:extLst>
               <a:ext uri="{FF2B5EF4-FFF2-40B4-BE49-F238E27FC236}">
-                <a16:creationId xmlns:a16="http://schemas.microsoft.com/office/drawing/2014/main" id="{28D29292-7DED-5C47-96BE-15EBA5E135CC}"/>
-              </a:ext>
-            </a:extLst>
-          </p:cNvPr>
-          <p:cNvSpPr txBox="1"/>
-          <p:nvPr/>
-        </p:nvSpPr>
-        <p:spPr>
-          <a:xfrm>
-            <a:off x="13177745" y="10955193"/>
-            <a:ext cx="11018398" cy="2382191"/>
-          </a:xfrm>
-          <a:prstGeom prst="rect">
-            <a:avLst/>
-          </a:prstGeom>
-          <a:ln>
-            <a:solidFill>
-              <a:schemeClr val="accent1"/>
-            </a:solidFill>
-          </a:ln>
-        </p:spPr>
-        <p:style>
-          <a:lnRef idx="2">
-            <a:schemeClr val="dk1"/>
-          </a:lnRef>
-          <a:fillRef idx="1">
-            <a:schemeClr val="lt1"/>
-          </a:fillRef>
-          <a:effectRef idx="0">
-            <a:schemeClr val="dk1"/>
-          </a:effectRef>
-          <a:fontRef idx="minor">
-            <a:schemeClr val="dk1"/>
-          </a:fontRef>
-        </p:style>
-        <p:txBody>
-          <a:bodyPr wrap="square" rtlCol="0">
-            <a:spAutoFit/>
-          </a:bodyPr>
-          <a:lstStyle/>
-          <a:p>
-            <a:r>
-              <a:rPr lang="en-US" sz="2480" b="1" dirty="0"/>
-              <a:t>Schedule: </a:t>
-            </a:r>
-            <a:r>
-              <a:rPr lang="en-US" sz="2480" dirty="0"/>
-              <a:t>The schedule page shows a list of upcoming events, with events occurring ‘today’ highlighted.  Scheduling of revision can utilise spaced repetition, as the application will ask the user if they wish to create further events after a short time period to revise the same content again. The schedule page also uses notifications to remind the user to revise using the Pomodoro technique when a scheduled revision session is beginning. </a:t>
-            </a:r>
-          </a:p>
-        </p:txBody>
-      </p:sp>
-      <p:sp>
-        <p:nvSpPr>
-          <p:cNvPr id="22" name="TextBox 21">
-            <a:extLst>
-              <a:ext uri="{FF2B5EF4-FFF2-40B4-BE49-F238E27FC236}">
-                <a16:creationId xmlns:a16="http://schemas.microsoft.com/office/drawing/2014/main" id="{8F1AC9E9-D447-5046-A518-4CA521CBAB7F}"/>
-              </a:ext>
-            </a:extLst>
-          </p:cNvPr>
-          <p:cNvSpPr txBox="1"/>
-          <p:nvPr/>
-        </p:nvSpPr>
-        <p:spPr>
-          <a:xfrm>
-            <a:off x="13177745" y="13572767"/>
-            <a:ext cx="11018398" cy="2382191"/>
-          </a:xfrm>
-          <a:prstGeom prst="rect">
-            <a:avLst/>
-          </a:prstGeom>
-          <a:ln>
-            <a:solidFill>
-              <a:schemeClr val="accent1"/>
-            </a:solidFill>
-          </a:ln>
-        </p:spPr>
-        <p:style>
-          <a:lnRef idx="2">
-            <a:schemeClr val="dk1"/>
-          </a:lnRef>
-          <a:fillRef idx="1">
-            <a:schemeClr val="lt1"/>
-          </a:fillRef>
-          <a:effectRef idx="0">
-            <a:schemeClr val="dk1"/>
-          </a:effectRef>
-          <a:fontRef idx="minor">
-            <a:schemeClr val="dk1"/>
-          </a:fontRef>
-        </p:style>
-        <p:txBody>
-          <a:bodyPr wrap="square" rtlCol="0">
-            <a:spAutoFit/>
-          </a:bodyPr>
-          <a:lstStyle/>
-          <a:p>
-            <a:r>
-              <a:rPr lang="en-US" sz="2480" b="1" dirty="0"/>
-              <a:t>Points: </a:t>
-            </a:r>
-            <a:r>
-              <a:rPr lang="en-US" sz="2480" dirty="0"/>
-              <a:t>The points page utilises the concept of gamification to reward the user with points for completing various activities within the application. Pomodoro sessions are rewarded with 1 point for every 5 minutes of work completed (5 points for default 25-minutes Pomodoro slot) with an additional point for entering what work was completed at the end of a Pomodoro session.  A further 2 Points are rewarded for each flash card created.</a:t>
-            </a:r>
-          </a:p>
-        </p:txBody>
-      </p:sp>
-      <p:sp>
-        <p:nvSpPr>
-          <p:cNvPr id="27" name="TextBox 26">
-            <a:extLst>
-              <a:ext uri="{FF2B5EF4-FFF2-40B4-BE49-F238E27FC236}">
-                <a16:creationId xmlns:a16="http://schemas.microsoft.com/office/drawing/2014/main" id="{7887B124-E020-A348-8C3F-FA7C70CB3C90}"/>
-              </a:ext>
-            </a:extLst>
-          </p:cNvPr>
-          <p:cNvSpPr txBox="1"/>
-          <p:nvPr/>
-        </p:nvSpPr>
-        <p:spPr>
-          <a:xfrm>
-            <a:off x="1786309" y="10954620"/>
-            <a:ext cx="11018398" cy="473976"/>
-          </a:xfrm>
-          <a:prstGeom prst="rect">
-            <a:avLst/>
-          </a:prstGeom>
-          <a:ln>
-            <a:solidFill>
-              <a:schemeClr val="accent1"/>
-            </a:solidFill>
-          </a:ln>
-        </p:spPr>
-        <p:style>
-          <a:lnRef idx="2">
-            <a:schemeClr val="dk1"/>
-          </a:lnRef>
-          <a:fillRef idx="1">
-            <a:schemeClr val="lt1"/>
-          </a:fillRef>
-          <a:effectRef idx="0">
-            <a:schemeClr val="dk1"/>
-          </a:effectRef>
-          <a:fontRef idx="minor">
-            <a:schemeClr val="dk1"/>
-          </a:fontRef>
-        </p:style>
-        <p:txBody>
-          <a:bodyPr wrap="square" rtlCol="0">
-            <a:spAutoFit/>
-          </a:bodyPr>
-          <a:lstStyle/>
-          <a:p>
-            <a:r>
-              <a:rPr lang="en-GB" sz="2480" dirty="0"/>
-              <a:t>The application has four pages; Pomodoro, Flash Cards, Schedule and Points.</a:t>
-            </a:r>
-          </a:p>
-        </p:txBody>
-      </p:sp>
-      <p:sp>
-        <p:nvSpPr>
-          <p:cNvPr id="5" name="TextBox 4">
-            <a:extLst>
-              <a:ext uri="{FF2B5EF4-FFF2-40B4-BE49-F238E27FC236}">
-                <a16:creationId xmlns:a16="http://schemas.microsoft.com/office/drawing/2014/main" id="{51028CE6-8D08-B644-B783-EA3067C8D234}"/>
-              </a:ext>
-            </a:extLst>
-          </p:cNvPr>
-          <p:cNvSpPr txBox="1"/>
-          <p:nvPr/>
-        </p:nvSpPr>
-        <p:spPr>
-          <a:xfrm>
-            <a:off x="12867172" y="17162012"/>
-            <a:ext cx="5125827" cy="2031325"/>
-          </a:xfrm>
-          <a:prstGeom prst="rect">
-            <a:avLst/>
-          </a:prstGeom>
-          <a:noFill/>
-        </p:spPr>
-        <p:txBody>
-          <a:bodyPr wrap="none" rtlCol="0">
-            <a:spAutoFit/>
-          </a:bodyPr>
-          <a:lstStyle/>
-          <a:p>
-            <a:r>
-              <a:rPr lang="en-GB" dirty="0">
-                <a:solidFill>
-                  <a:schemeClr val="bg1"/>
-                </a:solidFill>
-              </a:rPr>
-              <a:t>Replace abstract with problem statement</a:t>
-            </a:r>
-          </a:p>
-          <a:p>
-            <a:endParaRPr lang="en-GB" dirty="0">
-              <a:solidFill>
-                <a:schemeClr val="bg1"/>
-              </a:solidFill>
-            </a:endParaRPr>
-          </a:p>
-          <a:p>
-            <a:r>
-              <a:rPr lang="en-GB" dirty="0">
-                <a:solidFill>
-                  <a:schemeClr val="bg1"/>
-                </a:solidFill>
-              </a:rPr>
-              <a:t>Replace research with bullet point ‘research findings’</a:t>
-            </a:r>
-          </a:p>
-          <a:p>
-            <a:endParaRPr lang="en-GB" dirty="0">
-              <a:solidFill>
-                <a:schemeClr val="bg1"/>
-              </a:solidFill>
-            </a:endParaRPr>
-          </a:p>
-          <a:p>
-            <a:r>
-              <a:rPr lang="en-GB" dirty="0">
-                <a:solidFill>
-                  <a:schemeClr val="bg1"/>
-                </a:solidFill>
-              </a:rPr>
-              <a:t>Have a bullet pointed methodology statement</a:t>
-            </a:r>
-          </a:p>
-          <a:p>
-            <a:endParaRPr lang="en-GB" dirty="0">
-              <a:solidFill>
-                <a:schemeClr val="bg1"/>
-              </a:solidFill>
-            </a:endParaRPr>
-          </a:p>
-          <a:p>
-            <a:r>
-              <a:rPr lang="en-GB" dirty="0">
-                <a:solidFill>
-                  <a:schemeClr val="bg1"/>
-                </a:solidFill>
-              </a:rPr>
-              <a:t>Add screenshots alongside exam companion features</a:t>
-            </a:r>
-          </a:p>
-        </p:txBody>
-      </p:sp>
-      <p:grpSp>
-        <p:nvGrpSpPr>
-          <p:cNvPr id="30" name="Group 29">
-            <a:extLst>
-              <a:ext uri="{FF2B5EF4-FFF2-40B4-BE49-F238E27FC236}">
-                <a16:creationId xmlns:a16="http://schemas.microsoft.com/office/drawing/2014/main" id="{5EC5094E-F0F4-474F-8213-04B68DE2FCBC}"/>
+                <a16:creationId xmlns:a16="http://schemas.microsoft.com/office/drawing/2014/main" id="{98DB570B-CAC8-7C4D-B8FF-4B040557335C}"/>
               </a:ext>
             </a:extLst>
           </p:cNvPr>
@@ -4926,10 +5214,10 @@
         </p:nvGrpSpPr>
         <p:grpSpPr>
           <a:xfrm>
-            <a:off x="26671057" y="3960321"/>
-            <a:ext cx="3635693" cy="4467641"/>
-            <a:chOff x="26515534" y="3191053"/>
-            <a:chExt cx="3635693" cy="4467641"/>
+            <a:off x="27113616" y="4021938"/>
+            <a:ext cx="2330024" cy="3520296"/>
+            <a:chOff x="26671057" y="3960321"/>
+            <a:chExt cx="3450711" cy="4533470"/>
           </a:xfrm>
         </p:grpSpPr>
         <p:grpSp>
@@ -4946,10 +5234,10 @@
           </p:nvGrpSpPr>
           <p:grpSpPr>
             <a:xfrm>
-              <a:off x="26515534" y="3191053"/>
-              <a:ext cx="3635693" cy="4467641"/>
+              <a:off x="26671057" y="3960321"/>
+              <a:ext cx="3450711" cy="4533470"/>
               <a:chOff x="26639520" y="3205950"/>
-              <a:chExt cx="3635693" cy="4467641"/>
+              <a:chExt cx="3450711" cy="4533470"/>
             </a:xfrm>
           </p:grpSpPr>
           <p:grpSp>
@@ -4967,9 +5255,9 @@
             <p:grpSpPr>
               <a:xfrm>
                 <a:off x="26639520" y="3213522"/>
-                <a:ext cx="3635692" cy="4460069"/>
+                <a:ext cx="3450711" cy="4525898"/>
                 <a:chOff x="-120953" y="3050"/>
-                <a:chExt cx="1464114" cy="1796603"/>
+                <a:chExt cx="1389621" cy="1823120"/>
               </a:xfrm>
             </p:grpSpPr>
             <p:pic>
@@ -4987,7 +5275,7 @@
                 <p:nvPr/>
               </p:nvPicPr>
               <p:blipFill rotWithShape="1">
-                <a:blip r:embed="rId5">
+                <a:blip r:embed="rId6">
                   <a:extLst>
                     <a:ext uri="{28A0092B-C50C-407E-A947-70E740481C1C}">
                       <a14:useLocalDpi xmlns:a14="http://schemas.microsoft.com/office/drawing/2010/main" val="0"/>
@@ -5045,8 +5333,8 @@
               </p:nvSpPr>
               <p:spPr>
                 <a:xfrm>
-                  <a:off x="-120953" y="1264274"/>
-                  <a:ext cx="1464114" cy="535379"/>
+                  <a:off x="-120953" y="1290791"/>
+                  <a:ext cx="1389621" cy="535379"/>
                 </a:xfrm>
                 <a:prstGeom prst="rect">
                   <a:avLst/>
@@ -5078,13 +5366,13 @@
                 </a:bodyPr>
                 <a:lstStyle/>
                 <a:p>
-                  <a:pPr>
+                  <a:pPr algn="just">
                     <a:spcAft>
                       <a:spcPts val="2483"/>
                     </a:spcAft>
                   </a:pPr>
                   <a:r>
-                    <a:rPr lang="en-GB" sz="1987" i="1" dirty="0">
+                    <a:rPr lang="en-GB" sz="1300" i="1" dirty="0">
                       <a:solidFill>
                         <a:srgbClr val="44546A"/>
                       </a:solidFill>
@@ -5112,7 +5400,7 @@
             <p:spPr>
               <a:xfrm>
                 <a:off x="26639520" y="3205950"/>
-                <a:ext cx="3635693" cy="4467641"/>
+                <a:ext cx="3450711" cy="4467641"/>
               </a:xfrm>
               <a:prstGeom prst="frame">
                 <a:avLst>
@@ -5166,8 +5454,8 @@
           </p:nvCxnSpPr>
           <p:spPr>
             <a:xfrm flipV="1">
-              <a:off x="26515534" y="6298618"/>
-              <a:ext cx="3635692" cy="1"/>
+              <a:off x="26671057" y="7067886"/>
+              <a:ext cx="3450711" cy="2"/>
             </a:xfrm>
             <a:prstGeom prst="line">
               <a:avLst/>
@@ -5203,8 +5491,8 @@
         </p:nvSpPr>
         <p:spPr>
           <a:xfrm>
-            <a:off x="10875345" y="3967658"/>
-            <a:ext cx="5125828" cy="5018400"/>
+            <a:off x="8235152" y="4031714"/>
+            <a:ext cx="4812685" cy="4539600"/>
           </a:xfrm>
           <a:prstGeom prst="rect">
             <a:avLst/>
@@ -5235,9 +5523,14 @@
           </a:bodyPr>
           <a:lstStyle/>
           <a:p>
-            <a:r>
-              <a:rPr lang="en-GB" sz="3800" dirty="0"/>
-              <a:t>This project aims to improve students’ academic performance via a software application that implements features that help transition their revision techniques to more effective ones. </a:t>
+            <a:pPr algn="just">
+              <a:lnSpc>
+                <a:spcPct val="150000"/>
+              </a:lnSpc>
+            </a:pPr>
+            <a:r>
+              <a:rPr lang="en-GB" sz="2700" dirty="0"/>
+              <a:t>This project aims to improve students’ academic performance via the development of a software application that will enable students to be more productive with their revision techniques.</a:t>
             </a:r>
           </a:p>
         </p:txBody>
@@ -5256,30 +5549,28 @@
         </p:nvSpPr>
         <p:spPr>
           <a:xfrm>
-            <a:off x="10875345" y="3198217"/>
-            <a:ext cx="5125828" cy="769441"/>
-          </a:xfrm>
-          <a:prstGeom prst="rect">
-            <a:avLst/>
-          </a:prstGeom>
-          <a:ln>
-            <a:solidFill>
-              <a:schemeClr val="accent1"/>
-            </a:solidFill>
-          </a:ln>
+            <a:off x="8235153" y="3236399"/>
+            <a:ext cx="4812685" cy="769441"/>
+          </a:xfrm>
+          <a:prstGeom prst="rect">
+            <a:avLst/>
+          </a:prstGeom>
+          <a:ln/>
         </p:spPr>
         <p:style>
           <a:lnRef idx="2">
-            <a:schemeClr val="dk1"/>
+            <a:schemeClr val="accent1">
+              <a:shade val="50000"/>
+            </a:schemeClr>
           </a:lnRef>
           <a:fillRef idx="1">
-            <a:schemeClr val="lt1"/>
+            <a:schemeClr val="accent1"/>
           </a:fillRef>
           <a:effectRef idx="0">
-            <a:schemeClr val="dk1"/>
+            <a:schemeClr val="accent1"/>
           </a:effectRef>
           <a:fontRef idx="minor">
-            <a:schemeClr val="dk1"/>
+            <a:schemeClr val="lt1"/>
           </a:fontRef>
         </p:style>
         <p:txBody>
@@ -5304,18 +5595,23 @@
               </a:ext>
             </a:extLst>
           </p:cNvPr>
-          <p:cNvCxnSpPr/>
+          <p:cNvCxnSpPr>
+            <a:cxnSpLocks/>
+          </p:cNvCxnSpPr>
           <p:nvPr/>
         </p:nvCxnSpPr>
         <p:spPr>
           <a:xfrm>
-            <a:off x="25629564" y="5839530"/>
-            <a:ext cx="1273628" cy="0"/>
+            <a:off x="26498265" y="5271734"/>
+            <a:ext cx="772095" cy="0"/>
           </a:xfrm>
           <a:prstGeom prst="straightConnector1">
             <a:avLst/>
           </a:prstGeom>
-          <a:ln>
+          <a:ln w="38100">
+            <a:solidFill>
+              <a:schemeClr val="accent1"/>
+            </a:solidFill>
             <a:tailEnd type="triangle"/>
           </a:ln>
         </p:spPr>
@@ -5334,44 +5630,6 @@
           </a:fontRef>
         </p:style>
       </p:cxnSp>
-      <p:pic>
-        <p:nvPicPr>
-          <p:cNvPr id="35" name="Picture 34">
-            <a:extLst>
-              <a:ext uri="{FF2B5EF4-FFF2-40B4-BE49-F238E27FC236}">
-                <a16:creationId xmlns:a16="http://schemas.microsoft.com/office/drawing/2014/main" id="{C6524D26-1BAB-CC45-BC1B-178886927DB1}"/>
-              </a:ext>
-            </a:extLst>
-          </p:cNvPr>
-          <p:cNvPicPr>
-            <a:picLocks noChangeAspect="1"/>
-          </p:cNvPicPr>
-          <p:nvPr/>
-        </p:nvPicPr>
-        <p:blipFill>
-          <a:blip r:embed="rId6">
-            <a:duotone>
-              <a:schemeClr val="accent2">
-                <a:shade val="45000"/>
-                <a:satMod val="135000"/>
-              </a:schemeClr>
-              <a:prstClr val="white"/>
-            </a:duotone>
-          </a:blip>
-          <a:stretch>
-            <a:fillRect/>
-          </a:stretch>
-        </p:blipFill>
-        <p:spPr>
-          <a:xfrm>
-            <a:off x="0" y="11684779"/>
-            <a:ext cx="1365715" cy="1365715"/>
-          </a:xfrm>
-          <a:prstGeom prst="rect">
-            <a:avLst/>
-          </a:prstGeom>
-        </p:spPr>
-      </p:pic>
       <p:pic>
         <p:nvPicPr>
           <p:cNvPr id="28" name="Picture 27">
@@ -5434,22 +5692,639 @@
         </p:blipFill>
         <p:spPr>
           <a:xfrm>
-            <a:off x="27471854" y="1832909"/>
-            <a:ext cx="2649914" cy="2382191"/>
+            <a:off x="27692939" y="2356200"/>
+            <a:ext cx="2171595" cy="1952197"/>
           </a:xfrm>
           <a:prstGeom prst="rect">
             <a:avLst/>
           </a:prstGeom>
         </p:spPr>
       </p:pic>
-      <mc:AlternateContent xmlns:mc="http://schemas.openxmlformats.org/markup-compatibility/2006">
-        <mc:Choice xmlns:p14="http://schemas.microsoft.com/office/powerpoint/2010/main" Requires="p14">
-          <p:contentPart p14:bwMode="auto" r:id="rId9">
-            <p14:nvContentPartPr>
-              <p14:cNvPr id="45" name="Ink 44">
+      <p:sp>
+        <p:nvSpPr>
+          <p:cNvPr id="10" name="TextBox 9">
+            <a:extLst>
+              <a:ext uri="{FF2B5EF4-FFF2-40B4-BE49-F238E27FC236}">
+                <a16:creationId xmlns:a16="http://schemas.microsoft.com/office/drawing/2014/main" id="{0C5A57BB-7058-E940-8424-3DD32DB74D41}"/>
+              </a:ext>
+            </a:extLst>
+          </p:cNvPr>
+          <p:cNvSpPr txBox="1"/>
+          <p:nvPr/>
+        </p:nvSpPr>
+        <p:spPr>
+          <a:xfrm>
+            <a:off x="489033" y="4019989"/>
+            <a:ext cx="6945322" cy="4539600"/>
+          </a:xfrm>
+          <a:prstGeom prst="rect">
+            <a:avLst/>
+          </a:prstGeom>
+          <a:ln>
+            <a:solidFill>
+              <a:schemeClr val="accent1"/>
+            </a:solidFill>
+          </a:ln>
+        </p:spPr>
+        <p:style>
+          <a:lnRef idx="2">
+            <a:schemeClr val="dk1"/>
+          </a:lnRef>
+          <a:fillRef idx="1">
+            <a:schemeClr val="lt1"/>
+          </a:fillRef>
+          <a:effectRef idx="0">
+            <a:schemeClr val="dk1"/>
+          </a:effectRef>
+          <a:fontRef idx="minor">
+            <a:schemeClr val="dk1"/>
+          </a:fontRef>
+        </p:style>
+        <p:txBody>
+          <a:bodyPr wrap="square" rtlCol="0">
+            <a:spAutoFit/>
+          </a:bodyPr>
+          <a:lstStyle/>
+          <a:p>
+            <a:pPr algn="just">
+              <a:lnSpc>
+                <a:spcPct val="130000"/>
+              </a:lnSpc>
+            </a:pPr>
+            <a:r>
+              <a:rPr lang="en-GB" sz="2700" dirty="0"/>
+              <a:t>Students revising for their examinations should spend their time in a way that maximises productivity to improve their academic performance and, in turn, their future prospects. Instead students in higher education often rely on ineffective revision techniques which undermine their achievements or do little to improve them. </a:t>
+            </a:r>
+          </a:p>
+        </p:txBody>
+      </p:sp>
+      <p:sp>
+        <p:nvSpPr>
+          <p:cNvPr id="21" name="TextBox 20">
+            <a:extLst>
+              <a:ext uri="{FF2B5EF4-FFF2-40B4-BE49-F238E27FC236}">
+                <a16:creationId xmlns:a16="http://schemas.microsoft.com/office/drawing/2014/main" id="{847B1CA0-B806-5442-9A42-2CD34455F5B6}"/>
+              </a:ext>
+            </a:extLst>
+          </p:cNvPr>
+          <p:cNvSpPr txBox="1"/>
+          <p:nvPr/>
+        </p:nvSpPr>
+        <p:spPr>
+          <a:xfrm>
+            <a:off x="489033" y="3223675"/>
+            <a:ext cx="6945322" cy="769441"/>
+          </a:xfrm>
+          <a:prstGeom prst="rect">
+            <a:avLst/>
+          </a:prstGeom>
+          <a:ln/>
+        </p:spPr>
+        <p:style>
+          <a:lnRef idx="2">
+            <a:schemeClr val="accent1">
+              <a:shade val="50000"/>
+            </a:schemeClr>
+          </a:lnRef>
+          <a:fillRef idx="1">
+            <a:schemeClr val="accent1"/>
+          </a:fillRef>
+          <a:effectRef idx="0">
+            <a:schemeClr val="accent1"/>
+          </a:effectRef>
+          <a:fontRef idx="minor">
+            <a:schemeClr val="lt1"/>
+          </a:fontRef>
+        </p:style>
+        <p:txBody>
+          <a:bodyPr wrap="square" rtlCol="0">
+            <a:spAutoFit/>
+          </a:bodyPr>
+          <a:lstStyle/>
+          <a:p>
+            <a:r>
+              <a:rPr lang="en-US" sz="4400" dirty="0"/>
+              <a:t>Problem</a:t>
+            </a:r>
+          </a:p>
+        </p:txBody>
+      </p:sp>
+      <p:pic>
+        <p:nvPicPr>
+          <p:cNvPr id="52" name="Picture 51" descr="A close up of a black background&#10;&#10;Description automatically generated">
+            <a:extLst>
+              <a:ext uri="{FF2B5EF4-FFF2-40B4-BE49-F238E27FC236}">
+                <a16:creationId xmlns:a16="http://schemas.microsoft.com/office/drawing/2014/main" id="{E372C042-0302-7C41-A7EF-384D588DD5BD}"/>
+              </a:ext>
+            </a:extLst>
+          </p:cNvPr>
+          <p:cNvPicPr>
+            <a:picLocks noChangeAspect="1"/>
+          </p:cNvPicPr>
+          <p:nvPr/>
+        </p:nvPicPr>
+        <p:blipFill rotWithShape="1">
+          <a:blip r:embed="rId9"/>
+          <a:srcRect l="5727" t="7275" r="7623" b="6074"/>
+          <a:stretch/>
+        </p:blipFill>
+        <p:spPr>
+          <a:xfrm>
+            <a:off x="0" y="20106829"/>
+            <a:ext cx="1281048" cy="1281048"/>
+          </a:xfrm>
+          <a:prstGeom prst="rect">
+            <a:avLst/>
+          </a:prstGeom>
+        </p:spPr>
+      </p:pic>
+      <p:sp>
+        <p:nvSpPr>
+          <p:cNvPr id="53" name="TextBox 52">
+            <a:extLst>
+              <a:ext uri="{FF2B5EF4-FFF2-40B4-BE49-F238E27FC236}">
+                <a16:creationId xmlns:a16="http://schemas.microsoft.com/office/drawing/2014/main" id="{3D7AF5C8-5EF8-5946-8CC5-F2B4A053F16C}"/>
+              </a:ext>
+            </a:extLst>
+          </p:cNvPr>
+          <p:cNvSpPr txBox="1"/>
+          <p:nvPr/>
+        </p:nvSpPr>
+        <p:spPr>
+          <a:xfrm>
+            <a:off x="1350514" y="21014293"/>
+            <a:ext cx="5768118" cy="369332"/>
+          </a:xfrm>
+          <a:prstGeom prst="rect">
+            <a:avLst/>
+          </a:prstGeom>
+          <a:noFill/>
+        </p:spPr>
+        <p:txBody>
+          <a:bodyPr wrap="none" rtlCol="0">
+            <a:spAutoFit/>
+          </a:bodyPr>
+          <a:lstStyle/>
+          <a:p>
+            <a:r>
+              <a:rPr lang="en-GB" dirty="0">
+                <a:solidFill>
+                  <a:schemeClr val="accent1"/>
+                </a:solidFill>
+              </a:rPr>
+              <a:t>Learn more about Exam Companion on the official website. </a:t>
+            </a:r>
+          </a:p>
+        </p:txBody>
+      </p:sp>
+      <p:pic>
+        <p:nvPicPr>
+          <p:cNvPr id="54" name="Picture 53" descr="A screenshot of a cell phone&#10;&#10;Description automatically generated">
+            <a:extLst>
+              <a:ext uri="{FF2B5EF4-FFF2-40B4-BE49-F238E27FC236}">
+                <a16:creationId xmlns:a16="http://schemas.microsoft.com/office/drawing/2014/main" id="{20F79C18-A56B-7B44-8807-01C57A79EC57}"/>
+              </a:ext>
+            </a:extLst>
+          </p:cNvPr>
+          <p:cNvPicPr>
+            <a:picLocks/>
+          </p:cNvPicPr>
+          <p:nvPr/>
+        </p:nvPicPr>
+        <p:blipFill rotWithShape="1">
+          <a:blip r:embed="rId10"/>
+          <a:srcRect l="510" t="833" r="2294"/>
+          <a:stretch/>
+        </p:blipFill>
+        <p:spPr>
+          <a:xfrm>
+            <a:off x="16983893" y="15982881"/>
+            <a:ext cx="2265413" cy="4328687"/>
+          </a:xfrm>
+          <a:prstGeom prst="roundRect">
+            <a:avLst>
+              <a:gd name="adj" fmla="val 13705"/>
+            </a:avLst>
+          </a:prstGeom>
+          <a:solidFill>
+            <a:srgbClr val="FFFFFF">
+              <a:shade val="85000"/>
+            </a:srgbClr>
+          </a:solidFill>
+          <a:ln>
+            <a:noFill/>
+          </a:ln>
+          <a:effectLst/>
+        </p:spPr>
+      </p:pic>
+      <p:pic>
+        <p:nvPicPr>
+          <p:cNvPr id="55" name="Picture 54" descr="A screenshot of a cell phone&#10;&#10;Description automatically generated">
+            <a:extLst>
+              <a:ext uri="{FF2B5EF4-FFF2-40B4-BE49-F238E27FC236}">
+                <a16:creationId xmlns:a16="http://schemas.microsoft.com/office/drawing/2014/main" id="{FB55A261-8356-2642-809A-2D7730CA9B85}"/>
+              </a:ext>
+            </a:extLst>
+          </p:cNvPr>
+          <p:cNvPicPr>
+            <a:picLocks/>
+          </p:cNvPicPr>
+          <p:nvPr/>
+        </p:nvPicPr>
+        <p:blipFill rotWithShape="1">
+          <a:blip r:embed="rId11"/>
+          <a:srcRect r="1793"/>
+          <a:stretch/>
+        </p:blipFill>
+        <p:spPr>
+          <a:xfrm>
+            <a:off x="11120712" y="15982882"/>
+            <a:ext cx="2265413" cy="4328687"/>
+          </a:xfrm>
+          <a:prstGeom prst="roundRect">
+            <a:avLst>
+              <a:gd name="adj" fmla="val 14074"/>
+            </a:avLst>
+          </a:prstGeom>
+          <a:solidFill>
+            <a:srgbClr val="FFFFFF">
+              <a:shade val="85000"/>
+            </a:srgbClr>
+          </a:solidFill>
+          <a:ln>
+            <a:noFill/>
+          </a:ln>
+          <a:effectLst/>
+        </p:spPr>
+      </p:pic>
+      <p:pic>
+        <p:nvPicPr>
+          <p:cNvPr id="56" name="Picture 55" descr="A cellphone screenshot of a cell phone&#10;&#10;Description automatically generated">
+            <a:extLst>
+              <a:ext uri="{FF2B5EF4-FFF2-40B4-BE49-F238E27FC236}">
+                <a16:creationId xmlns:a16="http://schemas.microsoft.com/office/drawing/2014/main" id="{04A63187-F2B7-664A-B339-18355607F17D}"/>
+              </a:ext>
+            </a:extLst>
+          </p:cNvPr>
+          <p:cNvPicPr>
+            <a:picLocks/>
+          </p:cNvPicPr>
+          <p:nvPr/>
+        </p:nvPicPr>
+        <p:blipFill rotWithShape="1">
+          <a:blip r:embed="rId12"/>
+          <a:srcRect t="675" r="1793"/>
+          <a:stretch/>
+        </p:blipFill>
+        <p:spPr>
+          <a:xfrm>
+            <a:off x="14035545" y="15990420"/>
+            <a:ext cx="2265413" cy="4328687"/>
+          </a:xfrm>
+          <a:prstGeom prst="roundRect">
+            <a:avLst>
+              <a:gd name="adj" fmla="val 12174"/>
+            </a:avLst>
+          </a:prstGeom>
+          <a:solidFill>
+            <a:srgbClr val="FFFFFF">
+              <a:shade val="85000"/>
+            </a:srgbClr>
+          </a:solidFill>
+          <a:ln>
+            <a:noFill/>
+          </a:ln>
+          <a:effectLst/>
+        </p:spPr>
+      </p:pic>
+      <p:grpSp>
+        <p:nvGrpSpPr>
+          <p:cNvPr id="65" name="Group 64">
+            <a:extLst>
+              <a:ext uri="{FF2B5EF4-FFF2-40B4-BE49-F238E27FC236}">
+                <a16:creationId xmlns:a16="http://schemas.microsoft.com/office/drawing/2014/main" id="{701220D3-FB5A-4146-A32C-9F5804DEF780}"/>
+              </a:ext>
+            </a:extLst>
+          </p:cNvPr>
+          <p:cNvGrpSpPr>
+            <a:grpSpLocks noChangeAspect="1"/>
+          </p:cNvGrpSpPr>
+          <p:nvPr/>
+        </p:nvGrpSpPr>
+        <p:grpSpPr>
+          <a:xfrm>
+            <a:off x="6870631" y="12913751"/>
+            <a:ext cx="3119519" cy="6498998"/>
+            <a:chOff x="4785513" y="1691812"/>
+            <a:chExt cx="8640000" cy="18000000"/>
+          </a:xfrm>
+        </p:grpSpPr>
+        <p:grpSp>
+          <p:nvGrpSpPr>
+            <p:cNvPr id="66" name="Group 65">
+              <a:extLst>
+                <a:ext uri="{FF2B5EF4-FFF2-40B4-BE49-F238E27FC236}">
+                  <a16:creationId xmlns:a16="http://schemas.microsoft.com/office/drawing/2014/main" id="{E215F102-70C0-284E-9919-98B91696E139}"/>
+                </a:ext>
+              </a:extLst>
+            </p:cNvPr>
+            <p:cNvGrpSpPr/>
+            <p:nvPr/>
+          </p:nvGrpSpPr>
+          <p:grpSpPr>
+            <a:xfrm>
+              <a:off x="4785513" y="1691812"/>
+              <a:ext cx="8640000" cy="18000000"/>
+              <a:chOff x="6614313" y="1155344"/>
+              <a:chExt cx="8640000" cy="18000000"/>
+            </a:xfrm>
+          </p:grpSpPr>
+          <p:pic>
+            <p:nvPicPr>
+              <p:cNvPr id="68" name="Picture 67" descr="A screenshot of a cell phone&#10;&#10;Description automatically generated">
                 <a:extLst>
                   <a:ext uri="{FF2B5EF4-FFF2-40B4-BE49-F238E27FC236}">
-                    <a16:creationId xmlns:a16="http://schemas.microsoft.com/office/drawing/2014/main" id="{9495A96C-2053-5241-A5DF-6BFE40E54769}"/>
+                    <a16:creationId xmlns:a16="http://schemas.microsoft.com/office/drawing/2014/main" id="{7009D16B-70B9-6540-85AF-B001ED1E9668}"/>
+                  </a:ext>
+                </a:extLst>
+              </p:cNvPr>
+              <p:cNvPicPr>
+                <a:picLocks/>
+              </p:cNvPicPr>
+              <p:nvPr/>
+            </p:nvPicPr>
+            <p:blipFill rotWithShape="1">
+              <a:blip r:embed="rId13"/>
+              <a:srcRect r="1943"/>
+              <a:stretch/>
+            </p:blipFill>
+            <p:spPr>
+              <a:xfrm>
+                <a:off x="6614313" y="1155344"/>
+                <a:ext cx="8640000" cy="18000000"/>
+              </a:xfrm>
+              <a:prstGeom prst="roundRect">
+                <a:avLst>
+                  <a:gd name="adj" fmla="val 12035"/>
+                </a:avLst>
+              </a:prstGeom>
+            </p:spPr>
+          </p:pic>
+          <p:sp>
+            <p:nvSpPr>
+              <p:cNvPr id="69" name="Block Arc 68">
+                <a:extLst>
+                  <a:ext uri="{FF2B5EF4-FFF2-40B4-BE49-F238E27FC236}">
+                    <a16:creationId xmlns:a16="http://schemas.microsoft.com/office/drawing/2014/main" id="{7F0645F6-491E-5648-BD9E-4D50858D0154}"/>
+                  </a:ext>
+                </a:extLst>
+              </p:cNvPr>
+              <p:cNvSpPr/>
+              <p:nvPr/>
+            </p:nvSpPr>
+            <p:spPr>
+              <a:xfrm rot="12097424">
+                <a:off x="8300840" y="7985187"/>
+                <a:ext cx="5266944" cy="5413248"/>
+              </a:xfrm>
+              <a:prstGeom prst="blockArc">
+                <a:avLst>
+                  <a:gd name="adj1" fmla="val 8100000"/>
+                  <a:gd name="adj2" fmla="val 4008085"/>
+                  <a:gd name="adj3" fmla="val 12979"/>
+                </a:avLst>
+              </a:prstGeom>
+            </p:spPr>
+            <p:style>
+              <a:lnRef idx="2">
+                <a:schemeClr val="accent1">
+                  <a:shade val="50000"/>
+                </a:schemeClr>
+              </a:lnRef>
+              <a:fillRef idx="1">
+                <a:schemeClr val="accent1"/>
+              </a:fillRef>
+              <a:effectRef idx="0">
+                <a:schemeClr val="accent1"/>
+              </a:effectRef>
+              <a:fontRef idx="minor">
+                <a:schemeClr val="lt1"/>
+              </a:fontRef>
+            </p:style>
+            <p:txBody>
+              <a:bodyPr rtlCol="0" anchor="ctr"/>
+              <a:lstStyle/>
+              <a:p>
+                <a:pPr algn="ctr"/>
+                <a:endParaRPr lang="en-GB">
+                  <a:solidFill>
+                    <a:schemeClr val="tx1"/>
+                  </a:solidFill>
+                </a:endParaRPr>
+              </a:p>
+            </p:txBody>
+          </p:sp>
+          <p:sp>
+            <p:nvSpPr>
+              <p:cNvPr id="70" name="Rounded Rectangle 69">
+                <a:extLst>
+                  <a:ext uri="{FF2B5EF4-FFF2-40B4-BE49-F238E27FC236}">
+                    <a16:creationId xmlns:a16="http://schemas.microsoft.com/office/drawing/2014/main" id="{D8126E1D-A4BB-0247-8342-0D1824E684B1}"/>
+                  </a:ext>
+                </a:extLst>
+              </p:cNvPr>
+              <p:cNvSpPr/>
+              <p:nvPr/>
+            </p:nvSpPr>
+            <p:spPr>
+              <a:xfrm>
+                <a:off x="7285784" y="4519727"/>
+                <a:ext cx="3430984" cy="914400"/>
+              </a:xfrm>
+              <a:prstGeom prst="roundRect">
+                <a:avLst/>
+              </a:prstGeom>
+            </p:spPr>
+            <p:style>
+              <a:lnRef idx="2">
+                <a:schemeClr val="accent1"/>
+              </a:lnRef>
+              <a:fillRef idx="1">
+                <a:schemeClr val="lt1"/>
+              </a:fillRef>
+              <a:effectRef idx="0">
+                <a:schemeClr val="accent1"/>
+              </a:effectRef>
+              <a:fontRef idx="minor">
+                <a:schemeClr val="dk1"/>
+              </a:fontRef>
+            </p:style>
+            <p:txBody>
+              <a:bodyPr rtlCol="0" anchor="ctr"/>
+              <a:lstStyle/>
+              <a:p>
+                <a:pPr algn="ctr"/>
+                <a:r>
+                  <a:rPr lang="en-GB" dirty="0">
+                    <a:solidFill>
+                      <a:schemeClr val="accent1"/>
+                    </a:solidFill>
+                    <a:latin typeface="+mj-lt"/>
+                  </a:rPr>
+                  <a:t>History</a:t>
+                </a:r>
+              </a:p>
+            </p:txBody>
+          </p:sp>
+          <p:sp>
+            <p:nvSpPr>
+              <p:cNvPr id="71" name="Rounded Rectangle 70">
+                <a:extLst>
+                  <a:ext uri="{FF2B5EF4-FFF2-40B4-BE49-F238E27FC236}">
+                    <a16:creationId xmlns:a16="http://schemas.microsoft.com/office/drawing/2014/main" id="{7E66F973-C37F-B84F-8EA6-5A420AA38642}"/>
+                  </a:ext>
+                </a:extLst>
+              </p:cNvPr>
+              <p:cNvSpPr/>
+              <p:nvPr/>
+            </p:nvSpPr>
+            <p:spPr>
+              <a:xfrm>
+                <a:off x="11137284" y="4519727"/>
+                <a:ext cx="3430984" cy="914400"/>
+              </a:xfrm>
+              <a:prstGeom prst="roundRect">
+                <a:avLst/>
+              </a:prstGeom>
+            </p:spPr>
+            <p:style>
+              <a:lnRef idx="2">
+                <a:schemeClr val="accent1"/>
+              </a:lnRef>
+              <a:fillRef idx="1">
+                <a:schemeClr val="lt1"/>
+              </a:fillRef>
+              <a:effectRef idx="0">
+                <a:schemeClr val="accent1"/>
+              </a:effectRef>
+              <a:fontRef idx="minor">
+                <a:schemeClr val="dk1"/>
+              </a:fontRef>
+            </p:style>
+            <p:txBody>
+              <a:bodyPr rtlCol="0" anchor="ctr"/>
+              <a:lstStyle/>
+              <a:p>
+                <a:pPr algn="ctr"/>
+                <a:r>
+                  <a:rPr lang="en-GB" dirty="0">
+                    <a:solidFill>
+                      <a:schemeClr val="accent1"/>
+                    </a:solidFill>
+                    <a:latin typeface="+mj-lt"/>
+                  </a:rPr>
+                  <a:t>Tasks</a:t>
+                </a:r>
+                <a:endParaRPr lang="en-GB" dirty="0">
+                  <a:latin typeface="+mj-lt"/>
+                </a:endParaRPr>
+              </a:p>
+            </p:txBody>
+          </p:sp>
+        </p:grpSp>
+        <p:sp>
+          <p:nvSpPr>
+            <p:cNvPr id="67" name="Rectangle 66">
+              <a:extLst>
+                <a:ext uri="{FF2B5EF4-FFF2-40B4-BE49-F238E27FC236}">
+                  <a16:creationId xmlns:a16="http://schemas.microsoft.com/office/drawing/2014/main" id="{46A8A837-46C4-8444-8935-17EF256D309B}"/>
+                </a:ext>
+              </a:extLst>
+            </p:cNvPr>
+            <p:cNvSpPr/>
+            <p:nvPr/>
+          </p:nvSpPr>
+          <p:spPr>
+            <a:xfrm>
+              <a:off x="5365526" y="6344931"/>
+              <a:ext cx="7044879" cy="1615827"/>
+            </a:xfrm>
+            <a:prstGeom prst="rect">
+              <a:avLst/>
+            </a:prstGeom>
+          </p:spPr>
+          <p:txBody>
+            <a:bodyPr wrap="none">
+              <a:spAutoFit/>
+            </a:bodyPr>
+            <a:lstStyle/>
+            <a:p>
+              <a:r>
+                <a:rPr lang="en-GB" dirty="0">
+                  <a:solidFill>
+                    <a:schemeClr val="accent1"/>
+                  </a:solidFill>
+                  <a:latin typeface="+mj-lt"/>
+                </a:rPr>
+                <a:t>Current task: Project report</a:t>
+              </a:r>
+            </a:p>
+            <a:p>
+              <a:r>
+                <a:rPr lang="en-GB" dirty="0">
+                  <a:solidFill>
+                    <a:schemeClr val="accent1"/>
+                  </a:solidFill>
+                  <a:latin typeface="+mj-lt"/>
+                </a:rPr>
+                <a:t>Pomodoro’s : 4</a:t>
+              </a:r>
+              <a:endParaRPr lang="en-GB" dirty="0">
+                <a:latin typeface="+mj-lt"/>
+              </a:endParaRPr>
+            </a:p>
+          </p:txBody>
+        </p:sp>
+      </p:grpSp>
+      <p:pic>
+        <p:nvPicPr>
+          <p:cNvPr id="72" name="Picture 71" descr="A screenshot of a cell phone&#10;&#10;Description automatically generated">
+            <a:extLst>
+              <a:ext uri="{FF2B5EF4-FFF2-40B4-BE49-F238E27FC236}">
+                <a16:creationId xmlns:a16="http://schemas.microsoft.com/office/drawing/2014/main" id="{777FD544-AB68-0F4E-A5D3-0973CA18B4E9}"/>
+              </a:ext>
+            </a:extLst>
+          </p:cNvPr>
+          <p:cNvPicPr>
+            <a:picLocks noChangeAspect="1"/>
+          </p:cNvPicPr>
+          <p:nvPr/>
+        </p:nvPicPr>
+        <p:blipFill rotWithShape="1">
+          <a:blip r:embed="rId14"/>
+          <a:srcRect r="2320"/>
+          <a:stretch/>
+        </p:blipFill>
+        <p:spPr>
+          <a:xfrm>
+            <a:off x="25563056" y="142997"/>
+            <a:ext cx="526081" cy="1096002"/>
+          </a:xfrm>
+          <a:prstGeom prst="roundRect">
+            <a:avLst>
+              <a:gd name="adj" fmla="val 10589"/>
+            </a:avLst>
+          </a:prstGeom>
+        </p:spPr>
+      </p:pic>
+      <mc:AlternateContent xmlns:mc="http://schemas.openxmlformats.org/markup-compatibility/2006" xmlns:p14="http://schemas.microsoft.com/office/powerpoint/2010/main">
+        <mc:Choice Requires="p14">
+          <p:contentPart p14:bwMode="auto" r:id="rId15">
+            <p14:nvContentPartPr>
+              <p14:cNvPr id="6" name="Ink 5">
+                <a:extLst>
+                  <a:ext uri="{FF2B5EF4-FFF2-40B4-BE49-F238E27FC236}">
+                    <a16:creationId xmlns:a16="http://schemas.microsoft.com/office/drawing/2014/main" id="{A358E9B7-80B5-B046-926A-E2ABB380AFBF}"/>
                   </a:ext>
                 </a:extLst>
               </p14:cNvPr>
@@ -5457,18 +6332,18 @@
               <p14:nvPr/>
             </p14:nvContentPartPr>
             <p14:xfrm>
-              <a:off x="9375563" y="3165725"/>
-              <a:ext cx="1267920" cy="698760"/>
+              <a:off x="6343520" y="3222036"/>
+              <a:ext cx="236520" cy="144000"/>
             </p14:xfrm>
           </p:contentPart>
         </mc:Choice>
-        <mc:Fallback>
+        <mc:Fallback xmlns="">
           <p:pic>
             <p:nvPicPr>
-              <p:cNvPr id="45" name="Ink 44">
+              <p:cNvPr id="6" name="Ink 5">
                 <a:extLst>
                   <a:ext uri="{FF2B5EF4-FFF2-40B4-BE49-F238E27FC236}">
-                    <a16:creationId xmlns:a16="http://schemas.microsoft.com/office/drawing/2014/main" id="{9495A96C-2053-5241-A5DF-6BFE40E54769}"/>
+                    <a16:creationId xmlns:a16="http://schemas.microsoft.com/office/drawing/2014/main" id="{A358E9B7-80B5-B046-926A-E2ABB380AFBF}"/>
                   </a:ext>
                 </a:extLst>
               </p:cNvPr>
@@ -5476,15 +6351,364 @@
               <p:nvPr/>
             </p:nvPicPr>
             <p:blipFill>
-              <a:blip r:embed="rId10"/>
+              <a:blip r:embed="rId16"/>
               <a:stretch>
                 <a:fillRect/>
               </a:stretch>
             </p:blipFill>
             <p:spPr>
               <a:xfrm>
-                <a:off x="9312563" y="3103053"/>
-                <a:ext cx="1393560" cy="824465"/>
+                <a:off x="6280880" y="3159396"/>
+                <a:ext cx="362160" cy="269640"/>
+              </a:xfrm>
+              <a:prstGeom prst="rect">
+                <a:avLst/>
+              </a:prstGeom>
+            </p:spPr>
+          </p:pic>
+        </mc:Fallback>
+      </mc:AlternateContent>
+      <mc:AlternateContent xmlns:mc="http://schemas.openxmlformats.org/markup-compatibility/2006" xmlns:p14="http://schemas.microsoft.com/office/powerpoint/2010/main">
+        <mc:Choice Requires="p14">
+          <p:contentPart p14:bwMode="auto" r:id="rId17">
+            <p14:nvContentPartPr>
+              <p14:cNvPr id="38" name="Ink 37">
+                <a:extLst>
+                  <a:ext uri="{FF2B5EF4-FFF2-40B4-BE49-F238E27FC236}">
+                    <a16:creationId xmlns:a16="http://schemas.microsoft.com/office/drawing/2014/main" id="{0EB9D372-A579-9647-906A-B070916E6BC7}"/>
+                  </a:ext>
+                </a:extLst>
+              </p14:cNvPr>
+              <p14:cNvContentPartPr/>
+              <p14:nvPr/>
+            </p14:nvContentPartPr>
+            <p14:xfrm>
+              <a:off x="11617669" y="7814241"/>
+              <a:ext cx="360" cy="360"/>
+            </p14:xfrm>
+          </p:contentPart>
+        </mc:Choice>
+        <mc:Fallback xmlns="">
+          <p:pic>
+            <p:nvPicPr>
+              <p:cNvPr id="38" name="Ink 37">
+                <a:extLst>
+                  <a:ext uri="{FF2B5EF4-FFF2-40B4-BE49-F238E27FC236}">
+                    <a16:creationId xmlns:a16="http://schemas.microsoft.com/office/drawing/2014/main" id="{0EB9D372-A579-9647-906A-B070916E6BC7}"/>
+                  </a:ext>
+                </a:extLst>
+              </p:cNvPr>
+              <p:cNvPicPr/>
+              <p:nvPr/>
+            </p:nvPicPr>
+            <p:blipFill>
+              <a:blip r:embed="rId19"/>
+              <a:stretch>
+                <a:fillRect/>
+              </a:stretch>
+            </p:blipFill>
+            <p:spPr>
+              <a:xfrm>
+                <a:off x="11555029" y="7751601"/>
+                <a:ext cx="126000" cy="126000"/>
+              </a:xfrm>
+              <a:prstGeom prst="rect">
+                <a:avLst/>
+              </a:prstGeom>
+            </p:spPr>
+          </p:pic>
+        </mc:Fallback>
+      </mc:AlternateContent>
+      <mc:AlternateContent xmlns:mc="http://schemas.openxmlformats.org/markup-compatibility/2006" xmlns:p14="http://schemas.microsoft.com/office/powerpoint/2010/main">
+        <mc:Choice Requires="p14">
+          <p:contentPart p14:bwMode="auto" r:id="rId20">
+            <p14:nvContentPartPr>
+              <p14:cNvPr id="39" name="Ink 38">
+                <a:extLst>
+                  <a:ext uri="{FF2B5EF4-FFF2-40B4-BE49-F238E27FC236}">
+                    <a16:creationId xmlns:a16="http://schemas.microsoft.com/office/drawing/2014/main" id="{111A6FF8-CB33-9149-A42E-BA4E9555CDA3}"/>
+                  </a:ext>
+                </a:extLst>
+              </p14:cNvPr>
+              <p14:cNvContentPartPr/>
+              <p14:nvPr/>
+            </p14:nvContentPartPr>
+            <p14:xfrm>
+              <a:off x="12641149" y="7829001"/>
+              <a:ext cx="360" cy="360"/>
+            </p14:xfrm>
+          </p:contentPart>
+        </mc:Choice>
+        <mc:Fallback xmlns="">
+          <p:pic>
+            <p:nvPicPr>
+              <p:cNvPr id="39" name="Ink 38">
+                <a:extLst>
+                  <a:ext uri="{FF2B5EF4-FFF2-40B4-BE49-F238E27FC236}">
+                    <a16:creationId xmlns:a16="http://schemas.microsoft.com/office/drawing/2014/main" id="{111A6FF8-CB33-9149-A42E-BA4E9555CDA3}"/>
+                  </a:ext>
+                </a:extLst>
+              </p:cNvPr>
+              <p:cNvPicPr/>
+              <p:nvPr/>
+            </p:nvPicPr>
+            <p:blipFill>
+              <a:blip r:embed="rId19"/>
+              <a:stretch>
+                <a:fillRect/>
+              </a:stretch>
+            </p:blipFill>
+            <p:spPr>
+              <a:xfrm>
+                <a:off x="12578509" y="7766361"/>
+                <a:ext cx="126000" cy="126000"/>
+              </a:xfrm>
+              <a:prstGeom prst="rect">
+                <a:avLst/>
+              </a:prstGeom>
+            </p:spPr>
+          </p:pic>
+        </mc:Fallback>
+      </mc:AlternateContent>
+      <mc:AlternateContent xmlns:mc="http://schemas.openxmlformats.org/markup-compatibility/2006" xmlns:p14="http://schemas.microsoft.com/office/powerpoint/2010/main">
+        <mc:Choice Requires="p14">
+          <p:contentPart p14:bwMode="auto" r:id="rId21">
+            <p14:nvContentPartPr>
+              <p14:cNvPr id="5" name="Ink 4">
+                <a:extLst>
+                  <a:ext uri="{FF2B5EF4-FFF2-40B4-BE49-F238E27FC236}">
+                    <a16:creationId xmlns:a16="http://schemas.microsoft.com/office/drawing/2014/main" id="{045C2D30-E317-4B4F-ABB6-97FE1DB5F019}"/>
+                  </a:ext>
+                </a:extLst>
+              </p14:cNvPr>
+              <p14:cNvContentPartPr/>
+              <p14:nvPr/>
+            </p14:nvContentPartPr>
+            <p14:xfrm>
+              <a:off x="11855858" y="8562535"/>
+              <a:ext cx="282960" cy="44640"/>
+            </p14:xfrm>
+          </p:contentPart>
+        </mc:Choice>
+        <mc:Fallback xmlns="">
+          <p:pic>
+            <p:nvPicPr>
+              <p:cNvPr id="5" name="Ink 4">
+                <a:extLst>
+                  <a:ext uri="{FF2B5EF4-FFF2-40B4-BE49-F238E27FC236}">
+                    <a16:creationId xmlns:a16="http://schemas.microsoft.com/office/drawing/2014/main" id="{045C2D30-E317-4B4F-ABB6-97FE1DB5F019}"/>
+                  </a:ext>
+                </a:extLst>
+              </p:cNvPr>
+              <p:cNvPicPr/>
+              <p:nvPr/>
+            </p:nvPicPr>
+            <p:blipFill>
+              <a:blip r:embed="rId22"/>
+              <a:stretch>
+                <a:fillRect/>
+              </a:stretch>
+            </p:blipFill>
+            <p:spPr>
+              <a:xfrm>
+                <a:off x="11793218" y="8499535"/>
+                <a:ext cx="408600" cy="170280"/>
+              </a:xfrm>
+              <a:prstGeom prst="rect">
+                <a:avLst/>
+              </a:prstGeom>
+            </p:spPr>
+          </p:pic>
+        </mc:Fallback>
+      </mc:AlternateContent>
+      <mc:AlternateContent xmlns:mc="http://schemas.openxmlformats.org/markup-compatibility/2006" xmlns:p14="http://schemas.microsoft.com/office/powerpoint/2010/main">
+        <mc:Choice Requires="p14">
+          <p:contentPart p14:bwMode="auto" r:id="rId23">
+            <p14:nvContentPartPr>
+              <p14:cNvPr id="35" name="Ink 34">
+                <a:extLst>
+                  <a:ext uri="{FF2B5EF4-FFF2-40B4-BE49-F238E27FC236}">
+                    <a16:creationId xmlns:a16="http://schemas.microsoft.com/office/drawing/2014/main" id="{385A8DA1-6EE1-F94F-9AA2-C0F6BE14BF76}"/>
+                  </a:ext>
+                </a:extLst>
+              </p14:cNvPr>
+              <p14:cNvContentPartPr/>
+              <p14:nvPr/>
+            </p14:nvContentPartPr>
+            <p14:xfrm>
+              <a:off x="12846218" y="8320255"/>
+              <a:ext cx="220599" cy="270720"/>
+            </p14:xfrm>
+          </p:contentPart>
+        </mc:Choice>
+        <mc:Fallback xmlns="">
+          <p:pic>
+            <p:nvPicPr>
+              <p:cNvPr id="35" name="Ink 34">
+                <a:extLst>
+                  <a:ext uri="{FF2B5EF4-FFF2-40B4-BE49-F238E27FC236}">
+                    <a16:creationId xmlns:a16="http://schemas.microsoft.com/office/drawing/2014/main" id="{385A8DA1-6EE1-F94F-9AA2-C0F6BE14BF76}"/>
+                  </a:ext>
+                </a:extLst>
+              </p:cNvPr>
+              <p:cNvPicPr/>
+              <p:nvPr/>
+            </p:nvPicPr>
+            <p:blipFill>
+              <a:blip r:embed="rId24"/>
+              <a:stretch>
+                <a:fillRect/>
+              </a:stretch>
+            </p:blipFill>
+            <p:spPr>
+              <a:xfrm>
+                <a:off x="12783601" y="8257255"/>
+                <a:ext cx="346193" cy="396360"/>
+              </a:xfrm>
+              <a:prstGeom prst="rect">
+                <a:avLst/>
+              </a:prstGeom>
+            </p:spPr>
+          </p:pic>
+        </mc:Fallback>
+      </mc:AlternateContent>
+      <p:pic>
+        <p:nvPicPr>
+          <p:cNvPr id="12" name="Picture 11">
+            <a:extLst>
+              <a:ext uri="{FF2B5EF4-FFF2-40B4-BE49-F238E27FC236}">
+                <a16:creationId xmlns:a16="http://schemas.microsoft.com/office/drawing/2014/main" id="{29D3483D-FEC3-BC45-98AE-21211A811FFB}"/>
+              </a:ext>
+            </a:extLst>
+          </p:cNvPr>
+          <p:cNvPicPr>
+            <a:picLocks noChangeAspect="1"/>
+          </p:cNvPicPr>
+          <p:nvPr/>
+        </p:nvPicPr>
+        <p:blipFill>
+          <a:blip r:embed="rId25"/>
+          <a:stretch>
+            <a:fillRect/>
+          </a:stretch>
+        </p:blipFill>
+        <p:spPr>
+          <a:xfrm>
+            <a:off x="11698973" y="7788245"/>
+            <a:ext cx="1512703" cy="1512703"/>
+          </a:xfrm>
+          <a:prstGeom prst="rect">
+            <a:avLst/>
+          </a:prstGeom>
+        </p:spPr>
+      </p:pic>
+      <p:sp>
+        <p:nvSpPr>
+          <p:cNvPr id="57" name="TextBox 56">
+            <a:extLst>
+              <a:ext uri="{FF2B5EF4-FFF2-40B4-BE49-F238E27FC236}">
+                <a16:creationId xmlns:a16="http://schemas.microsoft.com/office/drawing/2014/main" id="{9DC76443-0B4A-AC4C-8D79-0D6A084559B8}"/>
+              </a:ext>
+            </a:extLst>
+          </p:cNvPr>
+          <p:cNvSpPr txBox="1"/>
+          <p:nvPr/>
+        </p:nvSpPr>
+        <p:spPr>
+          <a:xfrm>
+            <a:off x="20412434" y="16272368"/>
+            <a:ext cx="9125998" cy="2015936"/>
+          </a:xfrm>
+          <a:prstGeom prst="rect">
+            <a:avLst/>
+          </a:prstGeom>
+          <a:ln>
+            <a:solidFill>
+              <a:srgbClr val="969FA8"/>
+            </a:solidFill>
+          </a:ln>
+        </p:spPr>
+        <p:style>
+          <a:lnRef idx="2">
+            <a:schemeClr val="dk1"/>
+          </a:lnRef>
+          <a:fillRef idx="1">
+            <a:schemeClr val="lt1"/>
+          </a:fillRef>
+          <a:effectRef idx="0">
+            <a:schemeClr val="dk1"/>
+          </a:effectRef>
+          <a:fontRef idx="minor">
+            <a:schemeClr val="dk1"/>
+          </a:fontRef>
+        </p:style>
+        <p:txBody>
+          <a:bodyPr wrap="square" rtlCol="0">
+            <a:spAutoFit/>
+          </a:bodyPr>
+          <a:lstStyle/>
+          <a:p>
+            <a:pPr algn="just"/>
+            <a:r>
+              <a:rPr lang="en-US" sz="2500" b="1" dirty="0"/>
+              <a:t>Future work:</a:t>
+            </a:r>
+          </a:p>
+          <a:p>
+            <a:pPr marL="342900" indent="-342900" algn="just">
+              <a:buFont typeface="Arial" panose="020B0604020202020204" pitchFamily="34" charset="0"/>
+              <a:buChar char="•"/>
+            </a:pPr>
+            <a:r>
+              <a:rPr lang="en-US" sz="2500" dirty="0"/>
+              <a:t>Exam Companion will be trialled at QMUL in the academic year 2019/20 with a few select modules to investigate the effect of using the application on student’s exam performance compared to the previous year. </a:t>
+            </a:r>
+          </a:p>
+        </p:txBody>
+      </p:sp>
+      <mc:AlternateContent xmlns:mc="http://schemas.openxmlformats.org/markup-compatibility/2006" xmlns:p14="http://schemas.microsoft.com/office/powerpoint/2010/main">
+        <mc:Choice Requires="p14">
+          <p:contentPart p14:bwMode="auto" r:id="rId26">
+            <p14:nvContentPartPr>
+              <p14:cNvPr id="36" name="Ink 35">
+                <a:extLst>
+                  <a:ext uri="{FF2B5EF4-FFF2-40B4-BE49-F238E27FC236}">
+                    <a16:creationId xmlns:a16="http://schemas.microsoft.com/office/drawing/2014/main" id="{D967C7C7-A2A6-0045-BA30-BF07ABE7CA36}"/>
+                  </a:ext>
+                </a:extLst>
+              </p14:cNvPr>
+              <p14:cNvContentPartPr/>
+              <p14:nvPr/>
+            </p14:nvContentPartPr>
+            <p14:xfrm>
+              <a:off x="6420124" y="3187885"/>
+              <a:ext cx="973800" cy="737280"/>
+            </p14:xfrm>
+          </p:contentPart>
+        </mc:Choice>
+        <mc:Fallback xmlns="">
+          <p:pic>
+            <p:nvPicPr>
+              <p:cNvPr id="36" name="Ink 35">
+                <a:extLst>
+                  <a:ext uri="{FF2B5EF4-FFF2-40B4-BE49-F238E27FC236}">
+                    <a16:creationId xmlns:a16="http://schemas.microsoft.com/office/drawing/2014/main" id="{D967C7C7-A2A6-0045-BA30-BF07ABE7CA36}"/>
+                  </a:ext>
+                </a:extLst>
+              </p:cNvPr>
+              <p:cNvPicPr/>
+              <p:nvPr/>
+            </p:nvPicPr>
+            <p:blipFill>
+              <a:blip r:embed="rId27"/>
+              <a:stretch>
+                <a:fillRect/>
+              </a:stretch>
+            </p:blipFill>
+            <p:spPr>
+              <a:xfrm>
+                <a:off x="6357124" y="3125245"/>
+                <a:ext cx="1099440" cy="862920"/>
               </a:xfrm>
               <a:prstGeom prst="rect">
                 <a:avLst/>
@@ -5508,7 +6732,7 @@
           <p:nvPr/>
         </p:nvPicPr>
         <p:blipFill>
-          <a:blip r:embed="rId11">
+          <a:blip r:embed="rId28">
             <a:clrChange>
               <a:clrFrom>
                 <a:srgbClr val="FFFFFF"/>
@@ -5526,7 +6750,7 @@
         </p:blipFill>
         <p:spPr>
           <a:xfrm>
-            <a:off x="8792572" y="2609967"/>
+            <a:off x="5740503" y="2648834"/>
             <a:ext cx="2252905" cy="1689679"/>
           </a:xfrm>
           <a:prstGeom prst="rect">
@@ -5537,7 +6761,7 @@
     </p:spTree>
     <p:extLst>
       <p:ext uri="{BB962C8B-B14F-4D97-AF65-F5344CB8AC3E}">
-        <p14:creationId xmlns:p14="http://schemas.microsoft.com/office/powerpoint/2010/main" val="3588581814"/>
+        <p14:creationId xmlns:p14="http://schemas.microsoft.com/office/powerpoint/2010/main" val="232852850"/>
       </p:ext>
     </p:extLst>
   </p:cSld>
